--- a/Fourier Analysis Final Version.pptx
+++ b/Fourier Analysis Final Version.pptx
@@ -11,8 +11,8 @@
     <p:sldId id="271" r:id="rId5"/>
     <p:sldId id="273" r:id="rId6"/>
     <p:sldId id="264" r:id="rId7"/>
-    <p:sldId id="275" r:id="rId8"/>
-    <p:sldId id="277" r:id="rId9"/>
+    <p:sldId id="277" r:id="rId8"/>
+    <p:sldId id="275" r:id="rId9"/>
     <p:sldId id="265" r:id="rId10"/>
   </p:sldIdLst>
   <p:sldSz cx="12192000" cy="6858000"/>
@@ -296,7 +296,7 @@
           <a:p>
             <a:fld id="{1FE784E1-A1F6-4A5E-AFDD-21586E637BF1}" type="datetimeFigureOut">
               <a:rPr lang="nl-NL" smtClean="0"/>
-              <a:t>23-5-2023</a:t>
+              <a:t>24-5-2023</a:t>
             </a:fld>
             <a:endParaRPr lang="nl-NL"/>
           </a:p>
@@ -494,7 +494,7 @@
           <a:p>
             <a:fld id="{1FE784E1-A1F6-4A5E-AFDD-21586E637BF1}" type="datetimeFigureOut">
               <a:rPr lang="nl-NL" smtClean="0"/>
-              <a:t>23-5-2023</a:t>
+              <a:t>24-5-2023</a:t>
             </a:fld>
             <a:endParaRPr lang="nl-NL"/>
           </a:p>
@@ -702,7 +702,7 @@
           <a:p>
             <a:fld id="{1FE784E1-A1F6-4A5E-AFDD-21586E637BF1}" type="datetimeFigureOut">
               <a:rPr lang="nl-NL" smtClean="0"/>
-              <a:t>23-5-2023</a:t>
+              <a:t>24-5-2023</a:t>
             </a:fld>
             <a:endParaRPr lang="nl-NL"/>
           </a:p>
@@ -900,7 +900,7 @@
           <a:p>
             <a:fld id="{1FE784E1-A1F6-4A5E-AFDD-21586E637BF1}" type="datetimeFigureOut">
               <a:rPr lang="nl-NL" smtClean="0"/>
-              <a:t>23-5-2023</a:t>
+              <a:t>24-5-2023</a:t>
             </a:fld>
             <a:endParaRPr lang="nl-NL"/>
           </a:p>
@@ -1175,7 +1175,7 @@
           <a:p>
             <a:fld id="{1FE784E1-A1F6-4A5E-AFDD-21586E637BF1}" type="datetimeFigureOut">
               <a:rPr lang="nl-NL" smtClean="0"/>
-              <a:t>23-5-2023</a:t>
+              <a:t>24-5-2023</a:t>
             </a:fld>
             <a:endParaRPr lang="nl-NL"/>
           </a:p>
@@ -1440,7 +1440,7 @@
           <a:p>
             <a:fld id="{1FE784E1-A1F6-4A5E-AFDD-21586E637BF1}" type="datetimeFigureOut">
               <a:rPr lang="nl-NL" smtClean="0"/>
-              <a:t>23-5-2023</a:t>
+              <a:t>24-5-2023</a:t>
             </a:fld>
             <a:endParaRPr lang="nl-NL"/>
           </a:p>
@@ -1852,7 +1852,7 @@
           <a:p>
             <a:fld id="{1FE784E1-A1F6-4A5E-AFDD-21586E637BF1}" type="datetimeFigureOut">
               <a:rPr lang="nl-NL" smtClean="0"/>
-              <a:t>23-5-2023</a:t>
+              <a:t>24-5-2023</a:t>
             </a:fld>
             <a:endParaRPr lang="nl-NL"/>
           </a:p>
@@ -1993,7 +1993,7 @@
           <a:p>
             <a:fld id="{1FE784E1-A1F6-4A5E-AFDD-21586E637BF1}" type="datetimeFigureOut">
               <a:rPr lang="nl-NL" smtClean="0"/>
-              <a:t>23-5-2023</a:t>
+              <a:t>24-5-2023</a:t>
             </a:fld>
             <a:endParaRPr lang="nl-NL"/>
           </a:p>
@@ -2106,7 +2106,7 @@
           <a:p>
             <a:fld id="{1FE784E1-A1F6-4A5E-AFDD-21586E637BF1}" type="datetimeFigureOut">
               <a:rPr lang="nl-NL" smtClean="0"/>
-              <a:t>23-5-2023</a:t>
+              <a:t>24-5-2023</a:t>
             </a:fld>
             <a:endParaRPr lang="nl-NL"/>
           </a:p>
@@ -2417,7 +2417,7 @@
           <a:p>
             <a:fld id="{1FE784E1-A1F6-4A5E-AFDD-21586E637BF1}" type="datetimeFigureOut">
               <a:rPr lang="nl-NL" smtClean="0"/>
-              <a:t>23-5-2023</a:t>
+              <a:t>24-5-2023</a:t>
             </a:fld>
             <a:endParaRPr lang="nl-NL"/>
           </a:p>
@@ -2705,7 +2705,7 @@
           <a:p>
             <a:fld id="{1FE784E1-A1F6-4A5E-AFDD-21586E637BF1}" type="datetimeFigureOut">
               <a:rPr lang="nl-NL" smtClean="0"/>
-              <a:t>23-5-2023</a:t>
+              <a:t>24-5-2023</a:t>
             </a:fld>
             <a:endParaRPr lang="nl-NL"/>
           </a:p>
@@ -2946,7 +2946,7 @@
           <a:p>
             <a:fld id="{1FE784E1-A1F6-4A5E-AFDD-21586E637BF1}" type="datetimeFigureOut">
               <a:rPr lang="nl-NL" smtClean="0"/>
-              <a:t>23-5-2023</a:t>
+              <a:t>24-5-2023</a:t>
             </a:fld>
             <a:endParaRPr lang="nl-NL"/>
           </a:p>
@@ -3588,7 +3588,7 @@
         </p:blipFill>
         <p:spPr>
           <a:xfrm>
-            <a:off x="5168353" y="3456432"/>
+            <a:off x="5168355" y="3424789"/>
             <a:ext cx="7023646" cy="3401568"/>
           </a:xfrm>
           <a:custGeom>
@@ -3920,7 +3920,7 @@
         </p:nvSpPr>
         <p:spPr>
           <a:xfrm>
-            <a:off x="438912" y="1527048"/>
+            <a:off x="438912" y="1533144"/>
             <a:ext cx="5020056" cy="2770632"/>
           </a:xfrm>
         </p:spPr>
@@ -3931,13 +3931,6 @@
           <a:lstStyle/>
           <a:p>
             <a:pPr algn="l"/>
-            <a:r>
-              <a:rPr lang="en-US" sz="4200" dirty="0"/>
-              <a:t>Halfway presentation:</a:t>
-            </a:r>
-            <a:br>
-              <a:rPr lang="en-US" sz="4200" dirty="0"/>
-            </a:br>
             <a:r>
               <a:rPr lang="en-US" sz="4200" dirty="0"/>
               <a:t>Fourier Analysis in Optical Coherence Tomography</a:t>
@@ -3970,7 +3963,7 @@
         </p:spPr>
         <p:txBody>
           <a:bodyPr>
-            <a:normAutofit/>
+            <a:normAutofit fontScale="92500" lnSpcReduction="10000"/>
           </a:bodyPr>
           <a:lstStyle/>
           <a:p>
@@ -3984,11 +3977,34 @@
             <a:pPr algn="l"/>
             <a:r>
               <a:rPr lang="nl-NL" sz="2800" dirty="0"/>
-              <a:t>Research </a:t>
+              <a:t>May 2023</a:t>
+            </a:r>
+          </a:p>
+          <a:p>
+            <a:pPr algn="l"/>
+            <a:r>
+              <a:rPr lang="nl-NL" sz="2800" dirty="0" err="1"/>
+              <a:t>Physics</a:t>
             </a:r>
             <a:r>
-              <a:rPr lang="en-GB" sz="2800" dirty="0"/>
-              <a:t>Internship</a:t>
+              <a:rPr lang="nl-NL" sz="2800" dirty="0"/>
+              <a:t> </a:t>
+            </a:r>
+            <a:r>
+              <a:rPr lang="nl-NL" sz="2800" dirty="0" err="1"/>
+              <a:t>and</a:t>
+            </a:r>
+            <a:r>
+              <a:rPr lang="nl-NL" sz="2800" dirty="0"/>
+              <a:t> </a:t>
+            </a:r>
+            <a:r>
+              <a:rPr lang="nl-NL" sz="2800" dirty="0" err="1"/>
+              <a:t>astronmy</a:t>
+            </a:r>
+            <a:r>
+              <a:rPr lang="nl-NL" sz="2800" dirty="0"/>
+              <a:t>, NS-267B</a:t>
             </a:r>
           </a:p>
         </p:txBody>
@@ -4188,209 +4204,6 @@
   <p:clrMapOvr>
     <a:masterClrMapping/>
   </p:clrMapOvr>
-  <p:timing>
-    <p:tnLst>
-      <p:par>
-        <p:cTn id="1" dur="indefinite" restart="never" nodeType="tmRoot">
-          <p:childTnLst>
-            <p:seq concurrent="1" nextAc="seek">
-              <p:cTn id="2" dur="indefinite" nodeType="mainSeq">
-                <p:childTnLst>
-                  <p:par>
-                    <p:cTn id="3" fill="hold">
-                      <p:stCondLst>
-                        <p:cond delay="indefinite"/>
-                        <p:cond evt="onBegin" delay="0">
-                          <p:tn val="2"/>
-                        </p:cond>
-                      </p:stCondLst>
-                      <p:childTnLst>
-                        <p:par>
-                          <p:cTn id="4" fill="hold">
-                            <p:stCondLst>
-                              <p:cond delay="0"/>
-                            </p:stCondLst>
-                            <p:childTnLst>
-                              <p:par>
-                                <p:cTn id="5" presetID="10" presetClass="entr" presetSubtype="0" fill="hold" grpId="0" nodeType="withEffect">
-                                  <p:stCondLst>
-                                    <p:cond delay="1500"/>
-                                  </p:stCondLst>
-                                  <p:iterate>
-                                    <p:tmPct val="10000"/>
-                                  </p:iterate>
-                                  <p:childTnLst>
-                                    <p:set>
-                                      <p:cBhvr>
-                                        <p:cTn id="6" dur="1" fill="hold">
-                                          <p:stCondLst>
-                                            <p:cond delay="0"/>
-                                          </p:stCondLst>
-                                        </p:cTn>
-                                        <p:tgtEl>
-                                          <p:spTgt spid="3">
-                                            <p:txEl>
-                                              <p:pRg st="0" end="0"/>
-                                            </p:txEl>
-                                          </p:spTgt>
-                                        </p:tgtEl>
-                                        <p:attrNameLst>
-                                          <p:attrName>style.visibility</p:attrName>
-                                        </p:attrNameLst>
-                                      </p:cBhvr>
-                                      <p:to>
-                                        <p:strVal val="visible"/>
-                                      </p:to>
-                                    </p:set>
-                                    <p:animEffect transition="in" filter="fade">
-                                      <p:cBhvr>
-                                        <p:cTn id="7" dur="700"/>
-                                        <p:tgtEl>
-                                          <p:spTgt spid="3">
-                                            <p:txEl>
-                                              <p:pRg st="0" end="0"/>
-                                            </p:txEl>
-                                          </p:spTgt>
-                                        </p:tgtEl>
-                                      </p:cBhvr>
-                                    </p:animEffect>
-                                  </p:childTnLst>
-                                </p:cTn>
-                              </p:par>
-                            </p:childTnLst>
-                          </p:cTn>
-                        </p:par>
-                      </p:childTnLst>
-                    </p:cTn>
-                  </p:par>
-                  <p:par>
-                    <p:cTn id="8" fill="hold">
-                      <p:stCondLst>
-                        <p:cond delay="indefinite"/>
-                      </p:stCondLst>
-                      <p:childTnLst>
-                        <p:par>
-                          <p:cTn id="9" fill="hold">
-                            <p:stCondLst>
-                              <p:cond delay="0"/>
-                            </p:stCondLst>
-                            <p:childTnLst>
-                              <p:par>
-                                <p:cTn id="10" presetID="10" presetClass="entr" presetSubtype="0" fill="hold" grpId="0" nodeType="clickEffect">
-                                  <p:stCondLst>
-                                    <p:cond delay="1500"/>
-                                  </p:stCondLst>
-                                  <p:iterate>
-                                    <p:tmPct val="10000"/>
-                                  </p:iterate>
-                                  <p:childTnLst>
-                                    <p:set>
-                                      <p:cBhvr>
-                                        <p:cTn id="11" dur="1" fill="hold">
-                                          <p:stCondLst>
-                                            <p:cond delay="0"/>
-                                          </p:stCondLst>
-                                        </p:cTn>
-                                        <p:tgtEl>
-                                          <p:spTgt spid="3">
-                                            <p:txEl>
-                                              <p:pRg st="1" end="1"/>
-                                            </p:txEl>
-                                          </p:spTgt>
-                                        </p:tgtEl>
-                                        <p:attrNameLst>
-                                          <p:attrName>style.visibility</p:attrName>
-                                        </p:attrNameLst>
-                                      </p:cBhvr>
-                                      <p:to>
-                                        <p:strVal val="visible"/>
-                                      </p:to>
-                                    </p:set>
-                                    <p:animEffect transition="in" filter="fade">
-                                      <p:cBhvr>
-                                        <p:cTn id="12" dur="700"/>
-                                        <p:tgtEl>
-                                          <p:spTgt spid="3">
-                                            <p:txEl>
-                                              <p:pRg st="1" end="1"/>
-                                            </p:txEl>
-                                          </p:spTgt>
-                                        </p:tgtEl>
-                                      </p:cBhvr>
-                                    </p:animEffect>
-                                  </p:childTnLst>
-                                </p:cTn>
-                              </p:par>
-                              <p:par>
-                                <p:cTn id="13" presetID="10" presetClass="entr" presetSubtype="0" fill="hold" grpId="0" nodeType="withEffect">
-                                  <p:stCondLst>
-                                    <p:cond delay="1000"/>
-                                  </p:stCondLst>
-                                  <p:iterate>
-                                    <p:tmPct val="10000"/>
-                                  </p:iterate>
-                                  <p:childTnLst>
-                                    <p:set>
-                                      <p:cBhvr>
-                                        <p:cTn id="14" dur="1" fill="hold">
-                                          <p:stCondLst>
-                                            <p:cond delay="0"/>
-                                          </p:stCondLst>
-                                        </p:cTn>
-                                        <p:tgtEl>
-                                          <p:spTgt spid="2"/>
-                                        </p:tgtEl>
-                                        <p:attrNameLst>
-                                          <p:attrName>style.visibility</p:attrName>
-                                        </p:attrNameLst>
-                                      </p:cBhvr>
-                                      <p:to>
-                                        <p:strVal val="visible"/>
-                                      </p:to>
-                                    </p:set>
-                                    <p:animEffect transition="in" filter="fade">
-                                      <p:cBhvr>
-                                        <p:cTn id="15" dur="700"/>
-                                        <p:tgtEl>
-                                          <p:spTgt spid="2"/>
-                                        </p:tgtEl>
-                                      </p:cBhvr>
-                                    </p:animEffect>
-                                  </p:childTnLst>
-                                </p:cTn>
-                              </p:par>
-                            </p:childTnLst>
-                          </p:cTn>
-                        </p:par>
-                      </p:childTnLst>
-                    </p:cTn>
-                  </p:par>
-                </p:childTnLst>
-              </p:cTn>
-              <p:prevCondLst>
-                <p:cond evt="onPrev" delay="0">
-                  <p:tgtEl>
-                    <p:sldTgt/>
-                  </p:tgtEl>
-                </p:cond>
-              </p:prevCondLst>
-              <p:nextCondLst>
-                <p:cond evt="onNext" delay="0">
-                  <p:tgtEl>
-                    <p:sldTgt/>
-                  </p:tgtEl>
-                </p:cond>
-              </p:nextCondLst>
-            </p:seq>
-          </p:childTnLst>
-        </p:cTn>
-      </p:par>
-    </p:tnLst>
-    <p:bldLst>
-      <p:bldP spid="2" grpId="0"/>
-      <p:bldP spid="3" grpId="0" build="p"/>
-    </p:bldLst>
-  </p:timing>
 </p:sld>
 </file>
 
@@ -4809,8 +4622,8 @@
           </a:p>
         </p:txBody>
       </p:sp>
-      <mc:AlternateContent xmlns:mc="http://schemas.openxmlformats.org/markup-compatibility/2006">
-        <mc:Choice xmlns:a14="http://schemas.microsoft.com/office/drawing/2010/main" Requires="a14">
+      <mc:AlternateContent xmlns:mc="http://schemas.openxmlformats.org/markup-compatibility/2006" xmlns:a14="http://schemas.microsoft.com/office/drawing/2010/main">
+        <mc:Choice Requires="a14">
           <p:sp>
             <p:nvSpPr>
               <p:cNvPr id="3" name="Tijdelijke aanduiding voor inhoud 2">
@@ -5384,7 +5197,7 @@
             </p:txBody>
           </p:sp>
         </mc:Choice>
-        <mc:Fallback>
+        <mc:Fallback xmlns="">
           <p:sp>
             <p:nvSpPr>
               <p:cNvPr id="3" name="Tijdelijke aanduiding voor inhoud 2">
@@ -5684,11 +5497,7 @@
                                           </p:stCondLst>
                                         </p:cTn>
                                         <p:tgtEl>
-                                          <p:spTgt spid="3">
-                                            <p:txEl>
-                                              <p:pRg st="1" end="1"/>
-                                            </p:txEl>
-                                          </p:spTgt>
+                                          <p:spTgt spid="4"/>
                                         </p:tgtEl>
                                         <p:attrNameLst>
                                           <p:attrName>style.visibility</p:attrName>
@@ -5735,6 +5544,37 @@
                                         <p:tgtEl>
                                           <p:spTgt spid="3">
                                             <p:txEl>
+                                              <p:pRg st="1" end="1"/>
+                                            </p:txEl>
+                                          </p:spTgt>
+                                        </p:tgtEl>
+                                        <p:attrNameLst>
+                                          <p:attrName>style.visibility</p:attrName>
+                                        </p:attrNameLst>
+                                      </p:cBhvr>
+                                      <p:to>
+                                        <p:strVal val="visible"/>
+                                      </p:to>
+                                    </p:set>
+                                  </p:childTnLst>
+                                </p:cTn>
+                              </p:par>
+                              <p:par>
+                                <p:cTn id="15" presetID="1" presetClass="entr" presetSubtype="0" fill="hold" nodeType="withEffect">
+                                  <p:stCondLst>
+                                    <p:cond delay="0"/>
+                                  </p:stCondLst>
+                                  <p:childTnLst>
+                                    <p:set>
+                                      <p:cBhvr>
+                                        <p:cTn id="16" dur="1" fill="hold">
+                                          <p:stCondLst>
+                                            <p:cond delay="0"/>
+                                          </p:stCondLst>
+                                        </p:cTn>
+                                        <p:tgtEl>
+                                          <p:spTgt spid="3">
+                                            <p:txEl>
                                               <p:pRg st="2" end="2"/>
                                             </p:txEl>
                                           </p:spTgt>
@@ -5750,26 +5590,8 @@
                                   </p:childTnLst>
                                 </p:cTn>
                               </p:par>
-                            </p:childTnLst>
-                          </p:cTn>
-                        </p:par>
-                      </p:childTnLst>
-                    </p:cTn>
-                  </p:par>
-                  <p:par>
-                    <p:cTn id="15" fill="hold">
-                      <p:stCondLst>
-                        <p:cond delay="indefinite"/>
-                      </p:stCondLst>
-                      <p:childTnLst>
-                        <p:par>
-                          <p:cTn id="16" fill="hold">
-                            <p:stCondLst>
-                              <p:cond delay="0"/>
-                            </p:stCondLst>
-                            <p:childTnLst>
                               <p:par>
-                                <p:cTn id="17" presetID="1" presetClass="entr" presetSubtype="0" fill="hold" nodeType="clickEffect">
+                                <p:cTn id="17" presetID="1" presetClass="entr" presetSubtype="0" fill="hold" nodeType="withEffect">
                                   <p:stCondLst>
                                     <p:cond delay="0"/>
                                   </p:stCondLst>
@@ -5818,7 +5640,7 @@
                             </p:stCondLst>
                             <p:childTnLst>
                               <p:par>
-                                <p:cTn id="21" presetID="1" presetClass="entr" presetSubtype="0" fill="hold" nodeType="clickEffect">
+                                <p:cTn id="21" presetID="1" presetClass="entr" presetSubtype="0" fill="hold" grpId="0" nodeType="clickEffect">
                                   <p:stCondLst>
                                     <p:cond delay="0"/>
                                   </p:stCondLst>
@@ -5831,11 +5653,7 @@
                                           </p:stCondLst>
                                         </p:cTn>
                                         <p:tgtEl>
-                                          <p:spTgt spid="3">
-                                            <p:txEl>
-                                              <p:pRg st="5" end="5"/>
-                                            </p:txEl>
-                                          </p:spTgt>
+                                          <p:spTgt spid="5"/>
                                         </p:tgtEl>
                                         <p:attrNameLst>
                                           <p:attrName>style.visibility</p:attrName>
@@ -5867,7 +5685,7 @@
                             </p:stCondLst>
                             <p:childTnLst>
                               <p:par>
-                                <p:cTn id="25" presetID="1" presetClass="entr" presetSubtype="0" fill="hold" grpId="0" nodeType="clickEffect">
+                                <p:cTn id="25" presetID="1" presetClass="entr" presetSubtype="0" fill="hold" nodeType="clickEffect">
                                   <p:stCondLst>
                                     <p:cond delay="0"/>
                                   </p:stCondLst>
@@ -5880,79 +5698,11 @@
                                           </p:stCondLst>
                                         </p:cTn>
                                         <p:tgtEl>
-                                          <p:spTgt spid="7"/>
-                                        </p:tgtEl>
-                                        <p:attrNameLst>
-                                          <p:attrName>style.visibility</p:attrName>
-                                        </p:attrNameLst>
-                                      </p:cBhvr>
-                                      <p:to>
-                                        <p:strVal val="visible"/>
-                                      </p:to>
-                                    </p:set>
-                                  </p:childTnLst>
-                                </p:cTn>
-                              </p:par>
-                              <p:par>
-                                <p:cTn id="27" presetID="1" presetClass="entr" presetSubtype="0" fill="hold" nodeType="withEffect">
-                                  <p:stCondLst>
-                                    <p:cond delay="0"/>
-                                  </p:stCondLst>
-                                  <p:childTnLst>
-                                    <p:set>
-                                      <p:cBhvr>
-                                        <p:cTn id="28" dur="1" fill="hold">
-                                          <p:stCondLst>
-                                            <p:cond delay="0"/>
-                                          </p:stCondLst>
-                                        </p:cTn>
-                                        <p:tgtEl>
-                                          <p:spTgt spid="4"/>
-                                        </p:tgtEl>
-                                        <p:attrNameLst>
-                                          <p:attrName>style.visibility</p:attrName>
-                                        </p:attrNameLst>
-                                      </p:cBhvr>
-                                      <p:to>
-                                        <p:strVal val="visible"/>
-                                      </p:to>
-                                    </p:set>
-                                  </p:childTnLst>
-                                </p:cTn>
-                              </p:par>
-                            </p:childTnLst>
-                          </p:cTn>
-                        </p:par>
-                      </p:childTnLst>
-                    </p:cTn>
-                  </p:par>
-                  <p:par>
-                    <p:cTn id="29" fill="hold">
-                      <p:stCondLst>
-                        <p:cond delay="indefinite"/>
-                      </p:stCondLst>
-                      <p:childTnLst>
-                        <p:par>
-                          <p:cTn id="30" fill="hold">
-                            <p:stCondLst>
-                              <p:cond delay="0"/>
-                            </p:stCondLst>
-                            <p:childTnLst>
-                              <p:par>
-                                <p:cTn id="31" presetID="1" presetClass="entr" presetSubtype="0" fill="hold" grpId="0" nodeType="clickEffect">
-                                  <p:stCondLst>
-                                    <p:cond delay="0"/>
-                                  </p:stCondLst>
-                                  <p:childTnLst>
-                                    <p:set>
-                                      <p:cBhvr>
-                                        <p:cTn id="32" dur="1" fill="hold">
-                                          <p:stCondLst>
-                                            <p:cond delay="0"/>
-                                          </p:stCondLst>
-                                        </p:cTn>
-                                        <p:tgtEl>
-                                          <p:spTgt spid="5"/>
+                                          <p:spTgt spid="3">
+                                            <p:txEl>
+                                              <p:pRg st="5" end="5"/>
+                                            </p:txEl>
+                                          </p:spTgt>
                                         </p:tgtEl>
                                         <p:attrNameLst>
                                           <p:attrName>style.visibility</p:attrName>
@@ -5993,7 +5743,6 @@
       </p:par>
     </p:tnLst>
     <p:bldLst>
-      <p:bldP spid="7" grpId="0"/>
       <p:bldP spid="5" grpId="0"/>
     </p:bldLst>
   </p:timing>
@@ -6460,8 +6209,8 @@
         </p:blipFill>
         <p:spPr>
           <a:xfrm>
-            <a:off x="328608" y="2717223"/>
-            <a:ext cx="3510656" cy="1738923"/>
+            <a:off x="328608" y="2645893"/>
+            <a:ext cx="3494671" cy="1731005"/>
           </a:xfrm>
           <a:prstGeom prst="rect">
             <a:avLst/>
@@ -6523,7 +6272,7 @@
             </p:nvSpPr>
             <p:spPr>
               <a:xfrm>
-                <a:off x="4488873" y="2262293"/>
+                <a:off x="4515190" y="2262293"/>
                 <a:ext cx="7115139" cy="3683662"/>
               </a:xfrm>
             </p:spPr>
@@ -7032,13 +6781,13 @@
             </p:nvSpPr>
             <p:spPr>
               <a:xfrm>
-                <a:off x="4488873" y="2262293"/>
+                <a:off x="4515190" y="2262293"/>
                 <a:ext cx="7115139" cy="3683662"/>
               </a:xfrm>
               <a:blipFill>
                 <a:blip r:embed="rId5"/>
                 <a:stretch>
-                  <a:fillRect l="-342"/>
+                  <a:fillRect l="-343"/>
                 </a:stretch>
               </a:blipFill>
             </p:spPr>
@@ -7047,7 +6796,7 @@
               <a:lstStyle/>
               <a:p>
                 <a:r>
-                  <a:rPr lang="nl-NL">
+                  <a:rPr lang="en-GB">
                     <a:noFill/>
                   </a:rPr>
                   <a:t> </a:t>
@@ -7265,33 +7014,15 @@
                                   </p:childTnLst>
                                 </p:cTn>
                               </p:par>
-                            </p:childTnLst>
-                          </p:cTn>
-                        </p:par>
-                      </p:childTnLst>
-                    </p:cTn>
-                  </p:par>
-                  <p:par>
-                    <p:cTn id="19" fill="hold">
-                      <p:stCondLst>
-                        <p:cond delay="indefinite"/>
-                      </p:stCondLst>
-                      <p:childTnLst>
-                        <p:par>
-                          <p:cTn id="20" fill="hold">
-                            <p:stCondLst>
-                              <p:cond delay="0"/>
-                            </p:stCondLst>
-                            <p:childTnLst>
                               <p:par>
-                                <p:cTn id="21" presetID="1" presetClass="entr" presetSubtype="0" fill="hold" nodeType="clickEffect">
+                                <p:cTn id="19" presetID="1" presetClass="entr" presetSubtype="0" fill="hold" nodeType="withEffect">
                                   <p:stCondLst>
                                     <p:cond delay="0"/>
                                   </p:stCondLst>
                                   <p:childTnLst>
                                     <p:set>
                                       <p:cBhvr>
-                                        <p:cTn id="22" dur="1" fill="hold">
+                                        <p:cTn id="20" dur="1" fill="hold">
                                           <p:stCondLst>
                                             <p:cond delay="0"/>
                                           </p:stCondLst>
@@ -7321,26 +7052,26 @@
                     </p:cTn>
                   </p:par>
                   <p:par>
-                    <p:cTn id="23" fill="hold">
+                    <p:cTn id="21" fill="hold">
                       <p:stCondLst>
                         <p:cond delay="indefinite"/>
                       </p:stCondLst>
                       <p:childTnLst>
                         <p:par>
-                          <p:cTn id="24" fill="hold">
+                          <p:cTn id="22" fill="hold">
                             <p:stCondLst>
                               <p:cond delay="0"/>
                             </p:stCondLst>
                             <p:childTnLst>
                               <p:par>
-                                <p:cTn id="25" presetID="1" presetClass="entr" presetSubtype="0" fill="hold" nodeType="clickEffect">
+                                <p:cTn id="23" presetID="1" presetClass="entr" presetSubtype="0" fill="hold" nodeType="clickEffect">
                                   <p:stCondLst>
                                     <p:cond delay="0"/>
                                   </p:stCondLst>
                                   <p:childTnLst>
                                     <p:set>
                                       <p:cBhvr>
-                                        <p:cTn id="26" dur="1" fill="hold">
+                                        <p:cTn id="24" dur="1" fill="hold">
                                           <p:stCondLst>
                                             <p:cond delay="0"/>
                                           </p:stCondLst>
@@ -7351,33 +7082,6 @@
                                               <p:pRg st="5" end="5"/>
                                             </p:txEl>
                                           </p:spTgt>
-                                        </p:tgtEl>
-                                        <p:attrNameLst>
-                                          <p:attrName>style.visibility</p:attrName>
-                                        </p:attrNameLst>
-                                      </p:cBhvr>
-                                      <p:to>
-                                        <p:strVal val="visible"/>
-                                      </p:to>
-                                    </p:set>
-                                  </p:childTnLst>
-                                </p:cTn>
-                              </p:par>
-                              <p:par>
-                                <p:cTn id="27" presetID="1" presetClass="entr" presetSubtype="0" fill="hold" nodeType="withEffect">
-                                  <p:stCondLst>
-                                    <p:cond delay="0"/>
-                                  </p:stCondLst>
-                                  <p:childTnLst>
-                                    <p:set>
-                                      <p:cBhvr>
-                                        <p:cTn id="28" dur="1" fill="hold">
-                                          <p:stCondLst>
-                                            <p:cond delay="0"/>
-                                          </p:stCondLst>
-                                        </p:cTn>
-                                        <p:tgtEl>
-                                          <p:spTgt spid="11"/>
                                         </p:tgtEl>
                                         <p:attrNameLst>
                                           <p:attrName>style.visibility</p:attrName>
@@ -7601,12 +7305,20 @@
           <a:lstStyle/>
           <a:p>
             <a:r>
-              <a:rPr lang="en-GB" sz="4800"/>
+              <a:rPr lang="en-GB" sz="4800" dirty="0"/>
               <a:t>What</a:t>
             </a:r>
             <a:r>
-              <a:rPr lang="nl-NL" sz="4800"/>
-              <a:t> is our goal?</a:t>
+              <a:rPr lang="nl-NL" sz="4800" dirty="0"/>
+              <a:t> is </a:t>
+            </a:r>
+            <a:r>
+              <a:rPr lang="nl-NL" sz="4800" dirty="0" err="1"/>
+              <a:t>our</a:t>
+            </a:r>
+            <a:r>
+              <a:rPr lang="nl-NL" sz="4800" dirty="0"/>
+              <a:t> Goal?</a:t>
             </a:r>
           </a:p>
         </p:txBody>
@@ -7922,7 +7634,7 @@
         </p:nvSpPr>
         <p:spPr>
           <a:xfrm>
-            <a:off x="4488873" y="2620641"/>
+            <a:off x="4454230" y="2620641"/>
             <a:ext cx="7115139" cy="3023702"/>
           </a:xfrm>
         </p:spPr>
@@ -8071,7 +7783,7 @@
                                         <p:tgtEl>
                                           <p:spTgt spid="3">
                                             <p:txEl>
-                                              <p:pRg st="4" end="4"/>
+                                              <p:pRg st="0" end="0"/>
                                             </p:txEl>
                                           </p:spTgt>
                                         </p:tgtEl>
@@ -8118,11 +7830,7 @@
                                           </p:stCondLst>
                                         </p:cTn>
                                         <p:tgtEl>
-                                          <p:spTgt spid="3">
-                                            <p:txEl>
-                                              <p:pRg st="2" end="2"/>
-                                            </p:txEl>
-                                          </p:spTgt>
+                                          <p:spTgt spid="14"/>
                                         </p:tgtEl>
                                         <p:attrNameLst>
                                           <p:attrName>style.visibility</p:attrName>
@@ -8169,7 +7877,7 @@
                                         <p:tgtEl>
                                           <p:spTgt spid="3">
                                             <p:txEl>
-                                              <p:pRg st="0" end="0"/>
+                                              <p:pRg st="2" end="2"/>
                                             </p:txEl>
                                           </p:spTgt>
                                         </p:tgtEl>
@@ -8216,7 +7924,11 @@
                                           </p:stCondLst>
                                         </p:cTn>
                                         <p:tgtEl>
-                                          <p:spTgt spid="9"/>
+                                          <p:spTgt spid="3">
+                                            <p:txEl>
+                                              <p:pRg st="4" end="4"/>
+                                            </p:txEl>
+                                          </p:spTgt>
                                         </p:tgtEl>
                                         <p:attrNameLst>
                                           <p:attrName>style.visibility</p:attrName>
@@ -8261,11 +7973,7 @@
                                           </p:stCondLst>
                                         </p:cTn>
                                         <p:tgtEl>
-                                          <p:spTgt spid="3">
-                                            <p:txEl>
-                                              <p:pRg st="6" end="6"/>
-                                            </p:txEl>
-                                          </p:spTgt>
+                                          <p:spTgt spid="9"/>
                                         </p:tgtEl>
                                         <p:attrNameLst>
                                           <p:attrName>style.visibility</p:attrName>
@@ -8305,6 +8013,55 @@
                                     <p:set>
                                       <p:cBhvr>
                                         <p:cTn id="26" dur="1" fill="hold">
+                                          <p:stCondLst>
+                                            <p:cond delay="0"/>
+                                          </p:stCondLst>
+                                        </p:cTn>
+                                        <p:tgtEl>
+                                          <p:spTgt spid="3">
+                                            <p:txEl>
+                                              <p:pRg st="6" end="6"/>
+                                            </p:txEl>
+                                          </p:spTgt>
+                                        </p:tgtEl>
+                                        <p:attrNameLst>
+                                          <p:attrName>style.visibility</p:attrName>
+                                        </p:attrNameLst>
+                                      </p:cBhvr>
+                                      <p:to>
+                                        <p:strVal val="visible"/>
+                                      </p:to>
+                                    </p:set>
+                                  </p:childTnLst>
+                                </p:cTn>
+                              </p:par>
+                            </p:childTnLst>
+                          </p:cTn>
+                        </p:par>
+                      </p:childTnLst>
+                    </p:cTn>
+                  </p:par>
+                  <p:par>
+                    <p:cTn id="27" fill="hold">
+                      <p:stCondLst>
+                        <p:cond delay="indefinite"/>
+                      </p:stCondLst>
+                      <p:childTnLst>
+                        <p:par>
+                          <p:cTn id="28" fill="hold">
+                            <p:stCondLst>
+                              <p:cond delay="0"/>
+                            </p:stCondLst>
+                            <p:childTnLst>
+                              <p:par>
+                                <p:cTn id="29" presetID="1" presetClass="entr" presetSubtype="0" fill="hold" nodeType="clickEffect">
+                                  <p:stCondLst>
+                                    <p:cond delay="0"/>
+                                  </p:stCondLst>
+                                  <p:childTnLst>
+                                    <p:set>
+                                      <p:cBhvr>
+                                        <p:cTn id="30" dur="1" fill="hold">
                                           <p:stCondLst>
                                             <p:cond delay="0"/>
                                           </p:stCondLst>
@@ -9017,20 +8774,6 @@
                   <a:rPr lang="en-GB" sz="2000" dirty="0"/>
                   <a:t>2 Methods to interpolate the exact frequency</a:t>
                 </a:r>
-              </a:p>
-              <a:p>
-                <a:pPr marL="0" indent="0">
-                  <a:buNone/>
-                </a:pPr>
-                <a:r>
-                  <a:rPr lang="en-GB" sz="2000" dirty="0"/>
-                  <a:t>To determine the </a:t>
-                </a:r>
-                <a:r>
-                  <a:rPr lang="en-GB" sz="2000"/>
-                  <a:t>Exact location</a:t>
-                </a:r>
-                <a:endParaRPr lang="en-GB" sz="2000" dirty="0"/>
               </a:p>
               <a:p>
                 <a:pPr marL="0" indent="0">
@@ -9704,7 +9447,7 @@
               <a:lstStyle/>
               <a:p>
                 <a:r>
-                  <a:rPr lang="nl-NL">
+                  <a:rPr lang="en-GB">
                     <a:noFill/>
                   </a:rPr>
                   <a:t> </a:t>
@@ -9794,88 +9537,6 @@
           </a:prstGeom>
         </p:spPr>
       </p:pic>
-      <p:cxnSp>
-        <p:nvCxnSpPr>
-          <p:cNvPr id="10" name="Rechte verbindingslijn met pijl 9">
-            <a:extLst>
-              <a:ext uri="{FF2B5EF4-FFF2-40B4-BE49-F238E27FC236}">
-                <a16:creationId xmlns:a16="http://schemas.microsoft.com/office/drawing/2014/main" id="{59940BEC-BA73-5958-146A-6712440D1985}"/>
-              </a:ext>
-            </a:extLst>
-          </p:cNvPr>
-          <p:cNvCxnSpPr>
-            <a:cxnSpLocks/>
-          </p:cNvCxnSpPr>
-          <p:nvPr/>
-        </p:nvCxnSpPr>
-        <p:spPr>
-          <a:xfrm>
-            <a:off x="3714805" y="4151376"/>
-            <a:ext cx="332939" cy="0"/>
-          </a:xfrm>
-          <a:prstGeom prst="straightConnector1">
-            <a:avLst/>
-          </a:prstGeom>
-          <a:ln>
-            <a:tailEnd type="triangle"/>
-          </a:ln>
-        </p:spPr>
-        <p:style>
-          <a:lnRef idx="1">
-            <a:schemeClr val="dk1"/>
-          </a:lnRef>
-          <a:fillRef idx="0">
-            <a:schemeClr val="dk1"/>
-          </a:fillRef>
-          <a:effectRef idx="0">
-            <a:schemeClr val="dk1"/>
-          </a:effectRef>
-          <a:fontRef idx="minor">
-            <a:schemeClr val="tx1"/>
-          </a:fontRef>
-        </p:style>
-      </p:cxnSp>
-      <p:cxnSp>
-        <p:nvCxnSpPr>
-          <p:cNvPr id="13" name="Rechte verbindingslijn met pijl 12">
-            <a:extLst>
-              <a:ext uri="{FF2B5EF4-FFF2-40B4-BE49-F238E27FC236}">
-                <a16:creationId xmlns:a16="http://schemas.microsoft.com/office/drawing/2014/main" id="{74F502A5-E729-D614-E35F-D9D586294B8B}"/>
-              </a:ext>
-            </a:extLst>
-          </p:cNvPr>
-          <p:cNvCxnSpPr>
-            <a:cxnSpLocks/>
-          </p:cNvCxnSpPr>
-          <p:nvPr/>
-        </p:nvCxnSpPr>
-        <p:spPr>
-          <a:xfrm>
-            <a:off x="3381866" y="5309616"/>
-            <a:ext cx="332939" cy="0"/>
-          </a:xfrm>
-          <a:prstGeom prst="straightConnector1">
-            <a:avLst/>
-          </a:prstGeom>
-          <a:ln>
-            <a:tailEnd type="triangle"/>
-          </a:ln>
-        </p:spPr>
-        <p:style>
-          <a:lnRef idx="1">
-            <a:schemeClr val="dk1"/>
-          </a:lnRef>
-          <a:fillRef idx="0">
-            <a:schemeClr val="dk1"/>
-          </a:fillRef>
-          <a:effectRef idx="0">
-            <a:schemeClr val="dk1"/>
-          </a:effectRef>
-          <a:fontRef idx="minor">
-            <a:schemeClr val="tx1"/>
-          </a:fontRef>
-        </p:style>
-      </p:cxnSp>
     </p:spTree>
     <p:extLst>
       <p:ext uri="{BB962C8B-B14F-4D97-AF65-F5344CB8AC3E}">
@@ -9898,9 +9559,6 @@
                     <p:cTn id="3" fill="hold">
                       <p:stCondLst>
                         <p:cond delay="indefinite"/>
-                        <p:cond evt="onBegin" delay="0">
-                          <p:tn val="2"/>
-                        </p:cond>
                       </p:stCondLst>
                       <p:childTnLst>
                         <p:par>
@@ -9910,7 +9568,7 @@
                             </p:stCondLst>
                             <p:childTnLst>
                               <p:par>
-                                <p:cTn id="5" presetID="10" presetClass="entr" presetSubtype="0" fill="hold" nodeType="withEffect">
+                                <p:cTn id="5" presetID="1" presetClass="entr" presetSubtype="0" fill="hold" nodeType="clickEffect">
                                   <p:stCondLst>
                                     <p:cond delay="0"/>
                                   </p:stCondLst>
@@ -9923,7 +9581,11 @@
                                           </p:stCondLst>
                                         </p:cTn>
                                         <p:tgtEl>
-                                          <p:spTgt spid="6"/>
+                                          <p:spTgt spid="4">
+                                            <p:txEl>
+                                              <p:pRg st="0" end="0"/>
+                                            </p:txEl>
+                                          </p:spTgt>
                                         </p:tgtEl>
                                         <p:attrNameLst>
                                           <p:attrName>style.visibility</p:attrName>
@@ -9933,14 +9595,6 @@
                                         <p:strVal val="visible"/>
                                       </p:to>
                                     </p:set>
-                                    <p:animEffect transition="in" filter="fade">
-                                      <p:cBhvr>
-                                        <p:cTn id="7" dur="500"/>
-                                        <p:tgtEl>
-                                          <p:spTgt spid="6"/>
-                                        </p:tgtEl>
-                                      </p:cBhvr>
-                                    </p:animEffect>
                                   </p:childTnLst>
                                 </p:cTn>
                               </p:par>
@@ -9951,26 +9605,186 @@
                     </p:cTn>
                   </p:par>
                   <p:par>
-                    <p:cTn id="8" fill="hold">
+                    <p:cTn id="7" fill="hold">
                       <p:stCondLst>
                         <p:cond delay="indefinite"/>
                       </p:stCondLst>
                       <p:childTnLst>
                         <p:par>
-                          <p:cTn id="9" fill="hold">
+                          <p:cTn id="8" fill="hold">
                             <p:stCondLst>
                               <p:cond delay="0"/>
                             </p:stCondLst>
                             <p:childTnLst>
                               <p:par>
-                                <p:cTn id="10" presetID="1" presetClass="entr" presetSubtype="0" fill="hold" nodeType="clickEffect">
+                                <p:cTn id="9" presetID="1" presetClass="entr" presetSubtype="0" fill="hold" nodeType="clickEffect">
                                   <p:stCondLst>
                                     <p:cond delay="0"/>
                                   </p:stCondLst>
                                   <p:childTnLst>
                                     <p:set>
                                       <p:cBhvr>
-                                        <p:cTn id="11" dur="1" fill="hold">
+                                        <p:cTn id="10" dur="1" fill="hold">
+                                          <p:stCondLst>
+                                            <p:cond delay="0"/>
+                                          </p:stCondLst>
+                                        </p:cTn>
+                                        <p:tgtEl>
+                                          <p:spTgt spid="4">
+                                            <p:txEl>
+                                              <p:pRg st="2" end="2"/>
+                                            </p:txEl>
+                                          </p:spTgt>
+                                        </p:tgtEl>
+                                        <p:attrNameLst>
+                                          <p:attrName>style.visibility</p:attrName>
+                                        </p:attrNameLst>
+                                      </p:cBhvr>
+                                      <p:to>
+                                        <p:strVal val="visible"/>
+                                      </p:to>
+                                    </p:set>
+                                  </p:childTnLst>
+                                </p:cTn>
+                              </p:par>
+                              <p:par>
+                                <p:cTn id="11" presetID="1" presetClass="entr" presetSubtype="0" fill="hold" nodeType="withEffect">
+                                  <p:stCondLst>
+                                    <p:cond delay="0"/>
+                                  </p:stCondLst>
+                                  <p:childTnLst>
+                                    <p:set>
+                                      <p:cBhvr>
+                                        <p:cTn id="12" dur="1" fill="hold">
+                                          <p:stCondLst>
+                                            <p:cond delay="0"/>
+                                          </p:stCondLst>
+                                        </p:cTn>
+                                        <p:tgtEl>
+                                          <p:spTgt spid="4">
+                                            <p:txEl>
+                                              <p:pRg st="3" end="3"/>
+                                            </p:txEl>
+                                          </p:spTgt>
+                                        </p:tgtEl>
+                                        <p:attrNameLst>
+                                          <p:attrName>style.visibility</p:attrName>
+                                        </p:attrNameLst>
+                                      </p:cBhvr>
+                                      <p:to>
+                                        <p:strVal val="visible"/>
+                                      </p:to>
+                                    </p:set>
+                                  </p:childTnLst>
+                                </p:cTn>
+                              </p:par>
+                            </p:childTnLst>
+                          </p:cTn>
+                        </p:par>
+                      </p:childTnLst>
+                    </p:cTn>
+                  </p:par>
+                  <p:par>
+                    <p:cTn id="13" fill="hold">
+                      <p:stCondLst>
+                        <p:cond delay="indefinite"/>
+                      </p:stCondLst>
+                      <p:childTnLst>
+                        <p:par>
+                          <p:cTn id="14" fill="hold">
+                            <p:stCondLst>
+                              <p:cond delay="0"/>
+                            </p:stCondLst>
+                            <p:childTnLst>
+                              <p:par>
+                                <p:cTn id="15" presetID="1" presetClass="entr" presetSubtype="0" fill="hold" nodeType="clickEffect">
+                                  <p:stCondLst>
+                                    <p:cond delay="0"/>
+                                  </p:stCondLst>
+                                  <p:childTnLst>
+                                    <p:set>
+                                      <p:cBhvr>
+                                        <p:cTn id="16" dur="1" fill="hold">
+                                          <p:stCondLst>
+                                            <p:cond delay="0"/>
+                                          </p:stCondLst>
+                                        </p:cTn>
+                                        <p:tgtEl>
+                                          <p:spTgt spid="4">
+                                            <p:txEl>
+                                              <p:pRg st="5" end="5"/>
+                                            </p:txEl>
+                                          </p:spTgt>
+                                        </p:tgtEl>
+                                        <p:attrNameLst>
+                                          <p:attrName>style.visibility</p:attrName>
+                                        </p:attrNameLst>
+                                      </p:cBhvr>
+                                      <p:to>
+                                        <p:strVal val="visible"/>
+                                      </p:to>
+                                    </p:set>
+                                  </p:childTnLst>
+                                </p:cTn>
+                              </p:par>
+                              <p:par>
+                                <p:cTn id="17" presetID="1" presetClass="entr" presetSubtype="0" fill="hold" nodeType="withEffect">
+                                  <p:stCondLst>
+                                    <p:cond delay="0"/>
+                                  </p:stCondLst>
+                                  <p:childTnLst>
+                                    <p:set>
+                                      <p:cBhvr>
+                                        <p:cTn id="18" dur="1" fill="hold">
+                                          <p:stCondLst>
+                                            <p:cond delay="0"/>
+                                          </p:stCondLst>
+                                        </p:cTn>
+                                        <p:tgtEl>
+                                          <p:spTgt spid="4">
+                                            <p:txEl>
+                                              <p:pRg st="6" end="6"/>
+                                            </p:txEl>
+                                          </p:spTgt>
+                                        </p:tgtEl>
+                                        <p:attrNameLst>
+                                          <p:attrName>style.visibility</p:attrName>
+                                        </p:attrNameLst>
+                                      </p:cBhvr>
+                                      <p:to>
+                                        <p:strVal val="visible"/>
+                                      </p:to>
+                                    </p:set>
+                                  </p:childTnLst>
+                                </p:cTn>
+                              </p:par>
+                            </p:childTnLst>
+                          </p:cTn>
+                        </p:par>
+                      </p:childTnLst>
+                    </p:cTn>
+                  </p:par>
+                  <p:par>
+                    <p:cTn id="19" fill="hold">
+                      <p:stCondLst>
+                        <p:cond delay="indefinite"/>
+                      </p:stCondLst>
+                      <p:childTnLst>
+                        <p:par>
+                          <p:cTn id="20" fill="hold">
+                            <p:stCondLst>
+                              <p:cond delay="0"/>
+                            </p:stCondLst>
+                            <p:childTnLst>
+                              <p:par>
+                                <p:cTn id="21" presetID="1" presetClass="entr" presetSubtype="0" fill="hold" nodeType="clickEffect">
+                                  <p:stCondLst>
+                                    <p:cond delay="0"/>
+                                  </p:stCondLst>
+                                  <p:childTnLst>
+                                    <p:set>
+                                      <p:cBhvr>
+                                        <p:cTn id="22" dur="1" fill="hold">
                                           <p:stCondLst>
                                             <p:cond delay="0"/>
                                           </p:stCondLst>
@@ -10135,7 +9949,7 @@
           <a:p>
             <a:r>
               <a:rPr lang="en-GB" sz="4000" dirty="0"/>
-              <a:t>More Newer methods</a:t>
+              <a:t>Results</a:t>
             </a:r>
           </a:p>
         </p:txBody>
@@ -10575,13 +10389,19 @@
           <p:nvPr/>
         </p:nvPicPr>
         <p:blipFill rotWithShape="1">
-          <a:blip r:embed="rId2"/>
-          <a:srcRect t="48873"/>
+          <a:blip r:embed="rId2">
+            <a:extLst>
+              <a:ext uri="{28A0092B-C50C-407E-A947-70E740481C1C}">
+                <a14:useLocalDpi xmlns:a14="http://schemas.microsoft.com/office/drawing/2010/main" val="0"/>
+              </a:ext>
+            </a:extLst>
+          </a:blip>
+          <a:srcRect t="48485" b="-27"/>
           <a:stretch/>
         </p:blipFill>
         <p:spPr>
           <a:xfrm>
-            <a:off x="6914448" y="3803276"/>
+            <a:off x="6909689" y="3824269"/>
             <a:ext cx="4715966" cy="2317360"/>
           </a:xfrm>
           <a:prstGeom prst="rect">
@@ -10605,7 +10425,7 @@
         </p:nvSpPr>
         <p:spPr>
           <a:xfrm>
-            <a:off x="665085" y="2267802"/>
+            <a:off x="589560" y="2290826"/>
             <a:ext cx="5997864" cy="4161264"/>
           </a:xfrm>
           <a:prstGeom prst="rect">
@@ -10810,7 +10630,7 @@
             </a:r>
             <a:r>
               <a:rPr lang="en-US" sz="2000" dirty="0"/>
-              <a:t>f = 1/350, N = 700. </a:t>
+              <a:t>f = 1/350 Hz, N = 700. </a:t>
             </a:r>
           </a:p>
           <a:p>
@@ -10825,7 +10645,7 @@
             </a:pPr>
             <a:r>
               <a:rPr lang="es-ES" sz="2000" dirty="0"/>
-              <a:t>3. Quadratic approach:</a:t>
+              <a:t>1. Quadratic approach:</a:t>
             </a:r>
           </a:p>
           <a:p>
@@ -10835,7 +10655,7 @@
             </a:pPr>
             <a:r>
               <a:rPr lang="es-ES" sz="1600" dirty="0"/>
-              <a:t> Continous</a:t>
+              <a:t>Continous</a:t>
             </a:r>
           </a:p>
           <a:p>
@@ -10874,10 +10694,14 @@
               <a:buNone/>
             </a:pPr>
             <a:r>
+              <a:rPr lang="es-ES" sz="2000" dirty="0"/>
+              <a:t>2</a:t>
+            </a:r>
+            <a:r>
               <a:rPr lang="es-ES" sz="2000" b="0" i="0" dirty="0">
                 <a:effectLst/>
               </a:rPr>
-              <a:t>4. Barycentric approach:</a:t>
+              <a:t>. Barycentric approach:</a:t>
             </a:r>
           </a:p>
           <a:p>
@@ -10926,13 +10750,19 @@
           <p:nvPr/>
         </p:nvPicPr>
         <p:blipFill rotWithShape="1">
-          <a:blip r:embed="rId2"/>
-          <a:srcRect l="-197" t="-267" r="197" b="49140"/>
+          <a:blip r:embed="rId2">
+            <a:extLst>
+              <a:ext uri="{28A0092B-C50C-407E-A947-70E740481C1C}">
+                <a14:useLocalDpi xmlns:a14="http://schemas.microsoft.com/office/drawing/2010/main" val="0"/>
+              </a:ext>
+            </a:extLst>
+          </a:blip>
+          <a:srcRect l="-4" t="-936" r="4" b="49394"/>
           <a:stretch/>
         </p:blipFill>
         <p:spPr>
           <a:xfrm>
-            <a:off x="6849504" y="752947"/>
+            <a:off x="6849504" y="673699"/>
             <a:ext cx="4782247" cy="2349930"/>
           </a:xfrm>
           <a:prstGeom prst="rect">
@@ -10984,7 +10814,11 @@
                                           </p:stCondLst>
                                         </p:cTn>
                                         <p:tgtEl>
-                                          <p:spTgt spid="4"/>
+                                          <p:spTgt spid="8">
+                                            <p:txEl>
+                                              <p:pRg st="0" end="0"/>
+                                            </p:txEl>
+                                          </p:spTgt>
                                         </p:tgtEl>
                                         <p:attrNameLst>
                                           <p:attrName>style.visibility</p:attrName>
@@ -11029,7 +10863,256 @@
                                           </p:stCondLst>
                                         </p:cTn>
                                         <p:tgtEl>
+                                          <p:spTgt spid="4"/>
+                                        </p:tgtEl>
+                                        <p:attrNameLst>
+                                          <p:attrName>style.visibility</p:attrName>
+                                        </p:attrNameLst>
+                                      </p:cBhvr>
+                                      <p:to>
+                                        <p:strVal val="visible"/>
+                                      </p:to>
+                                    </p:set>
+                                  </p:childTnLst>
+                                </p:cTn>
+                              </p:par>
+                              <p:par>
+                                <p:cTn id="11" presetID="1" presetClass="entr" presetSubtype="0" fill="hold" nodeType="withEffect">
+                                  <p:stCondLst>
+                                    <p:cond delay="0"/>
+                                  </p:stCondLst>
+                                  <p:childTnLst>
+                                    <p:set>
+                                      <p:cBhvr>
+                                        <p:cTn id="12" dur="1" fill="hold">
+                                          <p:stCondLst>
+                                            <p:cond delay="0"/>
+                                          </p:stCondLst>
+                                        </p:cTn>
+                                        <p:tgtEl>
                                           <p:spTgt spid="9"/>
+                                        </p:tgtEl>
+                                        <p:attrNameLst>
+                                          <p:attrName>style.visibility</p:attrName>
+                                        </p:attrNameLst>
+                                      </p:cBhvr>
+                                      <p:to>
+                                        <p:strVal val="visible"/>
+                                      </p:to>
+                                    </p:set>
+                                  </p:childTnLst>
+                                </p:cTn>
+                              </p:par>
+                            </p:childTnLst>
+                          </p:cTn>
+                        </p:par>
+                      </p:childTnLst>
+                    </p:cTn>
+                  </p:par>
+                  <p:par>
+                    <p:cTn id="13" fill="hold">
+                      <p:stCondLst>
+                        <p:cond delay="indefinite"/>
+                      </p:stCondLst>
+                      <p:childTnLst>
+                        <p:par>
+                          <p:cTn id="14" fill="hold">
+                            <p:stCondLst>
+                              <p:cond delay="0"/>
+                            </p:stCondLst>
+                            <p:childTnLst>
+                              <p:par>
+                                <p:cTn id="15" presetID="1" presetClass="entr" presetSubtype="0" fill="hold" nodeType="clickEffect">
+                                  <p:stCondLst>
+                                    <p:cond delay="0"/>
+                                  </p:stCondLst>
+                                  <p:childTnLst>
+                                    <p:set>
+                                      <p:cBhvr>
+                                        <p:cTn id="16" dur="1" fill="hold">
+                                          <p:stCondLst>
+                                            <p:cond delay="0"/>
+                                          </p:stCondLst>
+                                        </p:cTn>
+                                        <p:tgtEl>
+                                          <p:spTgt spid="8">
+                                            <p:txEl>
+                                              <p:pRg st="2" end="2"/>
+                                            </p:txEl>
+                                          </p:spTgt>
+                                        </p:tgtEl>
+                                        <p:attrNameLst>
+                                          <p:attrName>style.visibility</p:attrName>
+                                        </p:attrNameLst>
+                                      </p:cBhvr>
+                                      <p:to>
+                                        <p:strVal val="visible"/>
+                                      </p:to>
+                                    </p:set>
+                                  </p:childTnLst>
+                                </p:cTn>
+                              </p:par>
+                              <p:par>
+                                <p:cTn id="17" presetID="1" presetClass="entr" presetSubtype="0" fill="hold" nodeType="withEffect">
+                                  <p:stCondLst>
+                                    <p:cond delay="0"/>
+                                  </p:stCondLst>
+                                  <p:childTnLst>
+                                    <p:set>
+                                      <p:cBhvr>
+                                        <p:cTn id="18" dur="1" fill="hold">
+                                          <p:stCondLst>
+                                            <p:cond delay="0"/>
+                                          </p:stCondLst>
+                                        </p:cTn>
+                                        <p:tgtEl>
+                                          <p:spTgt spid="8">
+                                            <p:txEl>
+                                              <p:pRg st="3" end="3"/>
+                                            </p:txEl>
+                                          </p:spTgt>
+                                        </p:tgtEl>
+                                        <p:attrNameLst>
+                                          <p:attrName>style.visibility</p:attrName>
+                                        </p:attrNameLst>
+                                      </p:cBhvr>
+                                      <p:to>
+                                        <p:strVal val="visible"/>
+                                      </p:to>
+                                    </p:set>
+                                  </p:childTnLst>
+                                </p:cTn>
+                              </p:par>
+                              <p:par>
+                                <p:cTn id="19" presetID="1" presetClass="entr" presetSubtype="0" fill="hold" nodeType="withEffect">
+                                  <p:stCondLst>
+                                    <p:cond delay="0"/>
+                                  </p:stCondLst>
+                                  <p:childTnLst>
+                                    <p:set>
+                                      <p:cBhvr>
+                                        <p:cTn id="20" dur="1" fill="hold">
+                                          <p:stCondLst>
+                                            <p:cond delay="0"/>
+                                          </p:stCondLst>
+                                        </p:cTn>
+                                        <p:tgtEl>
+                                          <p:spTgt spid="8">
+                                            <p:txEl>
+                                              <p:pRg st="4" end="4"/>
+                                            </p:txEl>
+                                          </p:spTgt>
+                                        </p:tgtEl>
+                                        <p:attrNameLst>
+                                          <p:attrName>style.visibility</p:attrName>
+                                        </p:attrNameLst>
+                                      </p:cBhvr>
+                                      <p:to>
+                                        <p:strVal val="visible"/>
+                                      </p:to>
+                                    </p:set>
+                                  </p:childTnLst>
+                                </p:cTn>
+                              </p:par>
+                            </p:childTnLst>
+                          </p:cTn>
+                        </p:par>
+                      </p:childTnLst>
+                    </p:cTn>
+                  </p:par>
+                  <p:par>
+                    <p:cTn id="21" fill="hold">
+                      <p:stCondLst>
+                        <p:cond delay="indefinite"/>
+                      </p:stCondLst>
+                      <p:childTnLst>
+                        <p:par>
+                          <p:cTn id="22" fill="hold">
+                            <p:stCondLst>
+                              <p:cond delay="0"/>
+                            </p:stCondLst>
+                            <p:childTnLst>
+                              <p:par>
+                                <p:cTn id="23" presetID="1" presetClass="entr" presetSubtype="0" fill="hold" nodeType="clickEffect">
+                                  <p:stCondLst>
+                                    <p:cond delay="0"/>
+                                  </p:stCondLst>
+                                  <p:childTnLst>
+                                    <p:set>
+                                      <p:cBhvr>
+                                        <p:cTn id="24" dur="1" fill="hold">
+                                          <p:stCondLst>
+                                            <p:cond delay="0"/>
+                                          </p:stCondLst>
+                                        </p:cTn>
+                                        <p:tgtEl>
+                                          <p:spTgt spid="8">
+                                            <p:txEl>
+                                              <p:pRg st="8" end="8"/>
+                                            </p:txEl>
+                                          </p:spTgt>
+                                        </p:tgtEl>
+                                        <p:attrNameLst>
+                                          <p:attrName>style.visibility</p:attrName>
+                                        </p:attrNameLst>
+                                      </p:cBhvr>
+                                      <p:to>
+                                        <p:strVal val="visible"/>
+                                      </p:to>
+                                    </p:set>
+                                  </p:childTnLst>
+                                </p:cTn>
+                              </p:par>
+                              <p:par>
+                                <p:cTn id="25" presetID="1" presetClass="entr" presetSubtype="0" fill="hold" nodeType="withEffect">
+                                  <p:stCondLst>
+                                    <p:cond delay="0"/>
+                                  </p:stCondLst>
+                                  <p:childTnLst>
+                                    <p:set>
+                                      <p:cBhvr>
+                                        <p:cTn id="26" dur="1" fill="hold">
+                                          <p:stCondLst>
+                                            <p:cond delay="0"/>
+                                          </p:stCondLst>
+                                        </p:cTn>
+                                        <p:tgtEl>
+                                          <p:spTgt spid="8">
+                                            <p:txEl>
+                                              <p:pRg st="9" end="9"/>
+                                            </p:txEl>
+                                          </p:spTgt>
+                                        </p:tgtEl>
+                                        <p:attrNameLst>
+                                          <p:attrName>style.visibility</p:attrName>
+                                        </p:attrNameLst>
+                                      </p:cBhvr>
+                                      <p:to>
+                                        <p:strVal val="visible"/>
+                                      </p:to>
+                                    </p:set>
+                                  </p:childTnLst>
+                                </p:cTn>
+                              </p:par>
+                              <p:par>
+                                <p:cTn id="27" presetID="1" presetClass="entr" presetSubtype="0" fill="hold" nodeType="withEffect">
+                                  <p:stCondLst>
+                                    <p:cond delay="0"/>
+                                  </p:stCondLst>
+                                  <p:childTnLst>
+                                    <p:set>
+                                      <p:cBhvr>
+                                        <p:cTn id="28" dur="1" fill="hold">
+                                          <p:stCondLst>
+                                            <p:cond delay="0"/>
+                                          </p:stCondLst>
+                                        </p:cTn>
+                                        <p:tgtEl>
+                                          <p:spTgt spid="8">
+                                            <p:txEl>
+                                              <p:pRg st="10" end="10"/>
+                                            </p:txEl>
+                                          </p:spTgt>
                                         </p:tgtEl>
                                         <p:attrNameLst>
                                           <p:attrName>style.visibility</p:attrName>
@@ -11074,6 +11157,1476 @@
 </file>
 
 <file path=ppt/slides/slide7.xml><?xml version="1.0" encoding="utf-8"?>
+<p:sld xmlns:a="http://schemas.openxmlformats.org/drawingml/2006/main" xmlns:r="http://schemas.openxmlformats.org/officeDocument/2006/relationships" xmlns:p="http://schemas.openxmlformats.org/presentationml/2006/main">
+  <p:cSld>
+    <p:bg>
+      <p:bgPr>
+        <a:solidFill>
+          <a:schemeClr val="bg1"/>
+        </a:solidFill>
+        <a:effectLst/>
+      </p:bgPr>
+    </p:bg>
+    <p:spTree>
+      <p:nvGrpSpPr>
+        <p:cNvPr id="1" name=""/>
+        <p:cNvGrpSpPr/>
+        <p:nvPr/>
+      </p:nvGrpSpPr>
+      <p:grpSpPr>
+        <a:xfrm>
+          <a:off x="0" y="0"/>
+          <a:ext cx="0" cy="0"/>
+          <a:chOff x="0" y="0"/>
+          <a:chExt cx="0" cy="0"/>
+        </a:xfrm>
+      </p:grpSpPr>
+      <p:sp useBgFill="1">
+        <p:nvSpPr>
+          <p:cNvPr id="27" name="Rectangle 26">
+            <a:extLst>
+              <a:ext uri="{FF2B5EF4-FFF2-40B4-BE49-F238E27FC236}">
+                <a16:creationId xmlns:a16="http://schemas.microsoft.com/office/drawing/2014/main" id="{AAAE94E3-A7DB-4868-B1E3-E49703488BBC}"/>
+              </a:ext>
+              <a:ext uri="{C183D7F6-B498-43B3-948B-1728B52AA6E4}">
+                <adec:decorative xmlns:adec="http://schemas.microsoft.com/office/drawing/2017/decorative" val="1"/>
+              </a:ext>
+            </a:extLst>
+          </p:cNvPr>
+          <p:cNvSpPr>
+            <a:spLocks noGrp="1" noRot="1" noChangeAspect="1" noMove="1" noResize="1" noEditPoints="1" noAdjustHandles="1" noChangeArrowheads="1" noChangeShapeType="1" noTextEdit="1"/>
+          </p:cNvSpPr>
+          <p:nvPr>
+            <p:extLst>
+              <p:ext uri="{386F3935-93C4-4BCD-93E2-E3B085C9AB24}">
+                <p16:designElem xmlns:p16="http://schemas.microsoft.com/office/powerpoint/2015/main" val="1"/>
+              </p:ext>
+            </p:extLst>
+          </p:nvPr>
+        </p:nvSpPr>
+        <p:spPr>
+          <a:xfrm>
+            <a:off x="0" y="0"/>
+            <a:ext cx="12191999" cy="6857365"/>
+          </a:xfrm>
+          <a:prstGeom prst="rect">
+            <a:avLst/>
+          </a:prstGeom>
+          <a:ln>
+            <a:noFill/>
+          </a:ln>
+        </p:spPr>
+        <p:style>
+          <a:lnRef idx="2">
+            <a:schemeClr val="accent1">
+              <a:shade val="50000"/>
+            </a:schemeClr>
+          </a:lnRef>
+          <a:fillRef idx="1">
+            <a:schemeClr val="accent1"/>
+          </a:fillRef>
+          <a:effectRef idx="0">
+            <a:schemeClr val="accent1"/>
+          </a:effectRef>
+          <a:fontRef idx="minor">
+            <a:schemeClr val="lt1"/>
+          </a:fontRef>
+        </p:style>
+        <p:txBody>
+          <a:bodyPr rtlCol="0" anchor="ctr"/>
+          <a:lstStyle/>
+          <a:p>
+            <a:pPr algn="ctr"/>
+            <a:endParaRPr lang="en-US"/>
+          </a:p>
+        </p:txBody>
+      </p:sp>
+      <p:sp>
+        <p:nvSpPr>
+          <p:cNvPr id="2" name="Titel 1">
+            <a:extLst>
+              <a:ext uri="{FF2B5EF4-FFF2-40B4-BE49-F238E27FC236}">
+                <a16:creationId xmlns:a16="http://schemas.microsoft.com/office/drawing/2014/main" id="{2123C5B7-3B36-0E2C-8772-60B2DE7C06D7}"/>
+              </a:ext>
+            </a:extLst>
+          </p:cNvPr>
+          <p:cNvSpPr>
+            <a:spLocks noGrp="1"/>
+          </p:cNvSpPr>
+          <p:nvPr>
+            <p:ph type="title"/>
+          </p:nvPr>
+        </p:nvSpPr>
+        <p:spPr>
+          <a:xfrm>
+            <a:off x="589560" y="856180"/>
+            <a:ext cx="5279408" cy="1128068"/>
+          </a:xfrm>
+        </p:spPr>
+        <p:txBody>
+          <a:bodyPr anchor="ctr">
+            <a:normAutofit/>
+          </a:bodyPr>
+          <a:lstStyle/>
+          <a:p>
+            <a:r>
+              <a:rPr lang="nl-NL" sz="4000" dirty="0" err="1"/>
+              <a:t>Newer</a:t>
+            </a:r>
+            <a:r>
+              <a:rPr lang="nl-NL" sz="4000" dirty="0"/>
+              <a:t> </a:t>
+            </a:r>
+            <a:r>
+              <a:rPr lang="nl-NL" sz="4000" dirty="0" err="1"/>
+              <a:t>Methods</a:t>
+            </a:r>
+            <a:endParaRPr lang="nl-NL" sz="4000" dirty="0"/>
+          </a:p>
+        </p:txBody>
+      </p:sp>
+      <p:grpSp>
+        <p:nvGrpSpPr>
+          <p:cNvPr id="29" name="Group 28">
+            <a:extLst>
+              <a:ext uri="{FF2B5EF4-FFF2-40B4-BE49-F238E27FC236}">
+                <a16:creationId xmlns:a16="http://schemas.microsoft.com/office/drawing/2014/main" id="{1DE889C7-FAD6-4397-98E2-05D503484459}"/>
+              </a:ext>
+              <a:ext uri="{C183D7F6-B498-43B3-948B-1728B52AA6E4}">
+                <adec:decorative xmlns:adec="http://schemas.microsoft.com/office/drawing/2017/decorative" val="1"/>
+              </a:ext>
+            </a:extLst>
+          </p:cNvPr>
+          <p:cNvGrpSpPr>
+            <a:grpSpLocks noGrp="1" noUngrp="1" noRot="1" noChangeAspect="1" noMove="1" noResize="1"/>
+          </p:cNvGrpSpPr>
+          <p:nvPr>
+            <p:extLst>
+              <p:ext uri="{386F3935-93C4-4BCD-93E2-E3B085C9AB24}">
+                <p16:designElem xmlns:p16="http://schemas.microsoft.com/office/powerpoint/2015/main" val="1"/>
+              </p:ext>
+            </p:extLst>
+          </p:nvPr>
+        </p:nvGrpSpPr>
+        <p:grpSpPr>
+          <a:xfrm>
+            <a:off x="0" y="1083484"/>
+            <a:ext cx="355196" cy="673460"/>
+            <a:chOff x="0" y="823811"/>
+            <a:chExt cx="355196" cy="673460"/>
+          </a:xfrm>
+        </p:grpSpPr>
+        <p:sp>
+          <p:nvSpPr>
+            <p:cNvPr id="30" name="Rectangle 29">
+              <a:extLst>
+                <a:ext uri="{FF2B5EF4-FFF2-40B4-BE49-F238E27FC236}">
+                  <a16:creationId xmlns:a16="http://schemas.microsoft.com/office/drawing/2014/main" id="{F399A70F-F8CD-4992-9EF5-6CF15472E73F}"/>
+                </a:ext>
+                <a:ext uri="{C183D7F6-B498-43B3-948B-1728B52AA6E4}">
+                  <adec:decorative xmlns:adec="http://schemas.microsoft.com/office/drawing/2017/decorative" val="1"/>
+                </a:ext>
+              </a:extLst>
+            </p:cNvPr>
+            <p:cNvSpPr/>
+            <p:nvPr>
+              <p:extLst>
+                <p:ext uri="{386F3935-93C4-4BCD-93E2-E3B085C9AB24}">
+                  <p16:designElem xmlns:p16="http://schemas.microsoft.com/office/powerpoint/2015/main" val="1"/>
+                </p:ext>
+              </p:extLst>
+            </p:nvPr>
+          </p:nvSpPr>
+          <p:spPr>
+            <a:xfrm>
+              <a:off x="0" y="823811"/>
+              <a:ext cx="87363" cy="673460"/>
+            </a:xfrm>
+            <a:prstGeom prst="rect">
+              <a:avLst/>
+            </a:prstGeom>
+            <a:solidFill>
+              <a:schemeClr val="accent4"/>
+            </a:solidFill>
+            <a:ln>
+              <a:noFill/>
+            </a:ln>
+          </p:spPr>
+          <p:style>
+            <a:lnRef idx="2">
+              <a:schemeClr val="accent1">
+                <a:shade val="50000"/>
+              </a:schemeClr>
+            </a:lnRef>
+            <a:fillRef idx="1">
+              <a:schemeClr val="accent1"/>
+            </a:fillRef>
+            <a:effectRef idx="0">
+              <a:schemeClr val="accent1"/>
+            </a:effectRef>
+            <a:fontRef idx="minor">
+              <a:schemeClr val="lt1"/>
+            </a:fontRef>
+          </p:style>
+          <p:txBody>
+            <a:bodyPr rtlCol="0" anchor="ctr"/>
+            <a:lstStyle/>
+            <a:p>
+              <a:pPr algn="ctr"/>
+              <a:endParaRPr lang="en-US"/>
+            </a:p>
+          </p:txBody>
+        </p:sp>
+        <p:sp>
+          <p:nvSpPr>
+            <p:cNvPr id="31" name="Rectangle 30">
+              <a:extLst>
+                <a:ext uri="{FF2B5EF4-FFF2-40B4-BE49-F238E27FC236}">
+                  <a16:creationId xmlns:a16="http://schemas.microsoft.com/office/drawing/2014/main" id="{48F4FEDC-6D80-458C-A665-075D9B9500FD}"/>
+                </a:ext>
+                <a:ext uri="{C183D7F6-B498-43B3-948B-1728B52AA6E4}">
+                  <adec:decorative xmlns:adec="http://schemas.microsoft.com/office/drawing/2017/decorative" val="1"/>
+                </a:ext>
+              </a:extLst>
+            </p:cNvPr>
+            <p:cNvSpPr/>
+            <p:nvPr>
+              <p:extLst>
+                <p:ext uri="{386F3935-93C4-4BCD-93E2-E3B085C9AB24}">
+                  <p16:designElem xmlns:p16="http://schemas.microsoft.com/office/powerpoint/2015/main" val="1"/>
+                </p:ext>
+              </p:extLst>
+            </p:nvPr>
+          </p:nvSpPr>
+          <p:spPr>
+            <a:xfrm>
+              <a:off x="159341" y="823811"/>
+              <a:ext cx="195855" cy="673460"/>
+            </a:xfrm>
+            <a:prstGeom prst="rect">
+              <a:avLst/>
+            </a:prstGeom>
+            <a:solidFill>
+              <a:schemeClr val="accent4"/>
+            </a:solidFill>
+            <a:ln>
+              <a:noFill/>
+            </a:ln>
+          </p:spPr>
+          <p:style>
+            <a:lnRef idx="2">
+              <a:schemeClr val="accent1">
+                <a:shade val="50000"/>
+              </a:schemeClr>
+            </a:lnRef>
+            <a:fillRef idx="1">
+              <a:schemeClr val="accent1"/>
+            </a:fillRef>
+            <a:effectRef idx="0">
+              <a:schemeClr val="accent1"/>
+            </a:effectRef>
+            <a:fontRef idx="minor">
+              <a:schemeClr val="lt1"/>
+            </a:fontRef>
+          </p:style>
+          <p:txBody>
+            <a:bodyPr rtlCol="0" anchor="ctr"/>
+            <a:lstStyle/>
+            <a:p>
+              <a:pPr algn="ctr"/>
+              <a:endParaRPr lang="en-US"/>
+            </a:p>
+          </p:txBody>
+        </p:sp>
+      </p:grpSp>
+      <p:sp>
+        <p:nvSpPr>
+          <p:cNvPr id="33" name="Rectangle 32">
+            <a:extLst>
+              <a:ext uri="{FF2B5EF4-FFF2-40B4-BE49-F238E27FC236}">
+                <a16:creationId xmlns:a16="http://schemas.microsoft.com/office/drawing/2014/main" id="{3873B707-463F-40B0-8227-E8CC6C67EB25}"/>
+              </a:ext>
+              <a:ext uri="{C183D7F6-B498-43B3-948B-1728B52AA6E4}">
+                <adec:decorative xmlns:adec="http://schemas.microsoft.com/office/drawing/2017/decorative" val="1"/>
+              </a:ext>
+            </a:extLst>
+          </p:cNvPr>
+          <p:cNvSpPr>
+            <a:spLocks noGrp="1" noRot="1" noChangeAspect="1" noMove="1" noResize="1" noEditPoints="1" noAdjustHandles="1" noChangeArrowheads="1" noChangeShapeType="1" noTextEdit="1"/>
+          </p:cNvSpPr>
+          <p:nvPr>
+            <p:extLst>
+              <p:ext uri="{386F3935-93C4-4BCD-93E2-E3B085C9AB24}">
+                <p16:designElem xmlns:p16="http://schemas.microsoft.com/office/powerpoint/2015/main" val="1"/>
+              </p:ext>
+            </p:extLst>
+          </p:nvPr>
+        </p:nvSpPr>
+        <p:spPr>
+          <a:xfrm flipH="1">
+            <a:off x="665085" y="2123821"/>
+            <a:ext cx="4975066" cy="27432"/>
+          </a:xfrm>
+          <a:prstGeom prst="rect">
+            <a:avLst/>
+          </a:prstGeom>
+          <a:solidFill>
+            <a:schemeClr val="accent4"/>
+          </a:solidFill>
+          <a:ln>
+            <a:noFill/>
+          </a:ln>
+        </p:spPr>
+        <p:style>
+          <a:lnRef idx="2">
+            <a:schemeClr val="accent1">
+              <a:shade val="50000"/>
+            </a:schemeClr>
+          </a:lnRef>
+          <a:fillRef idx="1">
+            <a:schemeClr val="accent1"/>
+          </a:fillRef>
+          <a:effectRef idx="0">
+            <a:schemeClr val="accent1"/>
+          </a:effectRef>
+          <a:fontRef idx="minor">
+            <a:schemeClr val="lt1"/>
+          </a:fontRef>
+        </p:style>
+        <p:txBody>
+          <a:bodyPr rtlCol="0" anchor="ctr"/>
+          <a:lstStyle/>
+          <a:p>
+            <a:pPr algn="ctr"/>
+            <a:endParaRPr lang="en-US"/>
+          </a:p>
+        </p:txBody>
+      </p:sp>
+      <p:sp>
+        <p:nvSpPr>
+          <p:cNvPr id="3" name="Tijdelijke aanduiding voor inhoud 2">
+            <a:extLst>
+              <a:ext uri="{FF2B5EF4-FFF2-40B4-BE49-F238E27FC236}">
+                <a16:creationId xmlns:a16="http://schemas.microsoft.com/office/drawing/2014/main" id="{BCFC90F9-20AF-4295-3C6C-A8A0A9651A10}"/>
+              </a:ext>
+            </a:extLst>
+          </p:cNvPr>
+          <p:cNvSpPr>
+            <a:spLocks noGrp="1"/>
+          </p:cNvSpPr>
+          <p:nvPr>
+            <p:ph idx="1"/>
+          </p:nvPr>
+        </p:nvSpPr>
+        <p:spPr>
+          <a:xfrm>
+            <a:off x="665084" y="1395984"/>
+            <a:ext cx="5741814" cy="4734854"/>
+          </a:xfrm>
+        </p:spPr>
+        <p:txBody>
+          <a:bodyPr anchor="ctr">
+            <a:normAutofit/>
+          </a:bodyPr>
+          <a:lstStyle/>
+          <a:p>
+            <a:pPr marL="0" indent="0">
+              <a:lnSpc>
+                <a:spcPct val="150000"/>
+              </a:lnSpc>
+              <a:buNone/>
+            </a:pPr>
+            <a:r>
+              <a:rPr lang="nl-NL" sz="2000" dirty="0" err="1"/>
+              <a:t>Jain’s</a:t>
+            </a:r>
+            <a:r>
+              <a:rPr lang="nl-NL" sz="2000" dirty="0"/>
+              <a:t> </a:t>
+            </a:r>
+            <a:r>
+              <a:rPr lang="nl-NL" sz="2000" dirty="0" err="1"/>
+              <a:t>method</a:t>
+            </a:r>
+            <a:r>
+              <a:rPr lang="nl-NL" sz="2000" dirty="0"/>
+              <a:t> </a:t>
+            </a:r>
+            <a:r>
+              <a:rPr lang="nl-NL" sz="2000" dirty="0" err="1"/>
+              <a:t>and</a:t>
+            </a:r>
+            <a:r>
+              <a:rPr lang="nl-NL" sz="2000" dirty="0"/>
+              <a:t> </a:t>
+            </a:r>
+            <a:r>
+              <a:rPr lang="nl-NL" sz="2000" dirty="0" err="1"/>
+              <a:t>Quinn’s</a:t>
+            </a:r>
+            <a:r>
+              <a:rPr lang="nl-NL" sz="2000" dirty="0"/>
+              <a:t> 2nd </a:t>
+            </a:r>
+            <a:r>
+              <a:rPr lang="nl-NL" sz="2000" dirty="0" err="1"/>
+              <a:t>method</a:t>
+            </a:r>
+            <a:r>
+              <a:rPr lang="nl-NL" sz="2000" dirty="0"/>
+              <a:t>:</a:t>
+            </a:r>
+          </a:p>
+          <a:p>
+            <a:pPr marL="0" indent="0">
+              <a:lnSpc>
+                <a:spcPct val="150000"/>
+              </a:lnSpc>
+              <a:buNone/>
+            </a:pPr>
+            <a:endParaRPr lang="nl-NL" sz="2000" dirty="0"/>
+          </a:p>
+          <a:p>
+            <a:pPr>
+              <a:lnSpc>
+                <a:spcPct val="150000"/>
+              </a:lnSpc>
+            </a:pPr>
+            <a:r>
+              <a:rPr lang="nl-NL" sz="2000" dirty="0"/>
+              <a:t>Generally </a:t>
+            </a:r>
+            <a:r>
+              <a:rPr lang="nl-NL" sz="2000" dirty="0" err="1"/>
+              <a:t>Better</a:t>
+            </a:r>
+            <a:endParaRPr lang="nl-NL" sz="2000" dirty="0"/>
+          </a:p>
+          <a:p>
+            <a:pPr marL="0" indent="0">
+              <a:lnSpc>
+                <a:spcPct val="150000"/>
+              </a:lnSpc>
+              <a:buNone/>
+            </a:pPr>
+            <a:endParaRPr lang="nl-NL" sz="2000" dirty="0"/>
+          </a:p>
+          <a:p>
+            <a:pPr>
+              <a:lnSpc>
+                <a:spcPct val="150000"/>
+              </a:lnSpc>
+            </a:pPr>
+            <a:r>
+              <a:rPr lang="nl-NL" sz="2000" dirty="0" err="1"/>
+              <a:t>Neither</a:t>
+            </a:r>
+            <a:r>
+              <a:rPr lang="nl-NL" sz="2000" dirty="0"/>
+              <a:t> is </a:t>
+            </a:r>
+            <a:r>
+              <a:rPr lang="nl-NL" sz="2000" dirty="0" err="1"/>
+              <a:t>Continous</a:t>
+            </a:r>
+            <a:endParaRPr lang="nl-NL" sz="2000" dirty="0"/>
+          </a:p>
+          <a:p>
+            <a:pPr marL="0" indent="0">
+              <a:buNone/>
+            </a:pPr>
+            <a:endParaRPr lang="nl-NL" sz="2000" dirty="0"/>
+          </a:p>
+        </p:txBody>
+      </p:sp>
+      <p:sp>
+        <p:nvSpPr>
+          <p:cNvPr id="35" name="Rectangle 34">
+            <a:extLst>
+              <a:ext uri="{FF2B5EF4-FFF2-40B4-BE49-F238E27FC236}">
+                <a16:creationId xmlns:a16="http://schemas.microsoft.com/office/drawing/2014/main" id="{C13237C8-E62C-4F0D-A318-BD6FB6C2D138}"/>
+              </a:ext>
+              <a:ext uri="{C183D7F6-B498-43B3-948B-1728B52AA6E4}">
+                <adec:decorative xmlns:adec="http://schemas.microsoft.com/office/drawing/2017/decorative" val="1"/>
+              </a:ext>
+            </a:extLst>
+          </p:cNvPr>
+          <p:cNvSpPr>
+            <a:spLocks noGrp="1" noRot="1" noChangeAspect="1" noMove="1" noResize="1" noEditPoints="1" noAdjustHandles="1" noChangeArrowheads="1" noChangeShapeType="1" noTextEdit="1"/>
+          </p:cNvSpPr>
+          <p:nvPr>
+            <p:extLst>
+              <p:ext uri="{386F3935-93C4-4BCD-93E2-E3B085C9AB24}">
+                <p16:designElem xmlns:p16="http://schemas.microsoft.com/office/powerpoint/2015/main" val="1"/>
+              </p:ext>
+            </p:extLst>
+          </p:nvPr>
+        </p:nvSpPr>
+        <p:spPr>
+          <a:xfrm flipH="1">
+            <a:off x="10697670" y="0"/>
+            <a:ext cx="1494330" cy="6858000"/>
+          </a:xfrm>
+          <a:prstGeom prst="rect">
+            <a:avLst/>
+          </a:prstGeom>
+          <a:solidFill>
+            <a:schemeClr val="accent4"/>
+          </a:solidFill>
+          <a:ln>
+            <a:noFill/>
+          </a:ln>
+        </p:spPr>
+        <p:style>
+          <a:lnRef idx="2">
+            <a:schemeClr val="accent1">
+              <a:shade val="50000"/>
+            </a:schemeClr>
+          </a:lnRef>
+          <a:fillRef idx="1">
+            <a:schemeClr val="accent1"/>
+          </a:fillRef>
+          <a:effectRef idx="0">
+            <a:schemeClr val="accent1"/>
+          </a:effectRef>
+          <a:fontRef idx="minor">
+            <a:schemeClr val="lt1"/>
+          </a:fontRef>
+        </p:style>
+        <p:txBody>
+          <a:bodyPr rtlCol="0" anchor="ctr"/>
+          <a:lstStyle/>
+          <a:p>
+            <a:pPr algn="ctr"/>
+            <a:endParaRPr lang="en-US"/>
+          </a:p>
+        </p:txBody>
+      </p:sp>
+      <p:sp>
+        <p:nvSpPr>
+          <p:cNvPr id="37" name="Rectangle 36">
+            <a:extLst>
+              <a:ext uri="{FF2B5EF4-FFF2-40B4-BE49-F238E27FC236}">
+                <a16:creationId xmlns:a16="http://schemas.microsoft.com/office/drawing/2014/main" id="{19C9EAEA-39D0-4B0E-A0EB-51E7B26740B1}"/>
+              </a:ext>
+              <a:ext uri="{C183D7F6-B498-43B3-948B-1728B52AA6E4}">
+                <adec:decorative xmlns:adec="http://schemas.microsoft.com/office/drawing/2017/decorative" val="1"/>
+              </a:ext>
+            </a:extLst>
+          </p:cNvPr>
+          <p:cNvSpPr>
+            <a:spLocks noGrp="1" noRot="1" noChangeAspect="1" noMove="1" noResize="1" noEditPoints="1" noAdjustHandles="1" noChangeArrowheads="1" noChangeShapeType="1" noTextEdit="1"/>
+          </p:cNvSpPr>
+          <p:nvPr>
+            <p:extLst>
+              <p:ext uri="{386F3935-93C4-4BCD-93E2-E3B085C9AB24}">
+                <p16:designElem xmlns:p16="http://schemas.microsoft.com/office/powerpoint/2015/main" val="1"/>
+              </p:ext>
+            </p:extLst>
+          </p:nvPr>
+        </p:nvSpPr>
+        <p:spPr>
+          <a:xfrm>
+            <a:off x="6849687" y="357447"/>
+            <a:ext cx="4845488" cy="2923587"/>
+          </a:xfrm>
+          <a:prstGeom prst="rect">
+            <a:avLst/>
+          </a:prstGeom>
+          <a:solidFill>
+            <a:schemeClr val="bg1"/>
+          </a:solidFill>
+          <a:ln>
+            <a:noFill/>
+          </a:ln>
+          <a:effectLst>
+            <a:outerShdw blurRad="139700" dist="127000" dir="5400000" algn="t" rotWithShape="0">
+              <a:prstClr val="black">
+                <a:alpha val="15000"/>
+              </a:prstClr>
+            </a:outerShdw>
+          </a:effectLst>
+        </p:spPr>
+        <p:style>
+          <a:lnRef idx="2">
+            <a:schemeClr val="accent1">
+              <a:shade val="50000"/>
+            </a:schemeClr>
+          </a:lnRef>
+          <a:fillRef idx="1">
+            <a:schemeClr val="accent1"/>
+          </a:fillRef>
+          <a:effectRef idx="0">
+            <a:schemeClr val="accent1"/>
+          </a:effectRef>
+          <a:fontRef idx="minor">
+            <a:schemeClr val="lt1"/>
+          </a:fontRef>
+        </p:style>
+        <p:txBody>
+          <a:bodyPr rtlCol="0" anchor="ctr"/>
+          <a:lstStyle/>
+          <a:p>
+            <a:pPr algn="ctr"/>
+            <a:endParaRPr lang="en-US"/>
+          </a:p>
+        </p:txBody>
+      </p:sp>
+      <p:sp>
+        <p:nvSpPr>
+          <p:cNvPr id="39" name="Rectangle 38">
+            <a:extLst>
+              <a:ext uri="{FF2B5EF4-FFF2-40B4-BE49-F238E27FC236}">
+                <a16:creationId xmlns:a16="http://schemas.microsoft.com/office/drawing/2014/main" id="{8CB5D2D7-DF65-4E86-BFBA-FFB9B5ACEB64}"/>
+              </a:ext>
+              <a:ext uri="{C183D7F6-B498-43B3-948B-1728B52AA6E4}">
+                <adec:decorative xmlns:adec="http://schemas.microsoft.com/office/drawing/2017/decorative" val="1"/>
+              </a:ext>
+            </a:extLst>
+          </p:cNvPr>
+          <p:cNvSpPr>
+            <a:spLocks noGrp="1" noRot="1" noChangeAspect="1" noMove="1" noResize="1" noEditPoints="1" noAdjustHandles="1" noChangeArrowheads="1" noChangeShapeType="1" noTextEdit="1"/>
+          </p:cNvSpPr>
+          <p:nvPr>
+            <p:extLst>
+              <p:ext uri="{386F3935-93C4-4BCD-93E2-E3B085C9AB24}">
+                <p16:designElem xmlns:p16="http://schemas.microsoft.com/office/powerpoint/2015/main" val="1"/>
+              </p:ext>
+            </p:extLst>
+          </p:nvPr>
+        </p:nvSpPr>
+        <p:spPr>
+          <a:xfrm>
+            <a:off x="6849687" y="3505479"/>
+            <a:ext cx="4845488" cy="2923587"/>
+          </a:xfrm>
+          <a:prstGeom prst="rect">
+            <a:avLst/>
+          </a:prstGeom>
+          <a:solidFill>
+            <a:schemeClr val="bg1"/>
+          </a:solidFill>
+          <a:ln>
+            <a:noFill/>
+          </a:ln>
+          <a:effectLst>
+            <a:outerShdw blurRad="139700" dist="127000" dir="5400000" algn="t" rotWithShape="0">
+              <a:prstClr val="black">
+                <a:alpha val="15000"/>
+              </a:prstClr>
+            </a:outerShdw>
+          </a:effectLst>
+        </p:spPr>
+        <p:style>
+          <a:lnRef idx="2">
+            <a:schemeClr val="accent1">
+              <a:shade val="50000"/>
+            </a:schemeClr>
+          </a:lnRef>
+          <a:fillRef idx="1">
+            <a:schemeClr val="accent1"/>
+          </a:fillRef>
+          <a:effectRef idx="0">
+            <a:schemeClr val="accent1"/>
+          </a:effectRef>
+          <a:fontRef idx="minor">
+            <a:schemeClr val="lt1"/>
+          </a:fontRef>
+        </p:style>
+        <p:txBody>
+          <a:bodyPr rtlCol="0" anchor="ctr"/>
+          <a:lstStyle/>
+          <a:p>
+            <a:pPr algn="ctr"/>
+            <a:endParaRPr lang="en-US"/>
+          </a:p>
+        </p:txBody>
+      </p:sp>
+      <p:pic>
+        <p:nvPicPr>
+          <p:cNvPr id="7" name="Afbeelding 6">
+            <a:extLst>
+              <a:ext uri="{FF2B5EF4-FFF2-40B4-BE49-F238E27FC236}">
+                <a16:creationId xmlns:a16="http://schemas.microsoft.com/office/drawing/2014/main" id="{BB5914E4-E400-59FA-8CB6-7D65B21BB959}"/>
+              </a:ext>
+            </a:extLst>
+          </p:cNvPr>
+          <p:cNvPicPr>
+            <a:picLocks noChangeAspect="1"/>
+          </p:cNvPicPr>
+          <p:nvPr/>
+        </p:nvPicPr>
+        <p:blipFill rotWithShape="1">
+          <a:blip r:embed="rId2">
+            <a:extLst>
+              <a:ext uri="{28A0092B-C50C-407E-A947-70E740481C1C}">
+                <a14:useLocalDpi xmlns:a14="http://schemas.microsoft.com/office/drawing/2010/main" val="0"/>
+              </a:ext>
+            </a:extLst>
+          </a:blip>
+          <a:srcRect l="-186" t="-412" r="186" b="50064"/>
+          <a:stretch/>
+        </p:blipFill>
+        <p:spPr>
+          <a:xfrm>
+            <a:off x="6857179" y="856180"/>
+            <a:ext cx="4828994" cy="2310549"/>
+          </a:xfrm>
+          <a:prstGeom prst="rect">
+            <a:avLst/>
+          </a:prstGeom>
+        </p:spPr>
+      </p:pic>
+      <p:pic>
+        <p:nvPicPr>
+          <p:cNvPr id="11" name="Afbeelding 10">
+            <a:extLst>
+              <a:ext uri="{FF2B5EF4-FFF2-40B4-BE49-F238E27FC236}">
+                <a16:creationId xmlns:a16="http://schemas.microsoft.com/office/drawing/2014/main" id="{2D1A1DB7-06E2-0F57-F31A-984F62D001C6}"/>
+              </a:ext>
+            </a:extLst>
+          </p:cNvPr>
+          <p:cNvPicPr>
+            <a:picLocks noChangeAspect="1"/>
+          </p:cNvPicPr>
+          <p:nvPr/>
+        </p:nvPicPr>
+        <p:blipFill rotWithShape="1">
+          <a:blip r:embed="rId3">
+            <a:extLst>
+              <a:ext uri="{28A0092B-C50C-407E-A947-70E740481C1C}">
+                <a14:useLocalDpi xmlns:a14="http://schemas.microsoft.com/office/drawing/2010/main" val="0"/>
+              </a:ext>
+            </a:extLst>
+          </a:blip>
+          <a:srcRect l="-29" t="45447" r="29" b="584"/>
+          <a:stretch/>
+        </p:blipFill>
+        <p:spPr>
+          <a:xfrm>
+            <a:off x="355196" y="4984850"/>
+            <a:ext cx="3213170" cy="1591738"/>
+          </a:xfrm>
+          <a:prstGeom prst="rect">
+            <a:avLst/>
+          </a:prstGeom>
+        </p:spPr>
+      </p:pic>
+      <p:pic>
+        <p:nvPicPr>
+          <p:cNvPr id="12" name="Afbeelding 11">
+            <a:extLst>
+              <a:ext uri="{FF2B5EF4-FFF2-40B4-BE49-F238E27FC236}">
+                <a16:creationId xmlns:a16="http://schemas.microsoft.com/office/drawing/2014/main" id="{1E2E6812-196C-5836-AE57-3640EF38B1E6}"/>
+              </a:ext>
+            </a:extLst>
+          </p:cNvPr>
+          <p:cNvPicPr>
+            <a:picLocks noChangeAspect="1"/>
+          </p:cNvPicPr>
+          <p:nvPr/>
+        </p:nvPicPr>
+        <p:blipFill rotWithShape="1">
+          <a:blip r:embed="rId4"/>
+          <a:srcRect l="13637" t="72873" r="63274" b="7986"/>
+          <a:stretch/>
+        </p:blipFill>
+        <p:spPr>
+          <a:xfrm>
+            <a:off x="3459363" y="3521103"/>
+            <a:ext cx="1393733" cy="1077325"/>
+          </a:xfrm>
+          <a:prstGeom prst="rect">
+            <a:avLst/>
+          </a:prstGeom>
+        </p:spPr>
+      </p:pic>
+      <p:sp>
+        <p:nvSpPr>
+          <p:cNvPr id="13" name="Rechthoek 12">
+            <a:extLst>
+              <a:ext uri="{FF2B5EF4-FFF2-40B4-BE49-F238E27FC236}">
+                <a16:creationId xmlns:a16="http://schemas.microsoft.com/office/drawing/2014/main" id="{3ED298E9-D715-87F5-BCEA-1C0691B3911A}"/>
+              </a:ext>
+            </a:extLst>
+          </p:cNvPr>
+          <p:cNvSpPr/>
+          <p:nvPr/>
+        </p:nvSpPr>
+        <p:spPr>
+          <a:xfrm>
+            <a:off x="3450361" y="3417094"/>
+            <a:ext cx="1195607" cy="1199214"/>
+          </a:xfrm>
+          <a:prstGeom prst="rect">
+            <a:avLst/>
+          </a:prstGeom>
+          <a:noFill/>
+        </p:spPr>
+        <p:style>
+          <a:lnRef idx="2">
+            <a:schemeClr val="accent1">
+              <a:shade val="50000"/>
+            </a:schemeClr>
+          </a:lnRef>
+          <a:fillRef idx="1">
+            <a:schemeClr val="accent1"/>
+          </a:fillRef>
+          <a:effectRef idx="0">
+            <a:schemeClr val="accent1"/>
+          </a:effectRef>
+          <a:fontRef idx="minor">
+            <a:schemeClr val="lt1"/>
+          </a:fontRef>
+        </p:style>
+        <p:txBody>
+          <a:bodyPr rtlCol="0" anchor="ctr"/>
+          <a:lstStyle/>
+          <a:p>
+            <a:pPr algn="ctr"/>
+            <a:endParaRPr lang="nl-NL"/>
+          </a:p>
+        </p:txBody>
+      </p:sp>
+      <p:sp>
+        <p:nvSpPr>
+          <p:cNvPr id="14" name="Ovaal 13">
+            <a:extLst>
+              <a:ext uri="{FF2B5EF4-FFF2-40B4-BE49-F238E27FC236}">
+                <a16:creationId xmlns:a16="http://schemas.microsoft.com/office/drawing/2014/main" id="{B8686083-9118-A038-9040-58C7331EA5A7}"/>
+              </a:ext>
+            </a:extLst>
+          </p:cNvPr>
+          <p:cNvSpPr/>
+          <p:nvPr/>
+        </p:nvSpPr>
+        <p:spPr>
+          <a:xfrm>
+            <a:off x="3813342" y="4241139"/>
+            <a:ext cx="392541" cy="396281"/>
+          </a:xfrm>
+          <a:prstGeom prst="ellipse">
+            <a:avLst/>
+          </a:prstGeom>
+          <a:noFill/>
+          <a:ln>
+            <a:solidFill>
+              <a:srgbClr val="C00000"/>
+            </a:solidFill>
+          </a:ln>
+        </p:spPr>
+        <p:style>
+          <a:lnRef idx="2">
+            <a:schemeClr val="accent1">
+              <a:shade val="50000"/>
+            </a:schemeClr>
+          </a:lnRef>
+          <a:fillRef idx="1">
+            <a:schemeClr val="accent1"/>
+          </a:fillRef>
+          <a:effectRef idx="0">
+            <a:schemeClr val="accent1"/>
+          </a:effectRef>
+          <a:fontRef idx="minor">
+            <a:schemeClr val="lt1"/>
+          </a:fontRef>
+        </p:style>
+        <p:txBody>
+          <a:bodyPr rtlCol="0" anchor="ctr"/>
+          <a:lstStyle/>
+          <a:p>
+            <a:pPr algn="ctr"/>
+            <a:endParaRPr lang="nl-NL"/>
+          </a:p>
+        </p:txBody>
+      </p:sp>
+      <p:cxnSp>
+        <p:nvCxnSpPr>
+          <p:cNvPr id="16" name="Rechte verbindingslijn met pijl 15">
+            <a:extLst>
+              <a:ext uri="{FF2B5EF4-FFF2-40B4-BE49-F238E27FC236}">
+                <a16:creationId xmlns:a16="http://schemas.microsoft.com/office/drawing/2014/main" id="{84D0A9AE-682A-6CC1-0661-57EE74E06979}"/>
+              </a:ext>
+            </a:extLst>
+          </p:cNvPr>
+          <p:cNvCxnSpPr>
+            <a:cxnSpLocks/>
+            <a:endCxn id="14" idx="3"/>
+          </p:cNvCxnSpPr>
+          <p:nvPr/>
+        </p:nvCxnSpPr>
+        <p:spPr>
+          <a:xfrm flipV="1">
+            <a:off x="3152618" y="4579386"/>
+            <a:ext cx="718210" cy="1531588"/>
+          </a:xfrm>
+          <a:prstGeom prst="straightConnector1">
+            <a:avLst/>
+          </a:prstGeom>
+          <a:ln>
+            <a:solidFill>
+              <a:srgbClr val="C00000"/>
+            </a:solidFill>
+            <a:tailEnd type="triangle"/>
+          </a:ln>
+        </p:spPr>
+        <p:style>
+          <a:lnRef idx="1">
+            <a:schemeClr val="accent1"/>
+          </a:lnRef>
+          <a:fillRef idx="0">
+            <a:schemeClr val="accent1"/>
+          </a:fillRef>
+          <a:effectRef idx="0">
+            <a:schemeClr val="accent1"/>
+          </a:effectRef>
+          <a:fontRef idx="minor">
+            <a:schemeClr val="tx1"/>
+          </a:fontRef>
+        </p:style>
+      </p:cxnSp>
+      <p:pic>
+        <p:nvPicPr>
+          <p:cNvPr id="17" name="Afbeelding 16">
+            <a:extLst>
+              <a:ext uri="{FF2B5EF4-FFF2-40B4-BE49-F238E27FC236}">
+                <a16:creationId xmlns:a16="http://schemas.microsoft.com/office/drawing/2014/main" id="{5F82071E-7146-FFC5-3CF0-E939150E2465}"/>
+              </a:ext>
+            </a:extLst>
+          </p:cNvPr>
+          <p:cNvPicPr>
+            <a:picLocks noChangeAspect="1"/>
+          </p:cNvPicPr>
+          <p:nvPr/>
+        </p:nvPicPr>
+        <p:blipFill rotWithShape="1">
+          <a:blip r:embed="rId5">
+            <a:extLst>
+              <a:ext uri="{28A0092B-C50C-407E-A947-70E740481C1C}">
+                <a14:useLocalDpi xmlns:a14="http://schemas.microsoft.com/office/drawing/2010/main" val="0"/>
+              </a:ext>
+            </a:extLst>
+          </a:blip>
+          <a:srcRect l="-473" t="45408" r="473" b="669"/>
+          <a:stretch/>
+        </p:blipFill>
+        <p:spPr>
+          <a:xfrm>
+            <a:off x="3670058" y="5100139"/>
+            <a:ext cx="3170628" cy="1624749"/>
+          </a:xfrm>
+          <a:prstGeom prst="rect">
+            <a:avLst/>
+          </a:prstGeom>
+        </p:spPr>
+      </p:pic>
+      <p:sp>
+        <p:nvSpPr>
+          <p:cNvPr id="18" name="Ovaal 17">
+            <a:extLst>
+              <a:ext uri="{FF2B5EF4-FFF2-40B4-BE49-F238E27FC236}">
+                <a16:creationId xmlns:a16="http://schemas.microsoft.com/office/drawing/2014/main" id="{9C1BA0FB-2D71-DC18-1574-F8ECB225D437}"/>
+              </a:ext>
+            </a:extLst>
+          </p:cNvPr>
+          <p:cNvSpPr/>
+          <p:nvPr/>
+        </p:nvSpPr>
+        <p:spPr>
+          <a:xfrm>
+            <a:off x="5022458" y="5100139"/>
+            <a:ext cx="853285" cy="1419260"/>
+          </a:xfrm>
+          <a:prstGeom prst="ellipse">
+            <a:avLst/>
+          </a:prstGeom>
+          <a:noFill/>
+          <a:ln>
+            <a:solidFill>
+              <a:srgbClr val="C00000"/>
+            </a:solidFill>
+          </a:ln>
+        </p:spPr>
+        <p:style>
+          <a:lnRef idx="2">
+            <a:schemeClr val="accent1">
+              <a:shade val="50000"/>
+            </a:schemeClr>
+          </a:lnRef>
+          <a:fillRef idx="1">
+            <a:schemeClr val="accent1"/>
+          </a:fillRef>
+          <a:effectRef idx="0">
+            <a:schemeClr val="accent1"/>
+          </a:effectRef>
+          <a:fontRef idx="minor">
+            <a:schemeClr val="lt1"/>
+          </a:fontRef>
+        </p:style>
+        <p:txBody>
+          <a:bodyPr rtlCol="0" anchor="ctr"/>
+          <a:lstStyle/>
+          <a:p>
+            <a:pPr algn="ctr"/>
+            <a:endParaRPr lang="nl-NL"/>
+          </a:p>
+        </p:txBody>
+      </p:sp>
+      <p:pic>
+        <p:nvPicPr>
+          <p:cNvPr id="4" name="Afbeelding 3">
+            <a:extLst>
+              <a:ext uri="{FF2B5EF4-FFF2-40B4-BE49-F238E27FC236}">
+                <a16:creationId xmlns:a16="http://schemas.microsoft.com/office/drawing/2014/main" id="{43658662-0BE4-CE1E-6AD5-F97CBF09AF99}"/>
+              </a:ext>
+            </a:extLst>
+          </p:cNvPr>
+          <p:cNvPicPr>
+            <a:picLocks noChangeAspect="1"/>
+          </p:cNvPicPr>
+          <p:nvPr/>
+        </p:nvPicPr>
+        <p:blipFill rotWithShape="1">
+          <a:blip r:embed="rId2">
+            <a:extLst>
+              <a:ext uri="{28A0092B-C50C-407E-A947-70E740481C1C}">
+                <a14:useLocalDpi xmlns:a14="http://schemas.microsoft.com/office/drawing/2010/main" val="0"/>
+              </a:ext>
+            </a:extLst>
+          </a:blip>
+          <a:srcRect l="125" t="49525" r="-125" b="127"/>
+          <a:stretch/>
+        </p:blipFill>
+        <p:spPr>
+          <a:xfrm>
+            <a:off x="6855522" y="3741986"/>
+            <a:ext cx="4830651" cy="2311342"/>
+          </a:xfrm>
+          <a:prstGeom prst="rect">
+            <a:avLst/>
+          </a:prstGeom>
+        </p:spPr>
+      </p:pic>
+    </p:spTree>
+    <p:extLst>
+      <p:ext uri="{BB962C8B-B14F-4D97-AF65-F5344CB8AC3E}">
+        <p14:creationId xmlns:p14="http://schemas.microsoft.com/office/powerpoint/2010/main" val="1429011719"/>
+      </p:ext>
+    </p:extLst>
+  </p:cSld>
+  <p:clrMapOvr>
+    <a:masterClrMapping/>
+  </p:clrMapOvr>
+  <p:timing>
+    <p:tnLst>
+      <p:par>
+        <p:cTn id="1" dur="indefinite" restart="never" nodeType="tmRoot">
+          <p:childTnLst>
+            <p:seq concurrent="1" nextAc="seek">
+              <p:cTn id="2" dur="indefinite" nodeType="mainSeq">
+                <p:childTnLst>
+                  <p:par>
+                    <p:cTn id="3" fill="hold">
+                      <p:stCondLst>
+                        <p:cond delay="indefinite"/>
+                      </p:stCondLst>
+                      <p:childTnLst>
+                        <p:par>
+                          <p:cTn id="4" fill="hold">
+                            <p:stCondLst>
+                              <p:cond delay="0"/>
+                            </p:stCondLst>
+                            <p:childTnLst>
+                              <p:par>
+                                <p:cTn id="5" presetID="1" presetClass="entr" presetSubtype="0" fill="hold" grpId="0" nodeType="clickEffect">
+                                  <p:stCondLst>
+                                    <p:cond delay="0"/>
+                                  </p:stCondLst>
+                                  <p:childTnLst>
+                                    <p:set>
+                                      <p:cBhvr>
+                                        <p:cTn id="6" dur="1" fill="hold">
+                                          <p:stCondLst>
+                                            <p:cond delay="0"/>
+                                          </p:stCondLst>
+                                        </p:cTn>
+                                        <p:tgtEl>
+                                          <p:spTgt spid="3">
+                                            <p:txEl>
+                                              <p:pRg st="0" end="0"/>
+                                            </p:txEl>
+                                          </p:spTgt>
+                                        </p:tgtEl>
+                                        <p:attrNameLst>
+                                          <p:attrName>style.visibility</p:attrName>
+                                        </p:attrNameLst>
+                                      </p:cBhvr>
+                                      <p:to>
+                                        <p:strVal val="visible"/>
+                                      </p:to>
+                                    </p:set>
+                                  </p:childTnLst>
+                                </p:cTn>
+                              </p:par>
+                            </p:childTnLst>
+                          </p:cTn>
+                        </p:par>
+                      </p:childTnLst>
+                    </p:cTn>
+                  </p:par>
+                  <p:par>
+                    <p:cTn id="7" fill="hold">
+                      <p:stCondLst>
+                        <p:cond delay="indefinite"/>
+                      </p:stCondLst>
+                      <p:childTnLst>
+                        <p:par>
+                          <p:cTn id="8" fill="hold">
+                            <p:stCondLst>
+                              <p:cond delay="0"/>
+                            </p:stCondLst>
+                            <p:childTnLst>
+                              <p:par>
+                                <p:cTn id="9" presetID="1" presetClass="entr" presetSubtype="0" fill="hold" nodeType="clickEffect">
+                                  <p:stCondLst>
+                                    <p:cond delay="0"/>
+                                  </p:stCondLst>
+                                  <p:childTnLst>
+                                    <p:set>
+                                      <p:cBhvr>
+                                        <p:cTn id="10" dur="1" fill="hold">
+                                          <p:stCondLst>
+                                            <p:cond delay="0"/>
+                                          </p:stCondLst>
+                                        </p:cTn>
+                                        <p:tgtEl>
+                                          <p:spTgt spid="4"/>
+                                        </p:tgtEl>
+                                        <p:attrNameLst>
+                                          <p:attrName>style.visibility</p:attrName>
+                                        </p:attrNameLst>
+                                      </p:cBhvr>
+                                      <p:to>
+                                        <p:strVal val="visible"/>
+                                      </p:to>
+                                    </p:set>
+                                  </p:childTnLst>
+                                </p:cTn>
+                              </p:par>
+                              <p:par>
+                                <p:cTn id="11" presetID="1" presetClass="entr" presetSubtype="0" fill="hold" nodeType="withEffect">
+                                  <p:stCondLst>
+                                    <p:cond delay="0"/>
+                                  </p:stCondLst>
+                                  <p:childTnLst>
+                                    <p:set>
+                                      <p:cBhvr>
+                                        <p:cTn id="12" dur="1" fill="hold">
+                                          <p:stCondLst>
+                                            <p:cond delay="0"/>
+                                          </p:stCondLst>
+                                        </p:cTn>
+                                        <p:tgtEl>
+                                          <p:spTgt spid="7"/>
+                                        </p:tgtEl>
+                                        <p:attrNameLst>
+                                          <p:attrName>style.visibility</p:attrName>
+                                        </p:attrNameLst>
+                                      </p:cBhvr>
+                                      <p:to>
+                                        <p:strVal val="visible"/>
+                                      </p:to>
+                                    </p:set>
+                                  </p:childTnLst>
+                                </p:cTn>
+                              </p:par>
+                            </p:childTnLst>
+                          </p:cTn>
+                        </p:par>
+                      </p:childTnLst>
+                    </p:cTn>
+                  </p:par>
+                  <p:par>
+                    <p:cTn id="13" fill="hold">
+                      <p:stCondLst>
+                        <p:cond delay="indefinite"/>
+                      </p:stCondLst>
+                      <p:childTnLst>
+                        <p:par>
+                          <p:cTn id="14" fill="hold">
+                            <p:stCondLst>
+                              <p:cond delay="0"/>
+                            </p:stCondLst>
+                            <p:childTnLst>
+                              <p:par>
+                                <p:cTn id="15" presetID="1" presetClass="entr" presetSubtype="0" fill="hold" grpId="0" nodeType="clickEffect">
+                                  <p:stCondLst>
+                                    <p:cond delay="0"/>
+                                  </p:stCondLst>
+                                  <p:childTnLst>
+                                    <p:set>
+                                      <p:cBhvr>
+                                        <p:cTn id="16" dur="1" fill="hold">
+                                          <p:stCondLst>
+                                            <p:cond delay="0"/>
+                                          </p:stCondLst>
+                                        </p:cTn>
+                                        <p:tgtEl>
+                                          <p:spTgt spid="3">
+                                            <p:txEl>
+                                              <p:pRg st="2" end="2"/>
+                                            </p:txEl>
+                                          </p:spTgt>
+                                        </p:tgtEl>
+                                        <p:attrNameLst>
+                                          <p:attrName>style.visibility</p:attrName>
+                                        </p:attrNameLst>
+                                      </p:cBhvr>
+                                      <p:to>
+                                        <p:strVal val="visible"/>
+                                      </p:to>
+                                    </p:set>
+                                  </p:childTnLst>
+                                </p:cTn>
+                              </p:par>
+                            </p:childTnLst>
+                          </p:cTn>
+                        </p:par>
+                      </p:childTnLst>
+                    </p:cTn>
+                  </p:par>
+                  <p:par>
+                    <p:cTn id="17" fill="hold">
+                      <p:stCondLst>
+                        <p:cond delay="indefinite"/>
+                      </p:stCondLst>
+                      <p:childTnLst>
+                        <p:par>
+                          <p:cTn id="18" fill="hold">
+                            <p:stCondLst>
+                              <p:cond delay="0"/>
+                            </p:stCondLst>
+                            <p:childTnLst>
+                              <p:par>
+                                <p:cTn id="19" presetID="1" presetClass="entr" presetSubtype="0" fill="hold" grpId="0" nodeType="clickEffect">
+                                  <p:stCondLst>
+                                    <p:cond delay="0"/>
+                                  </p:stCondLst>
+                                  <p:childTnLst>
+                                    <p:set>
+                                      <p:cBhvr>
+                                        <p:cTn id="20" dur="1" fill="hold">
+                                          <p:stCondLst>
+                                            <p:cond delay="0"/>
+                                          </p:stCondLst>
+                                        </p:cTn>
+                                        <p:tgtEl>
+                                          <p:spTgt spid="3">
+                                            <p:txEl>
+                                              <p:pRg st="4" end="4"/>
+                                            </p:txEl>
+                                          </p:spTgt>
+                                        </p:tgtEl>
+                                        <p:attrNameLst>
+                                          <p:attrName>style.visibility</p:attrName>
+                                        </p:attrNameLst>
+                                      </p:cBhvr>
+                                      <p:to>
+                                        <p:strVal val="visible"/>
+                                      </p:to>
+                                    </p:set>
+                                  </p:childTnLst>
+                                </p:cTn>
+                              </p:par>
+                            </p:childTnLst>
+                          </p:cTn>
+                        </p:par>
+                      </p:childTnLst>
+                    </p:cTn>
+                  </p:par>
+                  <p:par>
+                    <p:cTn id="21" fill="hold">
+                      <p:stCondLst>
+                        <p:cond delay="indefinite"/>
+                      </p:stCondLst>
+                      <p:childTnLst>
+                        <p:par>
+                          <p:cTn id="22" fill="hold">
+                            <p:stCondLst>
+                              <p:cond delay="0"/>
+                            </p:stCondLst>
+                            <p:childTnLst>
+                              <p:par>
+                                <p:cTn id="23" presetID="1" presetClass="entr" presetSubtype="0" fill="hold" nodeType="clickEffect">
+                                  <p:stCondLst>
+                                    <p:cond delay="0"/>
+                                  </p:stCondLst>
+                                  <p:childTnLst>
+                                    <p:set>
+                                      <p:cBhvr>
+                                        <p:cTn id="24" dur="1" fill="hold">
+                                          <p:stCondLst>
+                                            <p:cond delay="0"/>
+                                          </p:stCondLst>
+                                        </p:cTn>
+                                        <p:tgtEl>
+                                          <p:spTgt spid="17"/>
+                                        </p:tgtEl>
+                                        <p:attrNameLst>
+                                          <p:attrName>style.visibility</p:attrName>
+                                        </p:attrNameLst>
+                                      </p:cBhvr>
+                                      <p:to>
+                                        <p:strVal val="visible"/>
+                                      </p:to>
+                                    </p:set>
+                                  </p:childTnLst>
+                                </p:cTn>
+                              </p:par>
+                              <p:par>
+                                <p:cTn id="25" presetID="1" presetClass="entr" presetSubtype="0" fill="hold" nodeType="withEffect">
+                                  <p:stCondLst>
+                                    <p:cond delay="0"/>
+                                  </p:stCondLst>
+                                  <p:childTnLst>
+                                    <p:set>
+                                      <p:cBhvr>
+                                        <p:cTn id="26" dur="1" fill="hold">
+                                          <p:stCondLst>
+                                            <p:cond delay="0"/>
+                                          </p:stCondLst>
+                                        </p:cTn>
+                                        <p:tgtEl>
+                                          <p:spTgt spid="11"/>
+                                        </p:tgtEl>
+                                        <p:attrNameLst>
+                                          <p:attrName>style.visibility</p:attrName>
+                                        </p:attrNameLst>
+                                      </p:cBhvr>
+                                      <p:to>
+                                        <p:strVal val="visible"/>
+                                      </p:to>
+                                    </p:set>
+                                  </p:childTnLst>
+                                </p:cTn>
+                              </p:par>
+                              <p:par>
+                                <p:cTn id="27" presetID="1" presetClass="entr" presetSubtype="0" fill="hold" nodeType="withEffect">
+                                  <p:stCondLst>
+                                    <p:cond delay="0"/>
+                                  </p:stCondLst>
+                                  <p:childTnLst>
+                                    <p:set>
+                                      <p:cBhvr>
+                                        <p:cTn id="28" dur="1" fill="hold">
+                                          <p:stCondLst>
+                                            <p:cond delay="0"/>
+                                          </p:stCondLst>
+                                        </p:cTn>
+                                        <p:tgtEl>
+                                          <p:spTgt spid="16"/>
+                                        </p:tgtEl>
+                                        <p:attrNameLst>
+                                          <p:attrName>style.visibility</p:attrName>
+                                        </p:attrNameLst>
+                                      </p:cBhvr>
+                                      <p:to>
+                                        <p:strVal val="visible"/>
+                                      </p:to>
+                                    </p:set>
+                                  </p:childTnLst>
+                                </p:cTn>
+                              </p:par>
+                              <p:par>
+                                <p:cTn id="29" presetID="1" presetClass="entr" presetSubtype="0" fill="hold" nodeType="withEffect">
+                                  <p:stCondLst>
+                                    <p:cond delay="0"/>
+                                  </p:stCondLst>
+                                  <p:childTnLst>
+                                    <p:set>
+                                      <p:cBhvr>
+                                        <p:cTn id="30" dur="1" fill="hold">
+                                          <p:stCondLst>
+                                            <p:cond delay="0"/>
+                                          </p:stCondLst>
+                                        </p:cTn>
+                                        <p:tgtEl>
+                                          <p:spTgt spid="12"/>
+                                        </p:tgtEl>
+                                        <p:attrNameLst>
+                                          <p:attrName>style.visibility</p:attrName>
+                                        </p:attrNameLst>
+                                      </p:cBhvr>
+                                      <p:to>
+                                        <p:strVal val="visible"/>
+                                      </p:to>
+                                    </p:set>
+                                  </p:childTnLst>
+                                </p:cTn>
+                              </p:par>
+                              <p:par>
+                                <p:cTn id="31" presetID="1" presetClass="entr" presetSubtype="0" fill="hold" grpId="0" nodeType="withEffect">
+                                  <p:stCondLst>
+                                    <p:cond delay="0"/>
+                                  </p:stCondLst>
+                                  <p:childTnLst>
+                                    <p:set>
+                                      <p:cBhvr>
+                                        <p:cTn id="32" dur="1" fill="hold">
+                                          <p:stCondLst>
+                                            <p:cond delay="0"/>
+                                          </p:stCondLst>
+                                        </p:cTn>
+                                        <p:tgtEl>
+                                          <p:spTgt spid="13"/>
+                                        </p:tgtEl>
+                                        <p:attrNameLst>
+                                          <p:attrName>style.visibility</p:attrName>
+                                        </p:attrNameLst>
+                                      </p:cBhvr>
+                                      <p:to>
+                                        <p:strVal val="visible"/>
+                                      </p:to>
+                                    </p:set>
+                                  </p:childTnLst>
+                                </p:cTn>
+                              </p:par>
+                            </p:childTnLst>
+                          </p:cTn>
+                        </p:par>
+                      </p:childTnLst>
+                    </p:cTn>
+                  </p:par>
+                </p:childTnLst>
+              </p:cTn>
+              <p:prevCondLst>
+                <p:cond evt="onPrev" delay="0">
+                  <p:tgtEl>
+                    <p:sldTgt/>
+                  </p:tgtEl>
+                </p:cond>
+              </p:prevCondLst>
+              <p:nextCondLst>
+                <p:cond evt="onNext" delay="0">
+                  <p:tgtEl>
+                    <p:sldTgt/>
+                  </p:tgtEl>
+                </p:cond>
+              </p:nextCondLst>
+            </p:seq>
+          </p:childTnLst>
+        </p:cTn>
+      </p:par>
+    </p:tnLst>
+    <p:bldLst>
+      <p:bldP spid="3" grpId="0" uiExpand="1" build="p"/>
+      <p:bldP spid="13" grpId="0" animBg="1"/>
+    </p:bldLst>
+  </p:timing>
+</p:sld>
+</file>
+
+<file path=ppt/slides/slide8.xml><?xml version="1.0" encoding="utf-8"?>
 <p:sld xmlns:a="http://schemas.openxmlformats.org/drawingml/2006/main" xmlns:r="http://schemas.openxmlformats.org/officeDocument/2006/relationships" xmlns:p="http://schemas.openxmlformats.org/presentationml/2006/main">
   <p:cSld>
     <p:bg>
@@ -11399,8 +12952,8 @@
         </p:nvSpPr>
         <p:spPr>
           <a:xfrm>
-            <a:off x="1055715" y="904356"/>
-            <a:ext cx="5040285" cy="1169585"/>
+            <a:off x="1005343" y="1161335"/>
+            <a:ext cx="6765453" cy="977933"/>
           </a:xfrm>
         </p:spPr>
         <p:txBody>
@@ -11410,12 +12963,27 @@
           <a:lstStyle/>
           <a:p>
             <a:r>
+              <a:rPr lang="nl-NL" sz="4000" dirty="0" err="1"/>
+              <a:t>Comparison</a:t>
+            </a:r>
+            <a:r>
               <a:rPr lang="nl-NL" sz="4000" dirty="0"/>
-              <a:t>More Advanced </a:t>
+              <a:t> </a:t>
             </a:r>
             <a:r>
               <a:rPr lang="nl-NL" sz="4000" dirty="0" err="1"/>
-              <a:t>Methods</a:t>
+              <a:t>between</a:t>
+            </a:r>
+            <a:r>
+              <a:rPr lang="nl-NL" sz="4000" dirty="0"/>
+              <a:t> </a:t>
+            </a:r>
+            <a:br>
+              <a:rPr lang="nl-NL" sz="4000" dirty="0"/>
+            </a:br>
+            <a:r>
+              <a:rPr lang="nl-NL" sz="4000" dirty="0" err="1"/>
+              <a:t>methods</a:t>
             </a:r>
             <a:endParaRPr lang="nl-NL" sz="4000" dirty="0"/>
           </a:p>
@@ -11556,7 +13124,7 @@
         </p:nvSpPr>
         <p:spPr>
           <a:xfrm>
-            <a:off x="1036185" y="2422441"/>
+            <a:off x="1010621" y="2422441"/>
             <a:ext cx="5040285" cy="3437623"/>
           </a:xfrm>
           <a:prstGeom prst="rect">
@@ -11737,61 +13305,1317 @@
             </a:pPr>
             <a:endParaRPr lang="nl-NL" sz="2000" dirty="0"/>
           </a:p>
-          <a:p>
-            <a:pPr marL="0" indent="0">
-              <a:buNone/>
-            </a:pPr>
+        </p:txBody>
+      </p:sp>
+      <mc:AlternateContent xmlns:mc="http://schemas.openxmlformats.org/markup-compatibility/2006">
+        <mc:Choice xmlns:a14="http://schemas.microsoft.com/office/drawing/2010/main" Requires="a14">
+          <p:graphicFrame>
+            <p:nvGraphicFramePr>
+              <p:cNvPr id="10" name="Tabel 10">
+                <a:extLst>
+                  <a:ext uri="{FF2B5EF4-FFF2-40B4-BE49-F238E27FC236}">
+                    <a16:creationId xmlns:a16="http://schemas.microsoft.com/office/drawing/2014/main" id="{F0390A50-28D8-BD8B-2560-26CE09DBE146}"/>
+                  </a:ext>
+                </a:extLst>
+              </p:cNvPr>
+              <p:cNvGraphicFramePr>
+                <a:graphicFrameLocks noGrp="1"/>
+              </p:cNvGraphicFramePr>
+              <p:nvPr>
+                <p:extLst>
+                  <p:ext uri="{D42A27DB-BD31-4B8C-83A1-F6EECF244321}">
+                    <p14:modId xmlns:p14="http://schemas.microsoft.com/office/powerpoint/2010/main" val="1544316477"/>
+                  </p:ext>
+                </p:extLst>
+              </p:nvPr>
+            </p:nvGraphicFramePr>
+            <p:xfrm>
+              <a:off x="1482788" y="3129893"/>
+              <a:ext cx="4083611" cy="2664868"/>
+            </p:xfrm>
+            <a:graphic>
+              <a:graphicData uri="http://schemas.openxmlformats.org/drawingml/2006/table">
+                <a:tbl>
+                  <a:tblPr firstRow="1" bandRow="1">
+                    <a:tableStyleId>{EB9631B5-78F2-41C9-869B-9F39066F8104}</a:tableStyleId>
+                  </a:tblPr>
+                  <a:tblGrid>
+                    <a:gridCol w="914930">
+                      <a:extLst>
+                        <a:ext uri="{9D8B030D-6E8A-4147-A177-3AD203B41FA5}">
+                          <a16:colId xmlns:a16="http://schemas.microsoft.com/office/drawing/2014/main" val="3830308880"/>
+                        </a:ext>
+                      </a:extLst>
+                    </a:gridCol>
+                    <a:gridCol w="1077002">
+                      <a:extLst>
+                        <a:ext uri="{9D8B030D-6E8A-4147-A177-3AD203B41FA5}">
+                          <a16:colId xmlns:a16="http://schemas.microsoft.com/office/drawing/2014/main" val="4108483040"/>
+                        </a:ext>
+                      </a:extLst>
+                    </a:gridCol>
+                    <a:gridCol w="1036320">
+                      <a:extLst>
+                        <a:ext uri="{9D8B030D-6E8A-4147-A177-3AD203B41FA5}">
+                          <a16:colId xmlns:a16="http://schemas.microsoft.com/office/drawing/2014/main" val="26911276"/>
+                        </a:ext>
+                      </a:extLst>
+                    </a:gridCol>
+                    <a:gridCol w="1055359">
+                      <a:extLst>
+                        <a:ext uri="{9D8B030D-6E8A-4147-A177-3AD203B41FA5}">
+                          <a16:colId xmlns:a16="http://schemas.microsoft.com/office/drawing/2014/main" val="545399482"/>
+                        </a:ext>
+                      </a:extLst>
+                    </a:gridCol>
+                  </a:tblGrid>
+                  <a:tr h="524714">
+                    <a:tc>
+                      <a:txBody>
+                        <a:bodyPr/>
+                        <a:lstStyle/>
+                        <a:p>
+                          <a:r>
+                            <a:rPr lang="en-GB" sz="1600" dirty="0"/>
+                            <a:t>Method</a:t>
+                          </a:r>
+                        </a:p>
+                      </a:txBody>
+                      <a:tcPr>
+                        <a:lnR w="12700" cap="flat" cmpd="sng" algn="ctr">
+                          <a:solidFill>
+                            <a:schemeClr val="tx1"/>
+                          </a:solidFill>
+                          <a:prstDash val="solid"/>
+                          <a:round/>
+                          <a:headEnd type="none" w="med" len="med"/>
+                          <a:tailEnd type="none" w="med" len="med"/>
+                        </a:lnR>
+                      </a:tcPr>
+                    </a:tc>
+                    <a:tc>
+                      <a:txBody>
+                        <a:bodyPr/>
+                        <a:lstStyle/>
+                        <a:p>
+                          <a:r>
+                            <a:rPr lang="en-GB" sz="1600" dirty="0"/>
+                            <a:t>Found frequency</a:t>
+                          </a:r>
+                        </a:p>
+                      </a:txBody>
+                      <a:tcPr>
+                        <a:lnL w="12700" cap="flat" cmpd="sng" algn="ctr">
+                          <a:solidFill>
+                            <a:schemeClr val="tx1"/>
+                          </a:solidFill>
+                          <a:prstDash val="solid"/>
+                          <a:round/>
+                          <a:headEnd type="none" w="med" len="med"/>
+                          <a:tailEnd type="none" w="med" len="med"/>
+                        </a:lnL>
+                      </a:tcPr>
+                    </a:tc>
+                    <a:tc>
+                      <a:txBody>
+                        <a:bodyPr/>
+                        <a:lstStyle/>
+                        <a:p>
+                          <a:r>
+                            <a:rPr lang="en-GB" sz="1600" dirty="0"/>
+                            <a:t>Input frequency</a:t>
+                          </a:r>
+                        </a:p>
+                      </a:txBody>
+                      <a:tcPr/>
+                    </a:tc>
+                    <a:tc>
+                      <a:txBody>
+                        <a:bodyPr/>
+                        <a:lstStyle/>
+                        <a:p>
+                          <a:r>
+                            <a:rPr lang="en-GB" sz="1600" dirty="0"/>
+                            <a:t>Relative difference</a:t>
+                          </a:r>
+                        </a:p>
+                      </a:txBody>
+                      <a:tcPr/>
+                    </a:tc>
+                    <a:extLst>
+                      <a:ext uri="{0D108BD9-81ED-4DB2-BD59-A6C34878D82A}">
+                        <a16:rowId xmlns:a16="http://schemas.microsoft.com/office/drawing/2014/main" val="2128739355"/>
+                      </a:ext>
+                    </a:extLst>
+                  </a:tr>
+                  <a:tr h="524714">
+                    <a:tc>
+                      <a:txBody>
+                        <a:bodyPr/>
+                        <a:lstStyle/>
+                        <a:p>
+                          <a:pPr algn="l"/>
+                          <a:r>
+                            <a:rPr lang="en-GB" sz="1200" b="1" dirty="0"/>
+                            <a:t>Quadratic </a:t>
+                          </a:r>
+                        </a:p>
+                      </a:txBody>
+                      <a:tcPr>
+                        <a:lnR w="12700" cap="flat" cmpd="sng" algn="ctr">
+                          <a:solidFill>
+                            <a:schemeClr val="tx1"/>
+                          </a:solidFill>
+                          <a:prstDash val="solid"/>
+                          <a:round/>
+                          <a:headEnd type="none" w="med" len="med"/>
+                          <a:tailEnd type="none" w="med" len="med"/>
+                        </a:lnR>
+                      </a:tcPr>
+                    </a:tc>
+                    <a:tc>
+                      <a:txBody>
+                        <a:bodyPr/>
+                        <a:lstStyle/>
+                        <a:p>
+                          <a:pPr algn="ctr"/>
+                          <a:r>
+                            <a:rPr lang="en-GB" sz="1600" dirty="0"/>
+                            <a:t>9.11984</a:t>
+                          </a:r>
+                          <a:endParaRPr lang="en-GB" sz="1600" i="0" dirty="0"/>
+                        </a:p>
+                      </a:txBody>
+                      <a:tcPr>
+                        <a:lnL w="12700" cap="flat" cmpd="sng" algn="ctr">
+                          <a:solidFill>
+                            <a:schemeClr val="tx1"/>
+                          </a:solidFill>
+                          <a:prstDash val="solid"/>
+                          <a:round/>
+                          <a:headEnd type="none" w="med" len="med"/>
+                          <a:tailEnd type="none" w="med" len="med"/>
+                        </a:lnL>
+                      </a:tcPr>
+                    </a:tc>
+                    <a:tc>
+                      <a:txBody>
+                        <a:bodyPr/>
+                        <a:lstStyle/>
+                        <a:p>
+                          <a:pPr algn="ctr"/>
+                          <a:r>
+                            <a:rPr lang="en-GB" sz="1600" dirty="0"/>
+                            <a:t>9.36735</a:t>
+                          </a:r>
+                          <a:endParaRPr lang="en-GB" sz="1600" i="0" dirty="0"/>
+                        </a:p>
+                      </a:txBody>
+                      <a:tcPr/>
+                    </a:tc>
+                    <a:tc>
+                      <a:txBody>
+                        <a:bodyPr/>
+                        <a:lstStyle/>
+                        <a:p>
+                          <a:pPr algn="ctr"/>
+                          <a14:m>
+                            <m:oMath xmlns:m="http://schemas.openxmlformats.org/officeDocument/2006/math">
+                              <m:r>
+                                <a:rPr lang="en-GB" smtClean="0"/>
+                                <m:t>≈</m:t>
+                              </m:r>
+                              <m:r>
+                                <a:rPr lang="nl-NL" b="0" smtClean="0"/>
+                                <m:t> </m:t>
+                              </m:r>
+                            </m:oMath>
+                          </a14:m>
+                          <a:r>
+                            <a:rPr lang="en-GB" dirty="0"/>
+                            <a:t>2.6% </a:t>
+                          </a:r>
+                        </a:p>
+                      </a:txBody>
+                      <a:tcPr/>
+                    </a:tc>
+                    <a:extLst>
+                      <a:ext uri="{0D108BD9-81ED-4DB2-BD59-A6C34878D82A}">
+                        <a16:rowId xmlns:a16="http://schemas.microsoft.com/office/drawing/2014/main" val="1366714445"/>
+                      </a:ext>
+                    </a:extLst>
+                  </a:tr>
+                  <a:tr h="396240">
+                    <a:tc>
+                      <a:txBody>
+                        <a:bodyPr/>
+                        <a:lstStyle/>
+                        <a:p>
+                          <a:pPr algn="l"/>
+                          <a:r>
+                            <a:rPr lang="en-GB" sz="1200" b="1" dirty="0"/>
+                            <a:t>barycentric</a:t>
+                          </a:r>
+                        </a:p>
+                      </a:txBody>
+                      <a:tcPr>
+                        <a:lnR w="12700" cap="flat" cmpd="sng" algn="ctr">
+                          <a:solidFill>
+                            <a:schemeClr val="tx1"/>
+                          </a:solidFill>
+                          <a:prstDash val="solid"/>
+                          <a:round/>
+                          <a:headEnd type="none" w="med" len="med"/>
+                          <a:tailEnd type="none" w="med" len="med"/>
+                        </a:lnR>
+                      </a:tcPr>
+                    </a:tc>
+                    <a:tc>
+                      <a:txBody>
+                        <a:bodyPr/>
+                        <a:lstStyle/>
+                        <a:p>
+                          <a:pPr algn="ctr"/>
+                          <a:r>
+                            <a:rPr lang="en-GB" sz="1600" dirty="0"/>
+                            <a:t>8.2661</a:t>
+                          </a:r>
+                          <a:endParaRPr lang="en-GB" sz="1600" i="0" dirty="0"/>
+                        </a:p>
+                      </a:txBody>
+                      <a:tcPr>
+                        <a:lnL w="12700" cap="flat" cmpd="sng" algn="ctr">
+                          <a:solidFill>
+                            <a:schemeClr val="tx1"/>
+                          </a:solidFill>
+                          <a:prstDash val="solid"/>
+                          <a:round/>
+                          <a:headEnd type="none" w="med" len="med"/>
+                          <a:tailEnd type="none" w="med" len="med"/>
+                        </a:lnL>
+                      </a:tcPr>
+                    </a:tc>
+                    <a:tc>
+                      <a:txBody>
+                        <a:bodyPr/>
+                        <a:lstStyle/>
+                        <a:p>
+                          <a:pPr algn="ctr"/>
+                          <a:r>
+                            <a:rPr lang="en-GB" sz="1600" dirty="0"/>
+                            <a:t>8.5102</a:t>
+                          </a:r>
+                          <a:endParaRPr lang="en-GB" sz="1600" i="0" dirty="0"/>
+                        </a:p>
+                      </a:txBody>
+                      <a:tcPr/>
+                    </a:tc>
+                    <a:tc>
+                      <a:txBody>
+                        <a:bodyPr/>
+                        <a:lstStyle/>
+                        <a:p>
+                          <a:pPr marL="0" marR="0" lvl="0" indent="0" algn="ctr" defTabSz="914400" rtl="0" eaLnBrk="1" fontAlgn="auto" latinLnBrk="0" hangingPunct="1">
+                            <a:lnSpc>
+                              <a:spcPct val="100000"/>
+                            </a:lnSpc>
+                            <a:spcBef>
+                              <a:spcPts val="0"/>
+                            </a:spcBef>
+                            <a:spcAft>
+                              <a:spcPts val="0"/>
+                            </a:spcAft>
+                            <a:buClrTx/>
+                            <a:buSzTx/>
+                            <a:buFontTx/>
+                            <a:buNone/>
+                            <a:tabLst/>
+                            <a:defRPr/>
+                          </a:pPr>
+                          <a14:m>
+                            <m:oMath xmlns:m="http://schemas.openxmlformats.org/officeDocument/2006/math">
+                              <m:r>
+                                <a:rPr lang="en-GB" smtClean="0"/>
+                                <m:t>≈</m:t>
+                              </m:r>
+                              <m:r>
+                                <a:rPr lang="nl-NL" b="0" smtClean="0"/>
+                                <m:t> </m:t>
+                              </m:r>
+                            </m:oMath>
+                          </a14:m>
+                          <a:r>
+                            <a:rPr lang="en-GB" dirty="0"/>
+                            <a:t>2.9% </a:t>
+                          </a:r>
+                        </a:p>
+                      </a:txBody>
+                      <a:tcPr/>
+                    </a:tc>
+                    <a:extLst>
+                      <a:ext uri="{0D108BD9-81ED-4DB2-BD59-A6C34878D82A}">
+                        <a16:rowId xmlns:a16="http://schemas.microsoft.com/office/drawing/2014/main" val="592730931"/>
+                      </a:ext>
+                    </a:extLst>
+                  </a:tr>
+                  <a:tr h="524714">
+                    <a:tc>
+                      <a:txBody>
+                        <a:bodyPr/>
+                        <a:lstStyle/>
+                        <a:p>
+                          <a:pPr algn="l"/>
+                          <a:r>
+                            <a:rPr lang="en-GB" sz="1200" b="1" dirty="0"/>
+                            <a:t>Jains</a:t>
+                          </a:r>
+                        </a:p>
+                      </a:txBody>
+                      <a:tcPr>
+                        <a:lnR w="12700" cap="flat" cmpd="sng" algn="ctr">
+                          <a:solidFill>
+                            <a:schemeClr val="tx1"/>
+                          </a:solidFill>
+                          <a:prstDash val="solid"/>
+                          <a:round/>
+                          <a:headEnd type="none" w="med" len="med"/>
+                          <a:tailEnd type="none" w="med" len="med"/>
+                        </a:lnR>
+                      </a:tcPr>
+                    </a:tc>
+                    <a:tc>
+                      <a:txBody>
+                        <a:bodyPr/>
+                        <a:lstStyle/>
+                        <a:p>
+                          <a:pPr algn="ctr"/>
+                          <a:r>
+                            <a:rPr lang="en-GB" sz="1600" dirty="0"/>
+                            <a:t>9.04679</a:t>
+                          </a:r>
+                          <a:endParaRPr lang="en-GB" sz="1600" i="0" dirty="0"/>
+                        </a:p>
+                      </a:txBody>
+                      <a:tcPr>
+                        <a:lnL w="12700" cap="flat" cmpd="sng" algn="ctr">
+                          <a:solidFill>
+                            <a:schemeClr val="tx1"/>
+                          </a:solidFill>
+                          <a:prstDash val="solid"/>
+                          <a:round/>
+                          <a:headEnd type="none" w="med" len="med"/>
+                          <a:tailEnd type="none" w="med" len="med"/>
+                        </a:lnL>
+                      </a:tcPr>
+                    </a:tc>
+                    <a:tc>
+                      <a:txBody>
+                        <a:bodyPr/>
+                        <a:lstStyle/>
+                        <a:p>
+                          <a:pPr algn="ctr"/>
+                          <a:r>
+                            <a:rPr lang="en-GB" sz="1600" dirty="0"/>
+                            <a:t>8.95102</a:t>
+                          </a:r>
+                          <a:endParaRPr lang="en-GB" sz="1600" i="0" dirty="0"/>
+                        </a:p>
+                      </a:txBody>
+                      <a:tcPr/>
+                    </a:tc>
+                    <a:tc>
+                      <a:txBody>
+                        <a:bodyPr/>
+                        <a:lstStyle/>
+                        <a:p>
+                          <a:pPr marL="0" marR="0" lvl="0" indent="0" algn="ctr" defTabSz="914400" rtl="0" eaLnBrk="1" fontAlgn="auto" latinLnBrk="0" hangingPunct="1">
+                            <a:lnSpc>
+                              <a:spcPct val="100000"/>
+                            </a:lnSpc>
+                            <a:spcBef>
+                              <a:spcPts val="0"/>
+                            </a:spcBef>
+                            <a:spcAft>
+                              <a:spcPts val="0"/>
+                            </a:spcAft>
+                            <a:buClrTx/>
+                            <a:buSzTx/>
+                            <a:buFontTx/>
+                            <a:buNone/>
+                            <a:tabLst/>
+                            <a:defRPr/>
+                          </a:pPr>
+                          <a14:m>
+                            <m:oMath xmlns:m="http://schemas.openxmlformats.org/officeDocument/2006/math">
+                              <m:r>
+                                <a:rPr lang="en-GB" smtClean="0"/>
+                                <m:t>≈</m:t>
+                              </m:r>
+                              <m:r>
+                                <a:rPr lang="nl-NL" b="0" smtClean="0"/>
+                                <m:t> </m:t>
+                              </m:r>
+                            </m:oMath>
+                          </a14:m>
+                          <a:r>
+                            <a:rPr lang="en-GB" dirty="0"/>
+                            <a:t>1.1% </a:t>
+                          </a:r>
+                        </a:p>
+                      </a:txBody>
+                      <a:tcPr/>
+                    </a:tc>
+                    <a:extLst>
+                      <a:ext uri="{0D108BD9-81ED-4DB2-BD59-A6C34878D82A}">
+                        <a16:rowId xmlns:a16="http://schemas.microsoft.com/office/drawing/2014/main" val="4144188569"/>
+                      </a:ext>
+                    </a:extLst>
+                  </a:tr>
+                  <a:tr h="524714">
+                    <a:tc>
+                      <a:txBody>
+                        <a:bodyPr/>
+                        <a:lstStyle/>
+                        <a:p>
+                          <a:pPr algn="l"/>
+                          <a:r>
+                            <a:rPr lang="en-GB" sz="1200" b="1" dirty="0"/>
+                            <a:t>Quinn’s 2nd</a:t>
+                          </a:r>
+                        </a:p>
+                      </a:txBody>
+                      <a:tcPr>
+                        <a:lnR w="12700" cap="flat" cmpd="sng" algn="ctr">
+                          <a:solidFill>
+                            <a:schemeClr val="tx1"/>
+                          </a:solidFill>
+                          <a:prstDash val="solid"/>
+                          <a:round/>
+                          <a:headEnd type="none" w="med" len="med"/>
+                          <a:tailEnd type="none" w="med" len="med"/>
+                        </a:lnR>
+                      </a:tcPr>
+                    </a:tc>
+                    <a:tc>
+                      <a:txBody>
+                        <a:bodyPr/>
+                        <a:lstStyle/>
+                        <a:p>
+                          <a:pPr algn="ctr"/>
+                          <a:r>
+                            <a:rPr lang="en-GB" sz="1600" dirty="0"/>
+                            <a:t>8.49462</a:t>
+                          </a:r>
+                          <a:endParaRPr lang="en-GB" sz="1600" i="0" dirty="0"/>
+                        </a:p>
+                      </a:txBody>
+                      <a:tcPr>
+                        <a:lnL w="12700" cap="flat" cmpd="sng" algn="ctr">
+                          <a:solidFill>
+                            <a:schemeClr val="tx1"/>
+                          </a:solidFill>
+                          <a:prstDash val="solid"/>
+                          <a:round/>
+                          <a:headEnd type="none" w="med" len="med"/>
+                          <a:tailEnd type="none" w="med" len="med"/>
+                        </a:lnL>
+                      </a:tcPr>
+                    </a:tc>
+                    <a:tc>
+                      <a:txBody>
+                        <a:bodyPr/>
+                        <a:lstStyle/>
+                        <a:p>
+                          <a:pPr algn="ctr"/>
+                          <a:r>
+                            <a:rPr lang="en-GB" sz="1600" dirty="0"/>
+                            <a:t>8.5102</a:t>
+                          </a:r>
+                          <a:endParaRPr lang="en-GB" sz="1600" i="0" dirty="0"/>
+                        </a:p>
+                      </a:txBody>
+                      <a:tcPr/>
+                    </a:tc>
+                    <a:tc>
+                      <a:txBody>
+                        <a:bodyPr/>
+                        <a:lstStyle/>
+                        <a:p>
+                          <a:pPr marL="0" marR="0" lvl="0" indent="0" algn="ctr" defTabSz="914400" rtl="0" eaLnBrk="1" fontAlgn="auto" latinLnBrk="0" hangingPunct="1">
+                            <a:lnSpc>
+                              <a:spcPct val="100000"/>
+                            </a:lnSpc>
+                            <a:spcBef>
+                              <a:spcPts val="0"/>
+                            </a:spcBef>
+                            <a:spcAft>
+                              <a:spcPts val="0"/>
+                            </a:spcAft>
+                            <a:buClrTx/>
+                            <a:buSzTx/>
+                            <a:buFontTx/>
+                            <a:buNone/>
+                            <a:tabLst/>
+                            <a:defRPr/>
+                          </a:pPr>
+                          <a14:m>
+                            <m:oMath xmlns:m="http://schemas.openxmlformats.org/officeDocument/2006/math">
+                              <m:r>
+                                <a:rPr lang="en-GB" smtClean="0"/>
+                                <m:t>≈</m:t>
+                              </m:r>
+                              <m:r>
+                                <a:rPr lang="nl-NL" b="0" smtClean="0"/>
+                                <m:t> </m:t>
+                              </m:r>
+                            </m:oMath>
+                          </a14:m>
+                          <a:r>
+                            <a:rPr lang="en-GB" dirty="0"/>
+                            <a:t>0.18% </a:t>
+                          </a:r>
+                        </a:p>
+                        <a:p>
+                          <a:pPr algn="ctr"/>
+                          <a:endParaRPr lang="en-GB" dirty="0"/>
+                        </a:p>
+                      </a:txBody>
+                      <a:tcPr/>
+                    </a:tc>
+                    <a:extLst>
+                      <a:ext uri="{0D108BD9-81ED-4DB2-BD59-A6C34878D82A}">
+                        <a16:rowId xmlns:a16="http://schemas.microsoft.com/office/drawing/2014/main" val="4070717791"/>
+                      </a:ext>
+                    </a:extLst>
+                  </a:tr>
+                </a:tbl>
+              </a:graphicData>
+            </a:graphic>
+          </p:graphicFrame>
+        </mc:Choice>
+        <mc:Fallback>
+          <p:graphicFrame>
+            <p:nvGraphicFramePr>
+              <p:cNvPr id="10" name="Tabel 10">
+                <a:extLst>
+                  <a:ext uri="{FF2B5EF4-FFF2-40B4-BE49-F238E27FC236}">
+                    <a16:creationId xmlns:a16="http://schemas.microsoft.com/office/drawing/2014/main" id="{F0390A50-28D8-BD8B-2560-26CE09DBE146}"/>
+                  </a:ext>
+                </a:extLst>
+              </p:cNvPr>
+              <p:cNvGraphicFramePr>
+                <a:graphicFrameLocks noGrp="1"/>
+              </p:cNvGraphicFramePr>
+              <p:nvPr>
+                <p:extLst>
+                  <p:ext uri="{D42A27DB-BD31-4B8C-83A1-F6EECF244321}">
+                    <p14:modId xmlns:p14="http://schemas.microsoft.com/office/powerpoint/2010/main" val="1544316477"/>
+                  </p:ext>
+                </p:extLst>
+              </p:nvPr>
+            </p:nvGraphicFramePr>
+            <p:xfrm>
+              <a:off x="1482788" y="3129893"/>
+              <a:ext cx="4083611" cy="2664868"/>
+            </p:xfrm>
+            <a:graphic>
+              <a:graphicData uri="http://schemas.openxmlformats.org/drawingml/2006/table">
+                <a:tbl>
+                  <a:tblPr firstRow="1" bandRow="1">
+                    <a:tableStyleId>{EB9631B5-78F2-41C9-869B-9F39066F8104}</a:tableStyleId>
+                  </a:tblPr>
+                  <a:tblGrid>
+                    <a:gridCol w="914930">
+                      <a:extLst>
+                        <a:ext uri="{9D8B030D-6E8A-4147-A177-3AD203B41FA5}">
+                          <a16:colId xmlns:a16="http://schemas.microsoft.com/office/drawing/2014/main" val="3830308880"/>
+                        </a:ext>
+                      </a:extLst>
+                    </a:gridCol>
+                    <a:gridCol w="1077002">
+                      <a:extLst>
+                        <a:ext uri="{9D8B030D-6E8A-4147-A177-3AD203B41FA5}">
+                          <a16:colId xmlns:a16="http://schemas.microsoft.com/office/drawing/2014/main" val="4108483040"/>
+                        </a:ext>
+                      </a:extLst>
+                    </a:gridCol>
+                    <a:gridCol w="1036320">
+                      <a:extLst>
+                        <a:ext uri="{9D8B030D-6E8A-4147-A177-3AD203B41FA5}">
+                          <a16:colId xmlns:a16="http://schemas.microsoft.com/office/drawing/2014/main" val="26911276"/>
+                        </a:ext>
+                      </a:extLst>
+                    </a:gridCol>
+                    <a:gridCol w="1055359">
+                      <a:extLst>
+                        <a:ext uri="{9D8B030D-6E8A-4147-A177-3AD203B41FA5}">
+                          <a16:colId xmlns:a16="http://schemas.microsoft.com/office/drawing/2014/main" val="545399482"/>
+                        </a:ext>
+                      </a:extLst>
+                    </a:gridCol>
+                  </a:tblGrid>
+                  <a:tr h="579120">
+                    <a:tc>
+                      <a:txBody>
+                        <a:bodyPr/>
+                        <a:lstStyle/>
+                        <a:p>
+                          <a:r>
+                            <a:rPr lang="en-GB" sz="1600" dirty="0"/>
+                            <a:t>Method</a:t>
+                          </a:r>
+                        </a:p>
+                      </a:txBody>
+                      <a:tcPr>
+                        <a:lnR w="12700" cap="flat" cmpd="sng" algn="ctr">
+                          <a:solidFill>
+                            <a:schemeClr val="tx1"/>
+                          </a:solidFill>
+                          <a:prstDash val="solid"/>
+                          <a:round/>
+                          <a:headEnd type="none" w="med" len="med"/>
+                          <a:tailEnd type="none" w="med" len="med"/>
+                        </a:lnR>
+                      </a:tcPr>
+                    </a:tc>
+                    <a:tc>
+                      <a:txBody>
+                        <a:bodyPr/>
+                        <a:lstStyle/>
+                        <a:p>
+                          <a:r>
+                            <a:rPr lang="en-GB" sz="1600" dirty="0"/>
+                            <a:t>Found frequency</a:t>
+                          </a:r>
+                        </a:p>
+                      </a:txBody>
+                      <a:tcPr>
+                        <a:lnL w="12700" cap="flat" cmpd="sng" algn="ctr">
+                          <a:solidFill>
+                            <a:schemeClr val="tx1"/>
+                          </a:solidFill>
+                          <a:prstDash val="solid"/>
+                          <a:round/>
+                          <a:headEnd type="none" w="med" len="med"/>
+                          <a:tailEnd type="none" w="med" len="med"/>
+                        </a:lnL>
+                      </a:tcPr>
+                    </a:tc>
+                    <a:tc>
+                      <a:txBody>
+                        <a:bodyPr/>
+                        <a:lstStyle/>
+                        <a:p>
+                          <a:r>
+                            <a:rPr lang="en-GB" sz="1600" dirty="0"/>
+                            <a:t>Input frequency</a:t>
+                          </a:r>
+                        </a:p>
+                      </a:txBody>
+                      <a:tcPr/>
+                    </a:tc>
+                    <a:tc>
+                      <a:txBody>
+                        <a:bodyPr/>
+                        <a:lstStyle/>
+                        <a:p>
+                          <a:r>
+                            <a:rPr lang="en-GB" sz="1600" dirty="0"/>
+                            <a:t>Relative difference</a:t>
+                          </a:r>
+                        </a:p>
+                      </a:txBody>
+                      <a:tcPr/>
+                    </a:tc>
+                    <a:extLst>
+                      <a:ext uri="{0D108BD9-81ED-4DB2-BD59-A6C34878D82A}">
+                        <a16:rowId xmlns:a16="http://schemas.microsoft.com/office/drawing/2014/main" val="2128739355"/>
+                      </a:ext>
+                    </a:extLst>
+                  </a:tr>
+                  <a:tr h="524714">
+                    <a:tc>
+                      <a:txBody>
+                        <a:bodyPr/>
+                        <a:lstStyle/>
+                        <a:p>
+                          <a:pPr algn="l"/>
+                          <a:r>
+                            <a:rPr lang="en-GB" sz="1200" b="1" dirty="0"/>
+                            <a:t>Quadratic </a:t>
+                          </a:r>
+                        </a:p>
+                      </a:txBody>
+                      <a:tcPr>
+                        <a:lnR w="12700" cap="flat" cmpd="sng" algn="ctr">
+                          <a:solidFill>
+                            <a:schemeClr val="tx1"/>
+                          </a:solidFill>
+                          <a:prstDash val="solid"/>
+                          <a:round/>
+                          <a:headEnd type="none" w="med" len="med"/>
+                          <a:tailEnd type="none" w="med" len="med"/>
+                        </a:lnR>
+                      </a:tcPr>
+                    </a:tc>
+                    <a:tc>
+                      <a:txBody>
+                        <a:bodyPr/>
+                        <a:lstStyle/>
+                        <a:p>
+                          <a:pPr algn="ctr"/>
+                          <a:r>
+                            <a:rPr lang="en-GB" sz="1600" dirty="0"/>
+                            <a:t>9.11984</a:t>
+                          </a:r>
+                          <a:endParaRPr lang="en-GB" sz="1600" i="0" dirty="0"/>
+                        </a:p>
+                      </a:txBody>
+                      <a:tcPr>
+                        <a:lnL w="12700" cap="flat" cmpd="sng" algn="ctr">
+                          <a:solidFill>
+                            <a:schemeClr val="tx1"/>
+                          </a:solidFill>
+                          <a:prstDash val="solid"/>
+                          <a:round/>
+                          <a:headEnd type="none" w="med" len="med"/>
+                          <a:tailEnd type="none" w="med" len="med"/>
+                        </a:lnL>
+                      </a:tcPr>
+                    </a:tc>
+                    <a:tc>
+                      <a:txBody>
+                        <a:bodyPr/>
+                        <a:lstStyle/>
+                        <a:p>
+                          <a:pPr algn="ctr"/>
+                          <a:r>
+                            <a:rPr lang="en-GB" sz="1600" dirty="0"/>
+                            <a:t>9.36735</a:t>
+                          </a:r>
+                          <a:endParaRPr lang="en-GB" sz="1600" i="0" dirty="0"/>
+                        </a:p>
+                      </a:txBody>
+                      <a:tcPr/>
+                    </a:tc>
+                    <a:tc>
+                      <a:txBody>
+                        <a:bodyPr/>
+                        <a:lstStyle/>
+                        <a:p>
+                          <a:endParaRPr lang="nl-NL"/>
+                        </a:p>
+                      </a:txBody>
+                      <a:tcPr>
+                        <a:blipFill>
+                          <a:blip r:embed="rId2"/>
+                          <a:stretch>
+                            <a:fillRect l="-287861" t="-113953" r="-1156" b="-302326"/>
+                          </a:stretch>
+                        </a:blipFill>
+                      </a:tcPr>
+                    </a:tc>
+                    <a:extLst>
+                      <a:ext uri="{0D108BD9-81ED-4DB2-BD59-A6C34878D82A}">
+                        <a16:rowId xmlns:a16="http://schemas.microsoft.com/office/drawing/2014/main" val="1366714445"/>
+                      </a:ext>
+                    </a:extLst>
+                  </a:tr>
+                  <a:tr h="396240">
+                    <a:tc>
+                      <a:txBody>
+                        <a:bodyPr/>
+                        <a:lstStyle/>
+                        <a:p>
+                          <a:pPr algn="l"/>
+                          <a:r>
+                            <a:rPr lang="en-GB" sz="1200" b="1" dirty="0"/>
+                            <a:t>barycentric</a:t>
+                          </a:r>
+                        </a:p>
+                      </a:txBody>
+                      <a:tcPr>
+                        <a:lnR w="12700" cap="flat" cmpd="sng" algn="ctr">
+                          <a:solidFill>
+                            <a:schemeClr val="tx1"/>
+                          </a:solidFill>
+                          <a:prstDash val="solid"/>
+                          <a:round/>
+                          <a:headEnd type="none" w="med" len="med"/>
+                          <a:tailEnd type="none" w="med" len="med"/>
+                        </a:lnR>
+                      </a:tcPr>
+                    </a:tc>
+                    <a:tc>
+                      <a:txBody>
+                        <a:bodyPr/>
+                        <a:lstStyle/>
+                        <a:p>
+                          <a:pPr algn="ctr"/>
+                          <a:r>
+                            <a:rPr lang="en-GB" sz="1600" dirty="0"/>
+                            <a:t>8.2661</a:t>
+                          </a:r>
+                          <a:endParaRPr lang="en-GB" sz="1600" i="0" dirty="0"/>
+                        </a:p>
+                      </a:txBody>
+                      <a:tcPr>
+                        <a:lnL w="12700" cap="flat" cmpd="sng" algn="ctr">
+                          <a:solidFill>
+                            <a:schemeClr val="tx1"/>
+                          </a:solidFill>
+                          <a:prstDash val="solid"/>
+                          <a:round/>
+                          <a:headEnd type="none" w="med" len="med"/>
+                          <a:tailEnd type="none" w="med" len="med"/>
+                        </a:lnL>
+                      </a:tcPr>
+                    </a:tc>
+                    <a:tc>
+                      <a:txBody>
+                        <a:bodyPr/>
+                        <a:lstStyle/>
+                        <a:p>
+                          <a:pPr algn="ctr"/>
+                          <a:r>
+                            <a:rPr lang="en-GB" sz="1600" dirty="0"/>
+                            <a:t>8.5102</a:t>
+                          </a:r>
+                          <a:endParaRPr lang="en-GB" sz="1600" i="0" dirty="0"/>
+                        </a:p>
+                      </a:txBody>
+                      <a:tcPr/>
+                    </a:tc>
+                    <a:tc>
+                      <a:txBody>
+                        <a:bodyPr/>
+                        <a:lstStyle/>
+                        <a:p>
+                          <a:endParaRPr lang="nl-NL"/>
+                        </a:p>
+                      </a:txBody>
+                      <a:tcPr>
+                        <a:blipFill>
+                          <a:blip r:embed="rId2"/>
+                          <a:stretch>
+                            <a:fillRect l="-287861" t="-278788" r="-1156" b="-293939"/>
+                          </a:stretch>
+                        </a:blipFill>
+                      </a:tcPr>
+                    </a:tc>
+                    <a:extLst>
+                      <a:ext uri="{0D108BD9-81ED-4DB2-BD59-A6C34878D82A}">
+                        <a16:rowId xmlns:a16="http://schemas.microsoft.com/office/drawing/2014/main" val="592730931"/>
+                      </a:ext>
+                    </a:extLst>
+                  </a:tr>
+                  <a:tr h="524714">
+                    <a:tc>
+                      <a:txBody>
+                        <a:bodyPr/>
+                        <a:lstStyle/>
+                        <a:p>
+                          <a:pPr algn="l"/>
+                          <a:r>
+                            <a:rPr lang="en-GB" sz="1200" b="1" dirty="0"/>
+                            <a:t>Jains</a:t>
+                          </a:r>
+                        </a:p>
+                      </a:txBody>
+                      <a:tcPr>
+                        <a:lnR w="12700" cap="flat" cmpd="sng" algn="ctr">
+                          <a:solidFill>
+                            <a:schemeClr val="tx1"/>
+                          </a:solidFill>
+                          <a:prstDash val="solid"/>
+                          <a:round/>
+                          <a:headEnd type="none" w="med" len="med"/>
+                          <a:tailEnd type="none" w="med" len="med"/>
+                        </a:lnR>
+                      </a:tcPr>
+                    </a:tc>
+                    <a:tc>
+                      <a:txBody>
+                        <a:bodyPr/>
+                        <a:lstStyle/>
+                        <a:p>
+                          <a:pPr algn="ctr"/>
+                          <a:r>
+                            <a:rPr lang="en-GB" sz="1600" dirty="0"/>
+                            <a:t>9.04679</a:t>
+                          </a:r>
+                          <a:endParaRPr lang="en-GB" sz="1600" i="0" dirty="0"/>
+                        </a:p>
+                      </a:txBody>
+                      <a:tcPr>
+                        <a:lnL w="12700" cap="flat" cmpd="sng" algn="ctr">
+                          <a:solidFill>
+                            <a:schemeClr val="tx1"/>
+                          </a:solidFill>
+                          <a:prstDash val="solid"/>
+                          <a:round/>
+                          <a:headEnd type="none" w="med" len="med"/>
+                          <a:tailEnd type="none" w="med" len="med"/>
+                        </a:lnL>
+                      </a:tcPr>
+                    </a:tc>
+                    <a:tc>
+                      <a:txBody>
+                        <a:bodyPr/>
+                        <a:lstStyle/>
+                        <a:p>
+                          <a:pPr algn="ctr"/>
+                          <a:r>
+                            <a:rPr lang="en-GB" sz="1600" dirty="0"/>
+                            <a:t>8.95102</a:t>
+                          </a:r>
+                          <a:endParaRPr lang="en-GB" sz="1600" i="0" dirty="0"/>
+                        </a:p>
+                      </a:txBody>
+                      <a:tcPr/>
+                    </a:tc>
+                    <a:tc>
+                      <a:txBody>
+                        <a:bodyPr/>
+                        <a:lstStyle/>
+                        <a:p>
+                          <a:endParaRPr lang="nl-NL"/>
+                        </a:p>
+                      </a:txBody>
+                      <a:tcPr>
+                        <a:blipFill>
+                          <a:blip r:embed="rId2"/>
+                          <a:stretch>
+                            <a:fillRect l="-287861" t="-290698" r="-1156" b="-125581"/>
+                          </a:stretch>
+                        </a:blipFill>
+                      </a:tcPr>
+                    </a:tc>
+                    <a:extLst>
+                      <a:ext uri="{0D108BD9-81ED-4DB2-BD59-A6C34878D82A}">
+                        <a16:rowId xmlns:a16="http://schemas.microsoft.com/office/drawing/2014/main" val="4144188569"/>
+                      </a:ext>
+                    </a:extLst>
+                  </a:tr>
+                  <a:tr h="640080">
+                    <a:tc>
+                      <a:txBody>
+                        <a:bodyPr/>
+                        <a:lstStyle/>
+                        <a:p>
+                          <a:pPr algn="l"/>
+                          <a:r>
+                            <a:rPr lang="en-GB" sz="1200" b="1" dirty="0"/>
+                            <a:t>Quinn’s 2nd</a:t>
+                          </a:r>
+                        </a:p>
+                      </a:txBody>
+                      <a:tcPr>
+                        <a:lnR w="12700" cap="flat" cmpd="sng" algn="ctr">
+                          <a:solidFill>
+                            <a:schemeClr val="tx1"/>
+                          </a:solidFill>
+                          <a:prstDash val="solid"/>
+                          <a:round/>
+                          <a:headEnd type="none" w="med" len="med"/>
+                          <a:tailEnd type="none" w="med" len="med"/>
+                        </a:lnR>
+                      </a:tcPr>
+                    </a:tc>
+                    <a:tc>
+                      <a:txBody>
+                        <a:bodyPr/>
+                        <a:lstStyle/>
+                        <a:p>
+                          <a:pPr algn="ctr"/>
+                          <a:r>
+                            <a:rPr lang="en-GB" sz="1600" dirty="0"/>
+                            <a:t>8.49462</a:t>
+                          </a:r>
+                          <a:endParaRPr lang="en-GB" sz="1600" i="0" dirty="0"/>
+                        </a:p>
+                      </a:txBody>
+                      <a:tcPr>
+                        <a:lnL w="12700" cap="flat" cmpd="sng" algn="ctr">
+                          <a:solidFill>
+                            <a:schemeClr val="tx1"/>
+                          </a:solidFill>
+                          <a:prstDash val="solid"/>
+                          <a:round/>
+                          <a:headEnd type="none" w="med" len="med"/>
+                          <a:tailEnd type="none" w="med" len="med"/>
+                        </a:lnL>
+                      </a:tcPr>
+                    </a:tc>
+                    <a:tc>
+                      <a:txBody>
+                        <a:bodyPr/>
+                        <a:lstStyle/>
+                        <a:p>
+                          <a:pPr algn="ctr"/>
+                          <a:r>
+                            <a:rPr lang="en-GB" sz="1600" dirty="0"/>
+                            <a:t>8.5102</a:t>
+                          </a:r>
+                          <a:endParaRPr lang="en-GB" sz="1600" i="0" dirty="0"/>
+                        </a:p>
+                      </a:txBody>
+                      <a:tcPr/>
+                    </a:tc>
+                    <a:tc>
+                      <a:txBody>
+                        <a:bodyPr/>
+                        <a:lstStyle/>
+                        <a:p>
+                          <a:endParaRPr lang="nl-NL"/>
+                        </a:p>
+                      </a:txBody>
+                      <a:tcPr>
+                        <a:blipFill>
+                          <a:blip r:embed="rId2"/>
+                          <a:stretch>
+                            <a:fillRect l="-287861" t="-320000" r="-1156" b="-2857"/>
+                          </a:stretch>
+                        </a:blipFill>
+                      </a:tcPr>
+                    </a:tc>
+                    <a:extLst>
+                      <a:ext uri="{0D108BD9-81ED-4DB2-BD59-A6C34878D82A}">
+                        <a16:rowId xmlns:a16="http://schemas.microsoft.com/office/drawing/2014/main" val="4070717791"/>
+                      </a:ext>
+                    </a:extLst>
+                  </a:tr>
+                </a:tbl>
+              </a:graphicData>
+            </a:graphic>
+          </p:graphicFrame>
+        </mc:Fallback>
+      </mc:AlternateContent>
+      <p:sp>
+        <p:nvSpPr>
+          <p:cNvPr id="11" name="Tijdelijke aanduiding voor inhoud 2">
+            <a:extLst>
+              <a:ext uri="{FF2B5EF4-FFF2-40B4-BE49-F238E27FC236}">
+                <a16:creationId xmlns:a16="http://schemas.microsoft.com/office/drawing/2014/main" id="{D8C649E2-4F8A-D503-96E9-1AB996CE05EE}"/>
+              </a:ext>
+            </a:extLst>
+          </p:cNvPr>
+          <p:cNvSpPr txBox="1">
+            <a:spLocks/>
+          </p:cNvSpPr>
+          <p:nvPr/>
+        </p:nvSpPr>
+        <p:spPr>
+          <a:xfrm>
+            <a:off x="1005343" y="2369050"/>
+            <a:ext cx="7193890" cy="977934"/>
+          </a:xfrm>
+          <a:prstGeom prst="rect">
+            <a:avLst/>
+          </a:prstGeom>
+        </p:spPr>
+        <p:txBody>
+          <a:bodyPr vert="horz" lIns="91440" tIns="45720" rIns="91440" bIns="45720" rtlCol="0" anchor="ctr">
+            <a:normAutofit/>
+          </a:bodyPr>
+          <a:lstStyle>
+            <a:lvl1pPr marL="228600" indent="-228600" algn="l" defTabSz="914400" rtl="0" eaLnBrk="1" latinLnBrk="0" hangingPunct="1">
+              <a:lnSpc>
+                <a:spcPct val="90000"/>
+              </a:lnSpc>
+              <a:spcBef>
+                <a:spcPts val="1000"/>
+              </a:spcBef>
+              <a:buFont typeface="Arial" panose="020B0604020202020204" pitchFamily="34" charset="0"/>
+              <a:buChar char="•"/>
+              <a:defRPr sz="2800" kern="1200">
+                <a:solidFill>
+                  <a:schemeClr val="tx1"/>
+                </a:solidFill>
+                <a:latin typeface="+mn-lt"/>
+                <a:ea typeface="+mn-ea"/>
+                <a:cs typeface="+mn-cs"/>
+              </a:defRPr>
+            </a:lvl1pPr>
+            <a:lvl2pPr marL="685800" indent="-228600" algn="l" defTabSz="914400" rtl="0" eaLnBrk="1" latinLnBrk="0" hangingPunct="1">
+              <a:lnSpc>
+                <a:spcPct val="90000"/>
+              </a:lnSpc>
+              <a:spcBef>
+                <a:spcPts val="500"/>
+              </a:spcBef>
+              <a:buFont typeface="Arial" panose="020B0604020202020204" pitchFamily="34" charset="0"/>
+              <a:buChar char="•"/>
+              <a:defRPr sz="2400" kern="1200">
+                <a:solidFill>
+                  <a:schemeClr val="tx1"/>
+                </a:solidFill>
+                <a:latin typeface="+mn-lt"/>
+                <a:ea typeface="+mn-ea"/>
+                <a:cs typeface="+mn-cs"/>
+              </a:defRPr>
+            </a:lvl2pPr>
+            <a:lvl3pPr marL="1143000" indent="-228600" algn="l" defTabSz="914400" rtl="0" eaLnBrk="1" latinLnBrk="0" hangingPunct="1">
+              <a:lnSpc>
+                <a:spcPct val="90000"/>
+              </a:lnSpc>
+              <a:spcBef>
+                <a:spcPts val="500"/>
+              </a:spcBef>
+              <a:buFont typeface="Arial" panose="020B0604020202020204" pitchFamily="34" charset="0"/>
+              <a:buChar char="•"/>
+              <a:defRPr sz="2000" kern="1200">
+                <a:solidFill>
+                  <a:schemeClr val="tx1"/>
+                </a:solidFill>
+                <a:latin typeface="+mn-lt"/>
+                <a:ea typeface="+mn-ea"/>
+                <a:cs typeface="+mn-cs"/>
+              </a:defRPr>
+            </a:lvl3pPr>
+            <a:lvl4pPr marL="1600200" indent="-228600" algn="l" defTabSz="914400" rtl="0" eaLnBrk="1" latinLnBrk="0" hangingPunct="1">
+              <a:lnSpc>
+                <a:spcPct val="90000"/>
+              </a:lnSpc>
+              <a:spcBef>
+                <a:spcPts val="500"/>
+              </a:spcBef>
+              <a:buFont typeface="Arial" panose="020B0604020202020204" pitchFamily="34" charset="0"/>
+              <a:buChar char="•"/>
+              <a:defRPr sz="1800" kern="1200">
+                <a:solidFill>
+                  <a:schemeClr val="tx1"/>
+                </a:solidFill>
+                <a:latin typeface="+mn-lt"/>
+                <a:ea typeface="+mn-ea"/>
+                <a:cs typeface="+mn-cs"/>
+              </a:defRPr>
+            </a:lvl4pPr>
+            <a:lvl5pPr marL="2057400" indent="-228600" algn="l" defTabSz="914400" rtl="0" eaLnBrk="1" latinLnBrk="0" hangingPunct="1">
+              <a:lnSpc>
+                <a:spcPct val="90000"/>
+              </a:lnSpc>
+              <a:spcBef>
+                <a:spcPts val="500"/>
+              </a:spcBef>
+              <a:buFont typeface="Arial" panose="020B0604020202020204" pitchFamily="34" charset="0"/>
+              <a:buChar char="•"/>
+              <a:defRPr sz="1800" kern="1200">
+                <a:solidFill>
+                  <a:schemeClr val="tx1"/>
+                </a:solidFill>
+                <a:latin typeface="+mn-lt"/>
+                <a:ea typeface="+mn-ea"/>
+                <a:cs typeface="+mn-cs"/>
+              </a:defRPr>
+            </a:lvl5pPr>
+            <a:lvl6pPr marL="2514600" indent="-228600" algn="l" defTabSz="914400" rtl="0" eaLnBrk="1" latinLnBrk="0" hangingPunct="1">
+              <a:lnSpc>
+                <a:spcPct val="90000"/>
+              </a:lnSpc>
+              <a:spcBef>
+                <a:spcPts val="500"/>
+              </a:spcBef>
+              <a:buFont typeface="Arial" panose="020B0604020202020204" pitchFamily="34" charset="0"/>
+              <a:buChar char="•"/>
+              <a:defRPr sz="1800" kern="1200">
+                <a:solidFill>
+                  <a:schemeClr val="tx1"/>
+                </a:solidFill>
+                <a:latin typeface="+mn-lt"/>
+                <a:ea typeface="+mn-ea"/>
+                <a:cs typeface="+mn-cs"/>
+              </a:defRPr>
+            </a:lvl6pPr>
+            <a:lvl7pPr marL="2971800" indent="-228600" algn="l" defTabSz="914400" rtl="0" eaLnBrk="1" latinLnBrk="0" hangingPunct="1">
+              <a:lnSpc>
+                <a:spcPct val="90000"/>
+              </a:lnSpc>
+              <a:spcBef>
+                <a:spcPts val="500"/>
+              </a:spcBef>
+              <a:buFont typeface="Arial" panose="020B0604020202020204" pitchFamily="34" charset="0"/>
+              <a:buChar char="•"/>
+              <a:defRPr sz="1800" kern="1200">
+                <a:solidFill>
+                  <a:schemeClr val="tx1"/>
+                </a:solidFill>
+                <a:latin typeface="+mn-lt"/>
+                <a:ea typeface="+mn-ea"/>
+                <a:cs typeface="+mn-cs"/>
+              </a:defRPr>
+            </a:lvl7pPr>
+            <a:lvl8pPr marL="3429000" indent="-228600" algn="l" defTabSz="914400" rtl="0" eaLnBrk="1" latinLnBrk="0" hangingPunct="1">
+              <a:lnSpc>
+                <a:spcPct val="90000"/>
+              </a:lnSpc>
+              <a:spcBef>
+                <a:spcPts val="500"/>
+              </a:spcBef>
+              <a:buFont typeface="Arial" panose="020B0604020202020204" pitchFamily="34" charset="0"/>
+              <a:buChar char="•"/>
+              <a:defRPr sz="1800" kern="1200">
+                <a:solidFill>
+                  <a:schemeClr val="tx1"/>
+                </a:solidFill>
+                <a:latin typeface="+mn-lt"/>
+                <a:ea typeface="+mn-ea"/>
+                <a:cs typeface="+mn-cs"/>
+              </a:defRPr>
+            </a:lvl8pPr>
+            <a:lvl9pPr marL="3886200" indent="-228600" algn="l" defTabSz="914400" rtl="0" eaLnBrk="1" latinLnBrk="0" hangingPunct="1">
+              <a:lnSpc>
+                <a:spcPct val="90000"/>
+              </a:lnSpc>
+              <a:spcBef>
+                <a:spcPts val="500"/>
+              </a:spcBef>
+              <a:buFont typeface="Arial" panose="020B0604020202020204" pitchFamily="34" charset="0"/>
+              <a:buChar char="•"/>
+              <a:defRPr sz="1800" kern="1200">
+                <a:solidFill>
+                  <a:schemeClr val="tx1"/>
+                </a:solidFill>
+                <a:latin typeface="+mn-lt"/>
+                <a:ea typeface="+mn-ea"/>
+                <a:cs typeface="+mn-cs"/>
+              </a:defRPr>
+            </a:lvl9pPr>
+          </a:lstStyle>
+          <a:p>
             <a:r>
-              <a:rPr lang="es-ES" sz="2000" dirty="0"/>
-              <a:t>3. Jain’s </a:t>
+              <a:rPr lang="nl-NL" sz="2000" dirty="0" err="1"/>
+              <a:t>Largest</a:t>
             </a:r>
             <a:r>
-              <a:rPr lang="en-US" sz="2000" dirty="0"/>
-              <a:t>method</a:t>
-            </a:r>
-          </a:p>
-          <a:p>
-            <a:pPr marL="0" indent="0">
-              <a:buNone/>
-            </a:pPr>
-            <a:endParaRPr lang="en-US" sz="2000" dirty="0"/>
-          </a:p>
-          <a:p>
-            <a:pPr marL="0" indent="0">
-              <a:buNone/>
-            </a:pPr>
-            <a:endParaRPr lang="es-ES" sz="2000" dirty="0"/>
-          </a:p>
-          <a:p>
-            <a:pPr marL="0" indent="0">
-              <a:buNone/>
-            </a:pPr>
-            <a:endParaRPr lang="es-ES" sz="2000" dirty="0"/>
-          </a:p>
-          <a:p>
-            <a:pPr marL="0" indent="0">
-              <a:buNone/>
-            </a:pPr>
-            <a:r>
-              <a:rPr lang="es-ES" sz="2000" dirty="0"/>
-              <a:t>4</a:t>
+              <a:rPr lang="nl-NL" sz="2000" dirty="0"/>
+              <a:t> found Misfits </a:t>
             </a:r>
             <a:r>
-              <a:rPr lang="es-ES" sz="2000" b="0" i="0" dirty="0">
-                <a:effectLst/>
-              </a:rPr>
-              <a:t>. Quinn’s (2nd) method</a:t>
+              <a:rPr lang="nl-NL" sz="2000" dirty="0" err="1"/>
+              <a:t>relative</a:t>
             </a:r>
-            <a:endParaRPr lang="nl-NL" sz="2000" dirty="0"/>
+            <a:r>
+              <a:rPr lang="nl-NL" sz="2000" dirty="0"/>
+              <a:t> </a:t>
+            </a:r>
+            <a:r>
+              <a:rPr lang="nl-NL" sz="2000" dirty="0" err="1"/>
+              <a:t>to</a:t>
+            </a:r>
+            <a:r>
+              <a:rPr lang="nl-NL" sz="2000" dirty="0"/>
+              <a:t> input data</a:t>
+            </a:r>
           </a:p>
         </p:txBody>
       </p:sp>
       <p:pic>
         <p:nvPicPr>
-          <p:cNvPr id="6" name="Afbeelding 5">
+          <p:cNvPr id="13" name="Afbeelding 12">
             <a:extLst>
               <a:ext uri="{FF2B5EF4-FFF2-40B4-BE49-F238E27FC236}">
-                <a16:creationId xmlns:a16="http://schemas.microsoft.com/office/drawing/2014/main" id="{186FEABD-FAB1-B8DA-9A72-CC74E29BC846}"/>
+                <a16:creationId xmlns:a16="http://schemas.microsoft.com/office/drawing/2014/main" id="{3F3EBBCF-E368-2EDD-C0CF-62D694744D45}"/>
               </a:ext>
             </a:extLst>
           </p:cNvPr>
@@ -11801,15 +14625,15 @@
           <p:nvPr/>
         </p:nvPicPr>
         <p:blipFill>
-          <a:blip r:embed="rId2"/>
+          <a:blip r:embed="rId3"/>
           <a:stretch>
             <a:fillRect/>
           </a:stretch>
         </p:blipFill>
         <p:spPr>
           <a:xfrm>
-            <a:off x="7959733" y="340127"/>
-            <a:ext cx="3731524" cy="3150594"/>
+            <a:off x="6987166" y="1161334"/>
+            <a:ext cx="4555087" cy="4342711"/>
           </a:xfrm>
           <a:prstGeom prst="rect">
             <a:avLst/>
@@ -11860,9 +14684,9 @@
                                           </p:stCondLst>
                                         </p:cTn>
                                         <p:tgtEl>
-                                          <p:spTgt spid="4">
+                                          <p:spTgt spid="11">
                                             <p:txEl>
-                                              <p:pRg st="1" end="1"/>
+                                              <p:pRg st="0" end="0"/>
                                             </p:txEl>
                                           </p:spTgt>
                                         </p:tgtEl>
@@ -11909,1140 +14733,7 @@
                                           </p:stCondLst>
                                         </p:cTn>
                                         <p:tgtEl>
-                                          <p:spTgt spid="4">
-                                            <p:txEl>
-                                              <p:pRg st="5" end="5"/>
-                                            </p:txEl>
-                                          </p:spTgt>
-                                        </p:tgtEl>
-                                        <p:attrNameLst>
-                                          <p:attrName>style.visibility</p:attrName>
-                                        </p:attrNameLst>
-                                      </p:cBhvr>
-                                      <p:to>
-                                        <p:strVal val="visible"/>
-                                      </p:to>
-                                    </p:set>
-                                  </p:childTnLst>
-                                </p:cTn>
-                              </p:par>
-                            </p:childTnLst>
-                          </p:cTn>
-                        </p:par>
-                      </p:childTnLst>
-                    </p:cTn>
-                  </p:par>
-                </p:childTnLst>
-              </p:cTn>
-              <p:prevCondLst>
-                <p:cond evt="onPrev" delay="0">
-                  <p:tgtEl>
-                    <p:sldTgt/>
-                  </p:tgtEl>
-                </p:cond>
-              </p:prevCondLst>
-              <p:nextCondLst>
-                <p:cond evt="onNext" delay="0">
-                  <p:tgtEl>
-                    <p:sldTgt/>
-                  </p:tgtEl>
-                </p:cond>
-              </p:nextCondLst>
-            </p:seq>
-          </p:childTnLst>
-        </p:cTn>
-      </p:par>
-    </p:tnLst>
-  </p:timing>
-</p:sld>
-</file>
-
-<file path=ppt/slides/slide8.xml><?xml version="1.0" encoding="utf-8"?>
-<p:sld xmlns:a="http://schemas.openxmlformats.org/drawingml/2006/main" xmlns:r="http://schemas.openxmlformats.org/officeDocument/2006/relationships" xmlns:p="http://schemas.openxmlformats.org/presentationml/2006/main">
-  <p:cSld>
-    <p:bg>
-      <p:bgPr>
-        <a:solidFill>
-          <a:schemeClr val="bg1"/>
-        </a:solidFill>
-        <a:effectLst/>
-      </p:bgPr>
-    </p:bg>
-    <p:spTree>
-      <p:nvGrpSpPr>
-        <p:cNvPr id="1" name=""/>
-        <p:cNvGrpSpPr/>
-        <p:nvPr/>
-      </p:nvGrpSpPr>
-      <p:grpSpPr>
-        <a:xfrm>
-          <a:off x="0" y="0"/>
-          <a:ext cx="0" cy="0"/>
-          <a:chOff x="0" y="0"/>
-          <a:chExt cx="0" cy="0"/>
-        </a:xfrm>
-      </p:grpSpPr>
-      <p:sp useBgFill="1">
-        <p:nvSpPr>
-          <p:cNvPr id="27" name="Rectangle 26">
-            <a:extLst>
-              <a:ext uri="{FF2B5EF4-FFF2-40B4-BE49-F238E27FC236}">
-                <a16:creationId xmlns:a16="http://schemas.microsoft.com/office/drawing/2014/main" id="{AAAE94E3-A7DB-4868-B1E3-E49703488BBC}"/>
-              </a:ext>
-              <a:ext uri="{C183D7F6-B498-43B3-948B-1728B52AA6E4}">
-                <adec:decorative xmlns:adec="http://schemas.microsoft.com/office/drawing/2017/decorative" val="1"/>
-              </a:ext>
-            </a:extLst>
-          </p:cNvPr>
-          <p:cNvSpPr>
-            <a:spLocks noGrp="1" noRot="1" noChangeAspect="1" noMove="1" noResize="1" noEditPoints="1" noAdjustHandles="1" noChangeArrowheads="1" noChangeShapeType="1" noTextEdit="1"/>
-          </p:cNvSpPr>
-          <p:nvPr>
-            <p:extLst>
-              <p:ext uri="{386F3935-93C4-4BCD-93E2-E3B085C9AB24}">
-                <p16:designElem xmlns:p16="http://schemas.microsoft.com/office/powerpoint/2015/main" val="1"/>
-              </p:ext>
-            </p:extLst>
-          </p:nvPr>
-        </p:nvSpPr>
-        <p:spPr>
-          <a:xfrm>
-            <a:off x="0" y="0"/>
-            <a:ext cx="12191999" cy="6857365"/>
-          </a:xfrm>
-          <a:prstGeom prst="rect">
-            <a:avLst/>
-          </a:prstGeom>
-          <a:ln>
-            <a:noFill/>
-          </a:ln>
-        </p:spPr>
-        <p:style>
-          <a:lnRef idx="2">
-            <a:schemeClr val="accent1">
-              <a:shade val="50000"/>
-            </a:schemeClr>
-          </a:lnRef>
-          <a:fillRef idx="1">
-            <a:schemeClr val="accent1"/>
-          </a:fillRef>
-          <a:effectRef idx="0">
-            <a:schemeClr val="accent1"/>
-          </a:effectRef>
-          <a:fontRef idx="minor">
-            <a:schemeClr val="lt1"/>
-          </a:fontRef>
-        </p:style>
-        <p:txBody>
-          <a:bodyPr rtlCol="0" anchor="ctr"/>
-          <a:lstStyle/>
-          <a:p>
-            <a:pPr algn="ctr"/>
-            <a:endParaRPr lang="en-US"/>
-          </a:p>
-        </p:txBody>
-      </p:sp>
-      <p:sp>
-        <p:nvSpPr>
-          <p:cNvPr id="2" name="Titel 1">
-            <a:extLst>
-              <a:ext uri="{FF2B5EF4-FFF2-40B4-BE49-F238E27FC236}">
-                <a16:creationId xmlns:a16="http://schemas.microsoft.com/office/drawing/2014/main" id="{2123C5B7-3B36-0E2C-8772-60B2DE7C06D7}"/>
-              </a:ext>
-            </a:extLst>
-          </p:cNvPr>
-          <p:cNvSpPr>
-            <a:spLocks noGrp="1"/>
-          </p:cNvSpPr>
-          <p:nvPr>
-            <p:ph type="title"/>
-          </p:nvPr>
-        </p:nvSpPr>
-        <p:spPr>
-          <a:xfrm>
-            <a:off x="589560" y="856180"/>
-            <a:ext cx="5279408" cy="1128068"/>
-          </a:xfrm>
-        </p:spPr>
-        <p:txBody>
-          <a:bodyPr anchor="ctr">
-            <a:normAutofit/>
-          </a:bodyPr>
-          <a:lstStyle/>
-          <a:p>
-            <a:r>
-              <a:rPr lang="nl-NL" sz="4000" dirty="0" err="1"/>
-              <a:t>Result</a:t>
-            </a:r>
-            <a:r>
-              <a:rPr lang="nl-NL" sz="4000" dirty="0"/>
-              <a:t> </a:t>
-            </a:r>
-            <a:r>
-              <a:rPr lang="nl-NL" sz="4000" dirty="0" err="1"/>
-              <a:t>Jain’s</a:t>
-            </a:r>
-            <a:r>
-              <a:rPr lang="nl-NL" sz="4000" dirty="0"/>
-              <a:t> </a:t>
-            </a:r>
-            <a:r>
-              <a:rPr lang="nl-NL" sz="4000" dirty="0" err="1"/>
-              <a:t>and</a:t>
-            </a:r>
-            <a:r>
-              <a:rPr lang="nl-NL" sz="4000" dirty="0"/>
-              <a:t> </a:t>
-            </a:r>
-            <a:r>
-              <a:rPr lang="nl-NL" sz="4000" dirty="0" err="1"/>
-              <a:t>Quinn’s</a:t>
-            </a:r>
-            <a:endParaRPr lang="nl-NL" sz="4000" dirty="0"/>
-          </a:p>
-        </p:txBody>
-      </p:sp>
-      <p:grpSp>
-        <p:nvGrpSpPr>
-          <p:cNvPr id="29" name="Group 28">
-            <a:extLst>
-              <a:ext uri="{FF2B5EF4-FFF2-40B4-BE49-F238E27FC236}">
-                <a16:creationId xmlns:a16="http://schemas.microsoft.com/office/drawing/2014/main" id="{1DE889C7-FAD6-4397-98E2-05D503484459}"/>
-              </a:ext>
-              <a:ext uri="{C183D7F6-B498-43B3-948B-1728B52AA6E4}">
-                <adec:decorative xmlns:adec="http://schemas.microsoft.com/office/drawing/2017/decorative" val="1"/>
-              </a:ext>
-            </a:extLst>
-          </p:cNvPr>
-          <p:cNvGrpSpPr>
-            <a:grpSpLocks noGrp="1" noUngrp="1" noRot="1" noChangeAspect="1" noMove="1" noResize="1"/>
-          </p:cNvGrpSpPr>
-          <p:nvPr>
-            <p:extLst>
-              <p:ext uri="{386F3935-93C4-4BCD-93E2-E3B085C9AB24}">
-                <p16:designElem xmlns:p16="http://schemas.microsoft.com/office/powerpoint/2015/main" val="1"/>
-              </p:ext>
-            </p:extLst>
-          </p:nvPr>
-        </p:nvGrpSpPr>
-        <p:grpSpPr>
-          <a:xfrm>
-            <a:off x="0" y="1083484"/>
-            <a:ext cx="355196" cy="673460"/>
-            <a:chOff x="0" y="823811"/>
-            <a:chExt cx="355196" cy="673460"/>
-          </a:xfrm>
-        </p:grpSpPr>
-        <p:sp>
-          <p:nvSpPr>
-            <p:cNvPr id="30" name="Rectangle 29">
-              <a:extLst>
-                <a:ext uri="{FF2B5EF4-FFF2-40B4-BE49-F238E27FC236}">
-                  <a16:creationId xmlns:a16="http://schemas.microsoft.com/office/drawing/2014/main" id="{F399A70F-F8CD-4992-9EF5-6CF15472E73F}"/>
-                </a:ext>
-                <a:ext uri="{C183D7F6-B498-43B3-948B-1728B52AA6E4}">
-                  <adec:decorative xmlns:adec="http://schemas.microsoft.com/office/drawing/2017/decorative" val="1"/>
-                </a:ext>
-              </a:extLst>
-            </p:cNvPr>
-            <p:cNvSpPr/>
-            <p:nvPr>
-              <p:extLst>
-                <p:ext uri="{386F3935-93C4-4BCD-93E2-E3B085C9AB24}">
-                  <p16:designElem xmlns:p16="http://schemas.microsoft.com/office/powerpoint/2015/main" val="1"/>
-                </p:ext>
-              </p:extLst>
-            </p:nvPr>
-          </p:nvSpPr>
-          <p:spPr>
-            <a:xfrm>
-              <a:off x="0" y="823811"/>
-              <a:ext cx="87363" cy="673460"/>
-            </a:xfrm>
-            <a:prstGeom prst="rect">
-              <a:avLst/>
-            </a:prstGeom>
-            <a:solidFill>
-              <a:schemeClr val="accent4"/>
-            </a:solidFill>
-            <a:ln>
-              <a:noFill/>
-            </a:ln>
-          </p:spPr>
-          <p:style>
-            <a:lnRef idx="2">
-              <a:schemeClr val="accent1">
-                <a:shade val="50000"/>
-              </a:schemeClr>
-            </a:lnRef>
-            <a:fillRef idx="1">
-              <a:schemeClr val="accent1"/>
-            </a:fillRef>
-            <a:effectRef idx="0">
-              <a:schemeClr val="accent1"/>
-            </a:effectRef>
-            <a:fontRef idx="minor">
-              <a:schemeClr val="lt1"/>
-            </a:fontRef>
-          </p:style>
-          <p:txBody>
-            <a:bodyPr rtlCol="0" anchor="ctr"/>
-            <a:lstStyle/>
-            <a:p>
-              <a:pPr algn="ctr"/>
-              <a:endParaRPr lang="en-US"/>
-            </a:p>
-          </p:txBody>
-        </p:sp>
-        <p:sp>
-          <p:nvSpPr>
-            <p:cNvPr id="31" name="Rectangle 30">
-              <a:extLst>
-                <a:ext uri="{FF2B5EF4-FFF2-40B4-BE49-F238E27FC236}">
-                  <a16:creationId xmlns:a16="http://schemas.microsoft.com/office/drawing/2014/main" id="{48F4FEDC-6D80-458C-A665-075D9B9500FD}"/>
-                </a:ext>
-                <a:ext uri="{C183D7F6-B498-43B3-948B-1728B52AA6E4}">
-                  <adec:decorative xmlns:adec="http://schemas.microsoft.com/office/drawing/2017/decorative" val="1"/>
-                </a:ext>
-              </a:extLst>
-            </p:cNvPr>
-            <p:cNvSpPr/>
-            <p:nvPr>
-              <p:extLst>
-                <p:ext uri="{386F3935-93C4-4BCD-93E2-E3B085C9AB24}">
-                  <p16:designElem xmlns:p16="http://schemas.microsoft.com/office/powerpoint/2015/main" val="1"/>
-                </p:ext>
-              </p:extLst>
-            </p:nvPr>
-          </p:nvSpPr>
-          <p:spPr>
-            <a:xfrm>
-              <a:off x="159341" y="823811"/>
-              <a:ext cx="195855" cy="673460"/>
-            </a:xfrm>
-            <a:prstGeom prst="rect">
-              <a:avLst/>
-            </a:prstGeom>
-            <a:solidFill>
-              <a:schemeClr val="accent4"/>
-            </a:solidFill>
-            <a:ln>
-              <a:noFill/>
-            </a:ln>
-          </p:spPr>
-          <p:style>
-            <a:lnRef idx="2">
-              <a:schemeClr val="accent1">
-                <a:shade val="50000"/>
-              </a:schemeClr>
-            </a:lnRef>
-            <a:fillRef idx="1">
-              <a:schemeClr val="accent1"/>
-            </a:fillRef>
-            <a:effectRef idx="0">
-              <a:schemeClr val="accent1"/>
-            </a:effectRef>
-            <a:fontRef idx="minor">
-              <a:schemeClr val="lt1"/>
-            </a:fontRef>
-          </p:style>
-          <p:txBody>
-            <a:bodyPr rtlCol="0" anchor="ctr"/>
-            <a:lstStyle/>
-            <a:p>
-              <a:pPr algn="ctr"/>
-              <a:endParaRPr lang="en-US"/>
-            </a:p>
-          </p:txBody>
-        </p:sp>
-      </p:grpSp>
-      <p:sp>
-        <p:nvSpPr>
-          <p:cNvPr id="33" name="Rectangle 32">
-            <a:extLst>
-              <a:ext uri="{FF2B5EF4-FFF2-40B4-BE49-F238E27FC236}">
-                <a16:creationId xmlns:a16="http://schemas.microsoft.com/office/drawing/2014/main" id="{3873B707-463F-40B0-8227-E8CC6C67EB25}"/>
-              </a:ext>
-              <a:ext uri="{C183D7F6-B498-43B3-948B-1728B52AA6E4}">
-                <adec:decorative xmlns:adec="http://schemas.microsoft.com/office/drawing/2017/decorative" val="1"/>
-              </a:ext>
-            </a:extLst>
-          </p:cNvPr>
-          <p:cNvSpPr>
-            <a:spLocks noGrp="1" noRot="1" noChangeAspect="1" noMove="1" noResize="1" noEditPoints="1" noAdjustHandles="1" noChangeArrowheads="1" noChangeShapeType="1" noTextEdit="1"/>
-          </p:cNvSpPr>
-          <p:nvPr>
-            <p:extLst>
-              <p:ext uri="{386F3935-93C4-4BCD-93E2-E3B085C9AB24}">
-                <p16:designElem xmlns:p16="http://schemas.microsoft.com/office/powerpoint/2015/main" val="1"/>
-              </p:ext>
-            </p:extLst>
-          </p:nvPr>
-        </p:nvSpPr>
-        <p:spPr>
-          <a:xfrm flipH="1">
-            <a:off x="665085" y="2123821"/>
-            <a:ext cx="4975066" cy="27432"/>
-          </a:xfrm>
-          <a:prstGeom prst="rect">
-            <a:avLst/>
-          </a:prstGeom>
-          <a:solidFill>
-            <a:schemeClr val="accent4"/>
-          </a:solidFill>
-          <a:ln>
-            <a:noFill/>
-          </a:ln>
-        </p:spPr>
-        <p:style>
-          <a:lnRef idx="2">
-            <a:schemeClr val="accent1">
-              <a:shade val="50000"/>
-            </a:schemeClr>
-          </a:lnRef>
-          <a:fillRef idx="1">
-            <a:schemeClr val="accent1"/>
-          </a:fillRef>
-          <a:effectRef idx="0">
-            <a:schemeClr val="accent1"/>
-          </a:effectRef>
-          <a:fontRef idx="minor">
-            <a:schemeClr val="lt1"/>
-          </a:fontRef>
-        </p:style>
-        <p:txBody>
-          <a:bodyPr rtlCol="0" anchor="ctr"/>
-          <a:lstStyle/>
-          <a:p>
-            <a:pPr algn="ctr"/>
-            <a:endParaRPr lang="en-US"/>
-          </a:p>
-        </p:txBody>
-      </p:sp>
-      <p:sp>
-        <p:nvSpPr>
-          <p:cNvPr id="3" name="Tijdelijke aanduiding voor inhoud 2">
-            <a:extLst>
-              <a:ext uri="{FF2B5EF4-FFF2-40B4-BE49-F238E27FC236}">
-                <a16:creationId xmlns:a16="http://schemas.microsoft.com/office/drawing/2014/main" id="{BCFC90F9-20AF-4295-3C6C-A8A0A9651A10}"/>
-              </a:ext>
-            </a:extLst>
-          </p:cNvPr>
-          <p:cNvSpPr>
-            <a:spLocks noGrp="1"/>
-          </p:cNvSpPr>
-          <p:nvPr>
-            <p:ph idx="1"/>
-          </p:nvPr>
-        </p:nvSpPr>
-        <p:spPr>
-          <a:xfrm>
-            <a:off x="688888" y="2151253"/>
-            <a:ext cx="5278066" cy="3979585"/>
-          </a:xfrm>
-        </p:spPr>
-        <p:txBody>
-          <a:bodyPr anchor="ctr">
-            <a:normAutofit/>
-          </a:bodyPr>
-          <a:lstStyle/>
-          <a:p>
-            <a:r>
-              <a:rPr lang="nl-NL" sz="2000" dirty="0"/>
-              <a:t>Generally </a:t>
-            </a:r>
-            <a:r>
-              <a:rPr lang="nl-NL" sz="2000" dirty="0" err="1"/>
-              <a:t>Better</a:t>
-            </a:r>
-            <a:endParaRPr lang="nl-NL" sz="2000" dirty="0"/>
-          </a:p>
-          <a:p>
-            <a:endParaRPr lang="nl-NL" sz="2000" dirty="0"/>
-          </a:p>
-          <a:p>
-            <a:endParaRPr lang="en-GB" sz="2000" dirty="0"/>
-          </a:p>
-          <a:p>
-            <a:pPr marL="0" indent="0">
-              <a:buNone/>
-            </a:pPr>
-            <a:endParaRPr lang="nl-NL" sz="2000" dirty="0"/>
-          </a:p>
-          <a:p>
-            <a:r>
-              <a:rPr lang="nl-NL" sz="2000" dirty="0" err="1"/>
-              <a:t>Neither</a:t>
-            </a:r>
-            <a:r>
-              <a:rPr lang="nl-NL" sz="2000" dirty="0"/>
-              <a:t> is </a:t>
-            </a:r>
-            <a:r>
-              <a:rPr lang="nl-NL" sz="2000" dirty="0" err="1"/>
-              <a:t>Continous</a:t>
-            </a:r>
-            <a:endParaRPr lang="nl-NL" sz="2000" dirty="0"/>
-          </a:p>
-          <a:p>
-            <a:pPr marL="0" indent="0">
-              <a:buNone/>
-            </a:pPr>
-            <a:endParaRPr lang="nl-NL" sz="2000" dirty="0"/>
-          </a:p>
-        </p:txBody>
-      </p:sp>
-      <p:sp>
-        <p:nvSpPr>
-          <p:cNvPr id="35" name="Rectangle 34">
-            <a:extLst>
-              <a:ext uri="{FF2B5EF4-FFF2-40B4-BE49-F238E27FC236}">
-                <a16:creationId xmlns:a16="http://schemas.microsoft.com/office/drawing/2014/main" id="{C13237C8-E62C-4F0D-A318-BD6FB6C2D138}"/>
-              </a:ext>
-              <a:ext uri="{C183D7F6-B498-43B3-948B-1728B52AA6E4}">
-                <adec:decorative xmlns:adec="http://schemas.microsoft.com/office/drawing/2017/decorative" val="1"/>
-              </a:ext>
-            </a:extLst>
-          </p:cNvPr>
-          <p:cNvSpPr>
-            <a:spLocks noGrp="1" noRot="1" noChangeAspect="1" noMove="1" noResize="1" noEditPoints="1" noAdjustHandles="1" noChangeArrowheads="1" noChangeShapeType="1" noTextEdit="1"/>
-          </p:cNvSpPr>
-          <p:nvPr>
-            <p:extLst>
-              <p:ext uri="{386F3935-93C4-4BCD-93E2-E3B085C9AB24}">
-                <p16:designElem xmlns:p16="http://schemas.microsoft.com/office/powerpoint/2015/main" val="1"/>
-              </p:ext>
-            </p:extLst>
-          </p:nvPr>
-        </p:nvSpPr>
-        <p:spPr>
-          <a:xfrm flipH="1">
-            <a:off x="10697670" y="0"/>
-            <a:ext cx="1494330" cy="6858000"/>
-          </a:xfrm>
-          <a:prstGeom prst="rect">
-            <a:avLst/>
-          </a:prstGeom>
-          <a:solidFill>
-            <a:schemeClr val="accent4"/>
-          </a:solidFill>
-          <a:ln>
-            <a:noFill/>
-          </a:ln>
-        </p:spPr>
-        <p:style>
-          <a:lnRef idx="2">
-            <a:schemeClr val="accent1">
-              <a:shade val="50000"/>
-            </a:schemeClr>
-          </a:lnRef>
-          <a:fillRef idx="1">
-            <a:schemeClr val="accent1"/>
-          </a:fillRef>
-          <a:effectRef idx="0">
-            <a:schemeClr val="accent1"/>
-          </a:effectRef>
-          <a:fontRef idx="minor">
-            <a:schemeClr val="lt1"/>
-          </a:fontRef>
-        </p:style>
-        <p:txBody>
-          <a:bodyPr rtlCol="0" anchor="ctr"/>
-          <a:lstStyle/>
-          <a:p>
-            <a:pPr algn="ctr"/>
-            <a:endParaRPr lang="en-US"/>
-          </a:p>
-        </p:txBody>
-      </p:sp>
-      <p:sp>
-        <p:nvSpPr>
-          <p:cNvPr id="37" name="Rectangle 36">
-            <a:extLst>
-              <a:ext uri="{FF2B5EF4-FFF2-40B4-BE49-F238E27FC236}">
-                <a16:creationId xmlns:a16="http://schemas.microsoft.com/office/drawing/2014/main" id="{19C9EAEA-39D0-4B0E-A0EB-51E7B26740B1}"/>
-              </a:ext>
-              <a:ext uri="{C183D7F6-B498-43B3-948B-1728B52AA6E4}">
-                <adec:decorative xmlns:adec="http://schemas.microsoft.com/office/drawing/2017/decorative" val="1"/>
-              </a:ext>
-            </a:extLst>
-          </p:cNvPr>
-          <p:cNvSpPr>
-            <a:spLocks noGrp="1" noRot="1" noChangeAspect="1" noMove="1" noResize="1" noEditPoints="1" noAdjustHandles="1" noChangeArrowheads="1" noChangeShapeType="1" noTextEdit="1"/>
-          </p:cNvSpPr>
-          <p:nvPr>
-            <p:extLst>
-              <p:ext uri="{386F3935-93C4-4BCD-93E2-E3B085C9AB24}">
-                <p16:designElem xmlns:p16="http://schemas.microsoft.com/office/powerpoint/2015/main" val="1"/>
-              </p:ext>
-            </p:extLst>
-          </p:nvPr>
-        </p:nvSpPr>
-        <p:spPr>
-          <a:xfrm>
-            <a:off x="6849687" y="357447"/>
-            <a:ext cx="4845488" cy="2923587"/>
-          </a:xfrm>
-          <a:prstGeom prst="rect">
-            <a:avLst/>
-          </a:prstGeom>
-          <a:solidFill>
-            <a:schemeClr val="bg1"/>
-          </a:solidFill>
-          <a:ln>
-            <a:noFill/>
-          </a:ln>
-          <a:effectLst>
-            <a:outerShdw blurRad="139700" dist="127000" dir="5400000" algn="t" rotWithShape="0">
-              <a:prstClr val="black">
-                <a:alpha val="15000"/>
-              </a:prstClr>
-            </a:outerShdw>
-          </a:effectLst>
-        </p:spPr>
-        <p:style>
-          <a:lnRef idx="2">
-            <a:schemeClr val="accent1">
-              <a:shade val="50000"/>
-            </a:schemeClr>
-          </a:lnRef>
-          <a:fillRef idx="1">
-            <a:schemeClr val="accent1"/>
-          </a:fillRef>
-          <a:effectRef idx="0">
-            <a:schemeClr val="accent1"/>
-          </a:effectRef>
-          <a:fontRef idx="minor">
-            <a:schemeClr val="lt1"/>
-          </a:fontRef>
-        </p:style>
-        <p:txBody>
-          <a:bodyPr rtlCol="0" anchor="ctr"/>
-          <a:lstStyle/>
-          <a:p>
-            <a:pPr algn="ctr"/>
-            <a:endParaRPr lang="en-US"/>
-          </a:p>
-        </p:txBody>
-      </p:sp>
-      <p:sp>
-        <p:nvSpPr>
-          <p:cNvPr id="39" name="Rectangle 38">
-            <a:extLst>
-              <a:ext uri="{FF2B5EF4-FFF2-40B4-BE49-F238E27FC236}">
-                <a16:creationId xmlns:a16="http://schemas.microsoft.com/office/drawing/2014/main" id="{8CB5D2D7-DF65-4E86-BFBA-FFB9B5ACEB64}"/>
-              </a:ext>
-              <a:ext uri="{C183D7F6-B498-43B3-948B-1728B52AA6E4}">
-                <adec:decorative xmlns:adec="http://schemas.microsoft.com/office/drawing/2017/decorative" val="1"/>
-              </a:ext>
-            </a:extLst>
-          </p:cNvPr>
-          <p:cNvSpPr>
-            <a:spLocks noGrp="1" noRot="1" noChangeAspect="1" noMove="1" noResize="1" noEditPoints="1" noAdjustHandles="1" noChangeArrowheads="1" noChangeShapeType="1" noTextEdit="1"/>
-          </p:cNvSpPr>
-          <p:nvPr>
-            <p:extLst>
-              <p:ext uri="{386F3935-93C4-4BCD-93E2-E3B085C9AB24}">
-                <p16:designElem xmlns:p16="http://schemas.microsoft.com/office/powerpoint/2015/main" val="1"/>
-              </p:ext>
-            </p:extLst>
-          </p:nvPr>
-        </p:nvSpPr>
-        <p:spPr>
-          <a:xfrm>
-            <a:off x="6849687" y="3505479"/>
-            <a:ext cx="4845488" cy="2923587"/>
-          </a:xfrm>
-          <a:prstGeom prst="rect">
-            <a:avLst/>
-          </a:prstGeom>
-          <a:solidFill>
-            <a:schemeClr val="bg1"/>
-          </a:solidFill>
-          <a:ln>
-            <a:noFill/>
-          </a:ln>
-          <a:effectLst>
-            <a:outerShdw blurRad="139700" dist="127000" dir="5400000" algn="t" rotWithShape="0">
-              <a:prstClr val="black">
-                <a:alpha val="15000"/>
-              </a:prstClr>
-            </a:outerShdw>
-          </a:effectLst>
-        </p:spPr>
-        <p:style>
-          <a:lnRef idx="2">
-            <a:schemeClr val="accent1">
-              <a:shade val="50000"/>
-            </a:schemeClr>
-          </a:lnRef>
-          <a:fillRef idx="1">
-            <a:schemeClr val="accent1"/>
-          </a:fillRef>
-          <a:effectRef idx="0">
-            <a:schemeClr val="accent1"/>
-          </a:effectRef>
-          <a:fontRef idx="minor">
-            <a:schemeClr val="lt1"/>
-          </a:fontRef>
-        </p:style>
-        <p:txBody>
-          <a:bodyPr rtlCol="0" anchor="ctr"/>
-          <a:lstStyle/>
-          <a:p>
-            <a:pPr algn="ctr"/>
-            <a:endParaRPr lang="en-US"/>
-          </a:p>
-        </p:txBody>
-      </p:sp>
-      <p:pic>
-        <p:nvPicPr>
-          <p:cNvPr id="7" name="Afbeelding 6">
-            <a:extLst>
-              <a:ext uri="{FF2B5EF4-FFF2-40B4-BE49-F238E27FC236}">
-                <a16:creationId xmlns:a16="http://schemas.microsoft.com/office/drawing/2014/main" id="{BB5914E4-E400-59FA-8CB6-7D65B21BB959}"/>
-              </a:ext>
-            </a:extLst>
-          </p:cNvPr>
-          <p:cNvPicPr>
-            <a:picLocks noChangeAspect="1"/>
-          </p:cNvPicPr>
-          <p:nvPr/>
-        </p:nvPicPr>
-        <p:blipFill>
-          <a:blip r:embed="rId2">
-            <a:extLst>
-              <a:ext uri="{28A0092B-C50C-407E-A947-70E740481C1C}">
-                <a14:useLocalDpi xmlns:a14="http://schemas.microsoft.com/office/drawing/2010/main" val="0"/>
-              </a:ext>
-            </a:extLst>
-          </a:blip>
-          <a:srcRect/>
-          <a:stretch/>
-        </p:blipFill>
-        <p:spPr>
-          <a:xfrm>
-            <a:off x="7773903" y="356812"/>
-            <a:ext cx="3076421" cy="2923585"/>
-          </a:xfrm>
-          <a:prstGeom prst="rect">
-            <a:avLst/>
-          </a:prstGeom>
-        </p:spPr>
-      </p:pic>
-      <p:pic>
-        <p:nvPicPr>
-          <p:cNvPr id="11" name="Afbeelding 10">
-            <a:extLst>
-              <a:ext uri="{FF2B5EF4-FFF2-40B4-BE49-F238E27FC236}">
-                <a16:creationId xmlns:a16="http://schemas.microsoft.com/office/drawing/2014/main" id="{2D1A1DB7-06E2-0F57-F31A-984F62D001C6}"/>
-              </a:ext>
-            </a:extLst>
-          </p:cNvPr>
-          <p:cNvPicPr>
-            <a:picLocks noChangeAspect="1"/>
-          </p:cNvPicPr>
-          <p:nvPr/>
-        </p:nvPicPr>
-        <p:blipFill rotWithShape="1">
-          <a:blip r:embed="rId3">
-            <a:extLst>
-              <a:ext uri="{28A0092B-C50C-407E-A947-70E740481C1C}">
-                <a14:useLocalDpi xmlns:a14="http://schemas.microsoft.com/office/drawing/2010/main" val="0"/>
-              </a:ext>
-            </a:extLst>
-          </a:blip>
-          <a:srcRect l="-176" t="51306" r="176" b="-638"/>
-          <a:stretch/>
-        </p:blipFill>
-        <p:spPr>
-          <a:xfrm>
-            <a:off x="1200559" y="5094283"/>
-            <a:ext cx="2785251" cy="1504211"/>
-          </a:xfrm>
-          <a:prstGeom prst="rect">
-            <a:avLst/>
-          </a:prstGeom>
-        </p:spPr>
-      </p:pic>
-      <p:pic>
-        <p:nvPicPr>
-          <p:cNvPr id="12" name="Afbeelding 11">
-            <a:extLst>
-              <a:ext uri="{FF2B5EF4-FFF2-40B4-BE49-F238E27FC236}">
-                <a16:creationId xmlns:a16="http://schemas.microsoft.com/office/drawing/2014/main" id="{1E2E6812-196C-5836-AE57-3640EF38B1E6}"/>
-              </a:ext>
-            </a:extLst>
-          </p:cNvPr>
-          <p:cNvPicPr>
-            <a:picLocks noChangeAspect="1"/>
-          </p:cNvPicPr>
-          <p:nvPr/>
-        </p:nvPicPr>
-        <p:blipFill rotWithShape="1">
-          <a:blip r:embed="rId4"/>
-          <a:srcRect l="13637" t="72873" r="63274" b="7986"/>
-          <a:stretch/>
-        </p:blipFill>
-        <p:spPr>
-          <a:xfrm>
-            <a:off x="3203600" y="3505479"/>
-            <a:ext cx="1393733" cy="1077325"/>
-          </a:xfrm>
-          <a:prstGeom prst="rect">
-            <a:avLst/>
-          </a:prstGeom>
-        </p:spPr>
-      </p:pic>
-      <p:sp>
-        <p:nvSpPr>
-          <p:cNvPr id="13" name="Rechthoek 12">
-            <a:extLst>
-              <a:ext uri="{FF2B5EF4-FFF2-40B4-BE49-F238E27FC236}">
-                <a16:creationId xmlns:a16="http://schemas.microsoft.com/office/drawing/2014/main" id="{3ED298E9-D715-87F5-BCEA-1C0691B3911A}"/>
-              </a:ext>
-            </a:extLst>
-          </p:cNvPr>
-          <p:cNvSpPr/>
-          <p:nvPr/>
-        </p:nvSpPr>
-        <p:spPr>
-          <a:xfrm>
-            <a:off x="3157329" y="3399214"/>
-            <a:ext cx="1195607" cy="1199214"/>
-          </a:xfrm>
-          <a:prstGeom prst="rect">
-            <a:avLst/>
-          </a:prstGeom>
-          <a:noFill/>
-        </p:spPr>
-        <p:style>
-          <a:lnRef idx="2">
-            <a:schemeClr val="accent1">
-              <a:shade val="50000"/>
-            </a:schemeClr>
-          </a:lnRef>
-          <a:fillRef idx="1">
-            <a:schemeClr val="accent1"/>
-          </a:fillRef>
-          <a:effectRef idx="0">
-            <a:schemeClr val="accent1"/>
-          </a:effectRef>
-          <a:fontRef idx="minor">
-            <a:schemeClr val="lt1"/>
-          </a:fontRef>
-        </p:style>
-        <p:txBody>
-          <a:bodyPr rtlCol="0" anchor="ctr"/>
-          <a:lstStyle/>
-          <a:p>
-            <a:pPr algn="ctr"/>
-            <a:endParaRPr lang="nl-NL"/>
-          </a:p>
-        </p:txBody>
-      </p:sp>
-      <p:sp>
-        <p:nvSpPr>
-          <p:cNvPr id="14" name="Ovaal 13">
-            <a:extLst>
-              <a:ext uri="{FF2B5EF4-FFF2-40B4-BE49-F238E27FC236}">
-                <a16:creationId xmlns:a16="http://schemas.microsoft.com/office/drawing/2014/main" id="{B8686083-9118-A038-9040-58C7331EA5A7}"/>
-              </a:ext>
-            </a:extLst>
-          </p:cNvPr>
-          <p:cNvSpPr/>
-          <p:nvPr/>
-        </p:nvSpPr>
-        <p:spPr>
-          <a:xfrm>
-            <a:off x="3627839" y="4351105"/>
-            <a:ext cx="392541" cy="396281"/>
-          </a:xfrm>
-          <a:prstGeom prst="ellipse">
-            <a:avLst/>
-          </a:prstGeom>
-          <a:noFill/>
-          <a:ln>
-            <a:solidFill>
-              <a:srgbClr val="C00000"/>
-            </a:solidFill>
-          </a:ln>
-        </p:spPr>
-        <p:style>
-          <a:lnRef idx="2">
-            <a:schemeClr val="accent1">
-              <a:shade val="50000"/>
-            </a:schemeClr>
-          </a:lnRef>
-          <a:fillRef idx="1">
-            <a:schemeClr val="accent1"/>
-          </a:fillRef>
-          <a:effectRef idx="0">
-            <a:schemeClr val="accent1"/>
-          </a:effectRef>
-          <a:fontRef idx="minor">
-            <a:schemeClr val="lt1"/>
-          </a:fontRef>
-        </p:style>
-        <p:txBody>
-          <a:bodyPr rtlCol="0" anchor="ctr"/>
-          <a:lstStyle/>
-          <a:p>
-            <a:pPr algn="ctr"/>
-            <a:endParaRPr lang="nl-NL"/>
-          </a:p>
-        </p:txBody>
-      </p:sp>
-      <p:cxnSp>
-        <p:nvCxnSpPr>
-          <p:cNvPr id="16" name="Rechte verbindingslijn met pijl 15">
-            <a:extLst>
-              <a:ext uri="{FF2B5EF4-FFF2-40B4-BE49-F238E27FC236}">
-                <a16:creationId xmlns:a16="http://schemas.microsoft.com/office/drawing/2014/main" id="{84D0A9AE-682A-6CC1-0661-57EE74E06979}"/>
-              </a:ext>
-            </a:extLst>
-          </p:cNvPr>
-          <p:cNvCxnSpPr>
-            <a:cxnSpLocks/>
-            <a:endCxn id="14" idx="4"/>
-          </p:cNvCxnSpPr>
-          <p:nvPr/>
-        </p:nvCxnSpPr>
-        <p:spPr>
-          <a:xfrm flipV="1">
-            <a:off x="3666463" y="4747386"/>
-            <a:ext cx="157647" cy="1355930"/>
-          </a:xfrm>
-          <a:prstGeom prst="straightConnector1">
-            <a:avLst/>
-          </a:prstGeom>
-          <a:ln>
-            <a:solidFill>
-              <a:srgbClr val="C00000"/>
-            </a:solidFill>
-            <a:tailEnd type="triangle"/>
-          </a:ln>
-        </p:spPr>
-        <p:style>
-          <a:lnRef idx="1">
-            <a:schemeClr val="accent1"/>
-          </a:lnRef>
-          <a:fillRef idx="0">
-            <a:schemeClr val="accent1"/>
-          </a:fillRef>
-          <a:effectRef idx="0">
-            <a:schemeClr val="accent1"/>
-          </a:effectRef>
-          <a:fontRef idx="minor">
-            <a:schemeClr val="tx1"/>
-          </a:fontRef>
-        </p:style>
-      </p:cxnSp>
-      <p:pic>
-        <p:nvPicPr>
-          <p:cNvPr id="21" name="Afbeelding 20">
-            <a:extLst>
-              <a:ext uri="{FF2B5EF4-FFF2-40B4-BE49-F238E27FC236}">
-                <a16:creationId xmlns:a16="http://schemas.microsoft.com/office/drawing/2014/main" id="{E1D7FBD2-2F0C-8B66-4B5A-FF7431C7C28F}"/>
-              </a:ext>
-            </a:extLst>
-          </p:cNvPr>
-          <p:cNvPicPr>
-            <a:picLocks noChangeAspect="1"/>
-          </p:cNvPicPr>
-          <p:nvPr/>
-        </p:nvPicPr>
-        <p:blipFill>
-          <a:blip r:embed="rId5"/>
-          <a:stretch>
-            <a:fillRect/>
-          </a:stretch>
-        </p:blipFill>
-        <p:spPr>
-          <a:xfrm>
-            <a:off x="7794006" y="3505479"/>
-            <a:ext cx="3041911" cy="2923587"/>
-          </a:xfrm>
-          <a:prstGeom prst="rect">
-            <a:avLst/>
-          </a:prstGeom>
-        </p:spPr>
-      </p:pic>
-      <p:pic>
-        <p:nvPicPr>
-          <p:cNvPr id="17" name="Afbeelding 16">
-            <a:extLst>
-              <a:ext uri="{FF2B5EF4-FFF2-40B4-BE49-F238E27FC236}">
-                <a16:creationId xmlns:a16="http://schemas.microsoft.com/office/drawing/2014/main" id="{5F82071E-7146-FFC5-3CF0-E939150E2465}"/>
-              </a:ext>
-            </a:extLst>
-          </p:cNvPr>
-          <p:cNvPicPr>
-            <a:picLocks noChangeAspect="1"/>
-          </p:cNvPicPr>
-          <p:nvPr/>
-        </p:nvPicPr>
-        <p:blipFill rotWithShape="1">
-          <a:blip r:embed="rId6"/>
-          <a:srcRect t="49188"/>
-          <a:stretch/>
-        </p:blipFill>
-        <p:spPr>
-          <a:xfrm>
-            <a:off x="4156230" y="5031616"/>
-            <a:ext cx="2423499" cy="1355929"/>
-          </a:xfrm>
-          <a:prstGeom prst="rect">
-            <a:avLst/>
-          </a:prstGeom>
-        </p:spPr>
-      </p:pic>
-      <p:sp>
-        <p:nvSpPr>
-          <p:cNvPr id="18" name="Ovaal 17">
-            <a:extLst>
-              <a:ext uri="{FF2B5EF4-FFF2-40B4-BE49-F238E27FC236}">
-                <a16:creationId xmlns:a16="http://schemas.microsoft.com/office/drawing/2014/main" id="{9C1BA0FB-2D71-DC18-1574-F8ECB225D437}"/>
-              </a:ext>
-            </a:extLst>
-          </p:cNvPr>
-          <p:cNvSpPr/>
-          <p:nvPr/>
-        </p:nvSpPr>
-        <p:spPr>
-          <a:xfrm>
-            <a:off x="4971213" y="4992624"/>
-            <a:ext cx="853285" cy="1419260"/>
-          </a:xfrm>
-          <a:prstGeom prst="ellipse">
-            <a:avLst/>
-          </a:prstGeom>
-          <a:noFill/>
-          <a:ln>
-            <a:solidFill>
-              <a:srgbClr val="C00000"/>
-            </a:solidFill>
-          </a:ln>
-        </p:spPr>
-        <p:style>
-          <a:lnRef idx="2">
-            <a:schemeClr val="accent1">
-              <a:shade val="50000"/>
-            </a:schemeClr>
-          </a:lnRef>
-          <a:fillRef idx="1">
-            <a:schemeClr val="accent1"/>
-          </a:fillRef>
-          <a:effectRef idx="0">
-            <a:schemeClr val="accent1"/>
-          </a:effectRef>
-          <a:fontRef idx="minor">
-            <a:schemeClr val="lt1"/>
-          </a:fontRef>
-        </p:style>
-        <p:txBody>
-          <a:bodyPr rtlCol="0" anchor="ctr"/>
-          <a:lstStyle/>
-          <a:p>
-            <a:pPr algn="ctr"/>
-            <a:endParaRPr lang="nl-NL"/>
-          </a:p>
-        </p:txBody>
-      </p:sp>
-    </p:spTree>
-    <p:extLst>
-      <p:ext uri="{BB962C8B-B14F-4D97-AF65-F5344CB8AC3E}">
-        <p14:creationId xmlns:p14="http://schemas.microsoft.com/office/powerpoint/2010/main" val="1429011719"/>
-      </p:ext>
-    </p:extLst>
-  </p:cSld>
-  <p:clrMapOvr>
-    <a:masterClrMapping/>
-  </p:clrMapOvr>
-  <p:timing>
-    <p:tnLst>
-      <p:par>
-        <p:cTn id="1" dur="indefinite" restart="never" nodeType="tmRoot">
-          <p:childTnLst>
-            <p:seq concurrent="1" nextAc="seek">
-              <p:cTn id="2" dur="indefinite" nodeType="mainSeq">
-                <p:childTnLst>
-                  <p:par>
-                    <p:cTn id="3" fill="hold">
-                      <p:stCondLst>
-                        <p:cond delay="indefinite"/>
-                      </p:stCondLst>
-                      <p:childTnLst>
-                        <p:par>
-                          <p:cTn id="4" fill="hold">
-                            <p:stCondLst>
-                              <p:cond delay="0"/>
-                            </p:stCondLst>
-                            <p:childTnLst>
-                              <p:par>
-                                <p:cTn id="5" presetID="1" presetClass="entr" presetSubtype="0" fill="hold" nodeType="clickEffect">
-                                  <p:stCondLst>
-                                    <p:cond delay="0"/>
-                                  </p:stCondLst>
-                                  <p:childTnLst>
-                                    <p:set>
-                                      <p:cBhvr>
-                                        <p:cTn id="6" dur="1" fill="hold">
-                                          <p:stCondLst>
-                                            <p:cond delay="0"/>
-                                          </p:stCondLst>
-                                        </p:cTn>
-                                        <p:tgtEl>
-                                          <p:spTgt spid="21"/>
-                                        </p:tgtEl>
-                                        <p:attrNameLst>
-                                          <p:attrName>style.visibility</p:attrName>
-                                        </p:attrNameLst>
-                                      </p:cBhvr>
-                                      <p:to>
-                                        <p:strVal val="visible"/>
-                                      </p:to>
-                                    </p:set>
-                                  </p:childTnLst>
-                                </p:cTn>
-                              </p:par>
-                            </p:childTnLst>
-                          </p:cTn>
-                        </p:par>
-                      </p:childTnLst>
-                    </p:cTn>
-                  </p:par>
-                  <p:par>
-                    <p:cTn id="7" fill="hold">
-                      <p:stCondLst>
-                        <p:cond delay="indefinite"/>
-                      </p:stCondLst>
-                      <p:childTnLst>
-                        <p:par>
-                          <p:cTn id="8" fill="hold">
-                            <p:stCondLst>
-                              <p:cond delay="0"/>
-                            </p:stCondLst>
-                            <p:childTnLst>
-                              <p:par>
-                                <p:cTn id="9" presetID="1" presetClass="entr" presetSubtype="0" fill="hold" nodeType="clickEffect">
-                                  <p:stCondLst>
-                                    <p:cond delay="0"/>
-                                  </p:stCondLst>
-                                  <p:childTnLst>
-                                    <p:set>
-                                      <p:cBhvr>
-                                        <p:cTn id="10" dur="1" fill="hold">
-                                          <p:stCondLst>
-                                            <p:cond delay="0"/>
-                                          </p:stCondLst>
-                                        </p:cTn>
-                                        <p:tgtEl>
-                                          <p:spTgt spid="3">
-                                            <p:txEl>
-                                              <p:pRg st="4" end="4"/>
-                                            </p:txEl>
-                                          </p:spTgt>
+                                          <p:spTgt spid="13"/>
                                         </p:tgtEl>
                                         <p:attrNameLst>
                                           <p:attrName>style.visibility</p:attrName>
@@ -13087,178 +14778,7 @@
                                           </p:stCondLst>
                                         </p:cTn>
                                         <p:tgtEl>
-                                          <p:spTgt spid="11"/>
-                                        </p:tgtEl>
-                                        <p:attrNameLst>
-                                          <p:attrName>style.visibility</p:attrName>
-                                        </p:attrNameLst>
-                                      </p:cBhvr>
-                                      <p:to>
-                                        <p:strVal val="visible"/>
-                                      </p:to>
-                                    </p:set>
-                                  </p:childTnLst>
-                                </p:cTn>
-                              </p:par>
-                            </p:childTnLst>
-                          </p:cTn>
-                        </p:par>
-                      </p:childTnLst>
-                    </p:cTn>
-                  </p:par>
-                  <p:par>
-                    <p:cTn id="15" fill="hold">
-                      <p:stCondLst>
-                        <p:cond delay="indefinite"/>
-                      </p:stCondLst>
-                      <p:childTnLst>
-                        <p:par>
-                          <p:cTn id="16" fill="hold">
-                            <p:stCondLst>
-                              <p:cond delay="0"/>
-                            </p:stCondLst>
-                            <p:childTnLst>
-                              <p:par>
-                                <p:cTn id="17" presetID="1" presetClass="entr" presetSubtype="0" fill="hold" grpId="0" nodeType="clickEffect">
-                                  <p:stCondLst>
-                                    <p:cond delay="0"/>
-                                  </p:stCondLst>
-                                  <p:childTnLst>
-                                    <p:set>
-                                      <p:cBhvr>
-                                        <p:cTn id="18" dur="1" fill="hold">
-                                          <p:stCondLst>
-                                            <p:cond delay="0"/>
-                                          </p:stCondLst>
-                                        </p:cTn>
-                                        <p:tgtEl>
-                                          <p:spTgt spid="14"/>
-                                        </p:tgtEl>
-                                        <p:attrNameLst>
-                                          <p:attrName>style.visibility</p:attrName>
-                                        </p:attrNameLst>
-                                      </p:cBhvr>
-                                      <p:to>
-                                        <p:strVal val="visible"/>
-                                      </p:to>
-                                    </p:set>
-                                  </p:childTnLst>
-                                </p:cTn>
-                              </p:par>
-                              <p:par>
-                                <p:cTn id="19" presetID="1" presetClass="entr" presetSubtype="0" fill="hold" nodeType="withEffect">
-                                  <p:stCondLst>
-                                    <p:cond delay="0"/>
-                                  </p:stCondLst>
-                                  <p:childTnLst>
-                                    <p:set>
-                                      <p:cBhvr>
-                                        <p:cTn id="20" dur="1" fill="hold">
-                                          <p:stCondLst>
-                                            <p:cond delay="0"/>
-                                          </p:stCondLst>
-                                        </p:cTn>
-                                        <p:tgtEl>
-                                          <p:spTgt spid="12"/>
-                                        </p:tgtEl>
-                                        <p:attrNameLst>
-                                          <p:attrName>style.visibility</p:attrName>
-                                        </p:attrNameLst>
-                                      </p:cBhvr>
-                                      <p:to>
-                                        <p:strVal val="visible"/>
-                                      </p:to>
-                                    </p:set>
-                                  </p:childTnLst>
-                                </p:cTn>
-                              </p:par>
-                              <p:par>
-                                <p:cTn id="21" presetID="1" presetClass="entr" presetSubtype="0" fill="hold" grpId="0" nodeType="withEffect">
-                                  <p:stCondLst>
-                                    <p:cond delay="0"/>
-                                  </p:stCondLst>
-                                  <p:childTnLst>
-                                    <p:set>
-                                      <p:cBhvr>
-                                        <p:cTn id="22" dur="1" fill="hold">
-                                          <p:stCondLst>
-                                            <p:cond delay="0"/>
-                                          </p:stCondLst>
-                                        </p:cTn>
-                                        <p:tgtEl>
-                                          <p:spTgt spid="13"/>
-                                        </p:tgtEl>
-                                        <p:attrNameLst>
-                                          <p:attrName>style.visibility</p:attrName>
-                                        </p:attrNameLst>
-                                      </p:cBhvr>
-                                      <p:to>
-                                        <p:strVal val="visible"/>
-                                      </p:to>
-                                    </p:set>
-                                  </p:childTnLst>
-                                </p:cTn>
-                              </p:par>
-                              <p:par>
-                                <p:cTn id="23" presetID="1" presetClass="entr" presetSubtype="0" fill="hold" nodeType="withEffect">
-                                  <p:stCondLst>
-                                    <p:cond delay="0"/>
-                                  </p:stCondLst>
-                                  <p:childTnLst>
-                                    <p:set>
-                                      <p:cBhvr>
-                                        <p:cTn id="24" dur="1" fill="hold">
-                                          <p:stCondLst>
-                                            <p:cond delay="0"/>
-                                          </p:stCondLst>
-                                        </p:cTn>
-                                        <p:tgtEl>
-                                          <p:spTgt spid="16"/>
-                                        </p:tgtEl>
-                                        <p:attrNameLst>
-                                          <p:attrName>style.visibility</p:attrName>
-                                        </p:attrNameLst>
-                                      </p:cBhvr>
-                                      <p:to>
-                                        <p:strVal val="visible"/>
-                                      </p:to>
-                                    </p:set>
-                                  </p:childTnLst>
-                                </p:cTn>
-                              </p:par>
-                            </p:childTnLst>
-                          </p:cTn>
-                        </p:par>
-                      </p:childTnLst>
-                    </p:cTn>
-                  </p:par>
-                  <p:par>
-                    <p:cTn id="25" fill="hold">
-                      <p:stCondLst>
-                        <p:cond delay="indefinite"/>
-                      </p:stCondLst>
-                      <p:childTnLst>
-                        <p:par>
-                          <p:cTn id="26" fill="hold">
-                            <p:stCondLst>
-                              <p:cond delay="0"/>
-                            </p:stCondLst>
-                            <p:childTnLst>
-                              <p:par>
-                                <p:cTn id="27" presetID="1" presetClass="entr" presetSubtype="0" fill="hold" grpId="0" nodeType="clickEffect">
-                                  <p:stCondLst>
-                                    <p:cond delay="0"/>
-                                  </p:stCondLst>
-                                  <p:childTnLst>
-                                    <p:set>
-                                      <p:cBhvr>
-                                        <p:cTn id="28" dur="1" fill="hold">
-                                          <p:stCondLst>
-                                            <p:cond delay="0"/>
-                                          </p:stCondLst>
-                                        </p:cTn>
-                                        <p:tgtEl>
-                                          <p:spTgt spid="18"/>
+                                          <p:spTgt spid="10"/>
                                         </p:tgtEl>
                                         <p:attrNameLst>
                                           <p:attrName>style.visibility</p:attrName>
@@ -13298,11 +14818,6 @@
         </p:cTn>
       </p:par>
     </p:tnLst>
-    <p:bldLst>
-      <p:bldP spid="13" grpId="0" animBg="1"/>
-      <p:bldP spid="14" grpId="0" animBg="1"/>
-      <p:bldP spid="18" grpId="0" animBg="1"/>
-    </p:bldLst>
   </p:timing>
 </p:sld>
 </file>
@@ -13334,10 +14849,10 @@
       </p:grpSpPr>
       <p:sp useBgFill="1">
         <p:nvSpPr>
-          <p:cNvPr id="3148" name="Rectangle 3098">
+          <p:cNvPr id="3167" name="Rectangle 3166">
             <a:extLst>
               <a:ext uri="{FF2B5EF4-FFF2-40B4-BE49-F238E27FC236}">
-                <a16:creationId xmlns:a16="http://schemas.microsoft.com/office/drawing/2014/main" id="{F13C74B1-5B17-4795-BED0-7140497B445A}"/>
+                <a16:creationId xmlns:a16="http://schemas.microsoft.com/office/drawing/2014/main" id="{04812C46-200A-4DEB-A05E-3ED6C68C2387}"/>
               </a:ext>
               <a:ext uri="{C183D7F6-B498-43B3-948B-1728B52AA6E4}">
                 <adec:decorative xmlns:adec="http://schemas.microsoft.com/office/drawing/2017/decorative" val="1"/>
@@ -13357,7 +14872,7 @@
         </p:nvSpPr>
         <p:spPr>
           <a:xfrm>
-            <a:off x="0" y="0"/>
+            <a:off x="-1" y="0"/>
             <a:ext cx="12188952" cy="6858000"/>
           </a:xfrm>
           <a:prstGeom prst="rect">
@@ -13410,306 +14925,86 @@
         </p:nvSpPr>
         <p:spPr>
           <a:xfrm>
-            <a:off x="640080" y="325369"/>
-            <a:ext cx="4368602" cy="1956841"/>
+            <a:off x="6892119" y="891540"/>
+            <a:ext cx="4589493" cy="1578308"/>
           </a:xfrm>
         </p:spPr>
         <p:txBody>
-          <a:bodyPr anchor="b">
+          <a:bodyPr>
             <a:normAutofit/>
           </a:bodyPr>
           <a:lstStyle/>
           <a:p>
             <a:r>
-              <a:rPr lang="nl-NL" sz="5400" dirty="0"/>
+              <a:rPr lang="nl-NL" sz="4000"/>
               <a:t>Outlook</a:t>
             </a:r>
           </a:p>
         </p:txBody>
       </p:sp>
-      <p:sp>
-        <p:nvSpPr>
-          <p:cNvPr id="3149" name="sketchy line">
+      <p:pic>
+        <p:nvPicPr>
+          <p:cNvPr id="6" name="Afbeelding 5" descr="Afbeelding met tekst, schermopname&#10;&#10;Automatisch gegenereerde beschrijving">
             <a:extLst>
               <a:ext uri="{FF2B5EF4-FFF2-40B4-BE49-F238E27FC236}">
-                <a16:creationId xmlns:a16="http://schemas.microsoft.com/office/drawing/2014/main" id="{D4974D33-8DC5-464E-8C6D-BE58F0669C17}"/>
-              </a:ext>
-              <a:ext uri="{C183D7F6-B498-43B3-948B-1728B52AA6E4}">
-                <adec:decorative xmlns:adec="http://schemas.microsoft.com/office/drawing/2017/decorative" val="1"/>
+                <a16:creationId xmlns:a16="http://schemas.microsoft.com/office/drawing/2014/main" id="{292D261F-10C6-DFF8-6159-16415BBA7C21}"/>
               </a:ext>
             </a:extLst>
           </p:cNvPr>
-          <p:cNvSpPr>
-            <a:spLocks noGrp="1" noRot="1" noChangeAspect="1" noMove="1" noResize="1" noEditPoints="1" noAdjustHandles="1" noChangeArrowheads="1" noChangeShapeType="1" noTextEdit="1"/>
-          </p:cNvSpPr>
-          <p:nvPr>
-            <p:extLst>
-              <p:ext uri="{386F3935-93C4-4BCD-93E2-E3B085C9AB24}">
-                <p16:designElem xmlns:p16="http://schemas.microsoft.com/office/powerpoint/2015/main" val="1"/>
-              </p:ext>
-            </p:extLst>
-          </p:nvPr>
-        </p:nvSpPr>
+          <p:cNvPicPr>
+            <a:picLocks noChangeAspect="1"/>
+          </p:cNvPicPr>
+          <p:nvPr/>
+        </p:nvPicPr>
+        <p:blipFill rotWithShape="1">
+          <a:blip r:embed="rId2"/>
+          <a:srcRect t="2139" r="2" b="2"/>
+          <a:stretch/>
+        </p:blipFill>
         <p:spPr>
           <a:xfrm>
-            <a:off x="640080" y="2586994"/>
-            <a:ext cx="3474720" cy="18288"/>
+            <a:off x="1" y="10"/>
+            <a:ext cx="6832674" cy="6857990"/>
           </a:xfrm>
           <a:custGeom>
             <a:avLst/>
-            <a:gdLst>
-              <a:gd name="connsiteX0" fmla="*/ 0 w 3474720"/>
-              <a:gd name="connsiteY0" fmla="*/ 0 h 18288"/>
-              <a:gd name="connsiteX1" fmla="*/ 694944 w 3474720"/>
-              <a:gd name="connsiteY1" fmla="*/ 0 h 18288"/>
-              <a:gd name="connsiteX2" fmla="*/ 1355141 w 3474720"/>
-              <a:gd name="connsiteY2" fmla="*/ 0 h 18288"/>
-              <a:gd name="connsiteX3" fmla="*/ 2015338 w 3474720"/>
-              <a:gd name="connsiteY3" fmla="*/ 0 h 18288"/>
-              <a:gd name="connsiteX4" fmla="*/ 2779776 w 3474720"/>
-              <a:gd name="connsiteY4" fmla="*/ 0 h 18288"/>
-              <a:gd name="connsiteX5" fmla="*/ 3474720 w 3474720"/>
-              <a:gd name="connsiteY5" fmla="*/ 0 h 18288"/>
-              <a:gd name="connsiteX6" fmla="*/ 3474720 w 3474720"/>
-              <a:gd name="connsiteY6" fmla="*/ 18288 h 18288"/>
-              <a:gd name="connsiteX7" fmla="*/ 2779776 w 3474720"/>
-              <a:gd name="connsiteY7" fmla="*/ 18288 h 18288"/>
-              <a:gd name="connsiteX8" fmla="*/ 2189074 w 3474720"/>
-              <a:gd name="connsiteY8" fmla="*/ 18288 h 18288"/>
-              <a:gd name="connsiteX9" fmla="*/ 1528877 w 3474720"/>
-              <a:gd name="connsiteY9" fmla="*/ 18288 h 18288"/>
-              <a:gd name="connsiteX10" fmla="*/ 868680 w 3474720"/>
-              <a:gd name="connsiteY10" fmla="*/ 18288 h 18288"/>
-              <a:gd name="connsiteX11" fmla="*/ 0 w 3474720"/>
-              <a:gd name="connsiteY11" fmla="*/ 18288 h 18288"/>
-              <a:gd name="connsiteX12" fmla="*/ 0 w 3474720"/>
-              <a:gd name="connsiteY12" fmla="*/ 0 h 18288"/>
-            </a:gdLst>
+            <a:gdLst/>
             <a:ahLst/>
-            <a:cxnLst>
-              <a:cxn ang="0">
-                <a:pos x="connsiteX0" y="connsiteY0"/>
-              </a:cxn>
-              <a:cxn ang="0">
-                <a:pos x="connsiteX1" y="connsiteY1"/>
-              </a:cxn>
-              <a:cxn ang="0">
-                <a:pos x="connsiteX2" y="connsiteY2"/>
-              </a:cxn>
-              <a:cxn ang="0">
-                <a:pos x="connsiteX3" y="connsiteY3"/>
-              </a:cxn>
-              <a:cxn ang="0">
-                <a:pos x="connsiteX4" y="connsiteY4"/>
-              </a:cxn>
-              <a:cxn ang="0">
-                <a:pos x="connsiteX5" y="connsiteY5"/>
-              </a:cxn>
-              <a:cxn ang="0">
-                <a:pos x="connsiteX6" y="connsiteY6"/>
-              </a:cxn>
-              <a:cxn ang="0">
-                <a:pos x="connsiteX7" y="connsiteY7"/>
-              </a:cxn>
-              <a:cxn ang="0">
-                <a:pos x="connsiteX8" y="connsiteY8"/>
-              </a:cxn>
-              <a:cxn ang="0">
-                <a:pos x="connsiteX9" y="connsiteY9"/>
-              </a:cxn>
-              <a:cxn ang="0">
-                <a:pos x="connsiteX10" y="connsiteY10"/>
-              </a:cxn>
-              <a:cxn ang="0">
-                <a:pos x="connsiteX11" y="connsiteY11"/>
-              </a:cxn>
-              <a:cxn ang="0">
-                <a:pos x="connsiteX12" y="connsiteY12"/>
-              </a:cxn>
-            </a:cxnLst>
+            <a:cxnLst/>
             <a:rect l="l" t="t" r="r" b="b"/>
             <a:pathLst>
-              <a:path w="3474720" h="18288" fill="none" extrusionOk="0">
+              <a:path w="6832674" h="6858000">
                 <a:moveTo>
                   <a:pt x="0" y="0"/>
                 </a:moveTo>
+                <a:lnTo>
+                  <a:pt x="6832674" y="0"/>
+                </a:lnTo>
+                <a:lnTo>
+                  <a:pt x="6749707" y="183520"/>
+                </a:lnTo>
                 <a:cubicBezTo>
-                  <a:pt x="224454" y="-14544"/>
-                  <a:pt x="495407" y="26540"/>
-                  <a:pt x="694944" y="0"/>
+                  <a:pt x="6327787" y="1181050"/>
+                  <a:pt x="6094475" y="2277779"/>
+                  <a:pt x="6094475" y="3429000"/>
                 </a:cubicBezTo>
                 <a:cubicBezTo>
-                  <a:pt x="894481" y="-26540"/>
-                  <a:pt x="1130063" y="24713"/>
-                  <a:pt x="1355141" y="0"/>
+                  <a:pt x="6094475" y="4580222"/>
+                  <a:pt x="6327787" y="5676950"/>
+                  <a:pt x="6749707" y="6674481"/>
                 </a:cubicBezTo>
-                <a:cubicBezTo>
-                  <a:pt x="1580219" y="-24713"/>
-                  <a:pt x="1820099" y="26695"/>
-                  <a:pt x="2015338" y="0"/>
-                </a:cubicBezTo>
-                <a:cubicBezTo>
-                  <a:pt x="2210577" y="-26695"/>
-                  <a:pt x="2402045" y="165"/>
-                  <a:pt x="2779776" y="0"/>
-                </a:cubicBezTo>
-                <a:cubicBezTo>
-                  <a:pt x="3157507" y="-165"/>
-                  <a:pt x="3286859" y="-15571"/>
-                  <a:pt x="3474720" y="0"/>
-                </a:cubicBezTo>
-                <a:cubicBezTo>
-                  <a:pt x="3474286" y="7551"/>
-                  <a:pt x="3474253" y="9822"/>
-                  <a:pt x="3474720" y="18288"/>
-                </a:cubicBezTo>
-                <a:cubicBezTo>
-                  <a:pt x="3233904" y="29845"/>
-                  <a:pt x="2945134" y="-5256"/>
-                  <a:pt x="2779776" y="18288"/>
-                </a:cubicBezTo>
-                <a:cubicBezTo>
-                  <a:pt x="2614418" y="41832"/>
-                  <a:pt x="2339768" y="22709"/>
-                  <a:pt x="2189074" y="18288"/>
-                </a:cubicBezTo>
-                <a:cubicBezTo>
-                  <a:pt x="2038380" y="13867"/>
-                  <a:pt x="1817434" y="-4947"/>
-                  <a:pt x="1528877" y="18288"/>
-                </a:cubicBezTo>
-                <a:cubicBezTo>
-                  <a:pt x="1240320" y="41523"/>
-                  <a:pt x="1042447" y="37198"/>
-                  <a:pt x="868680" y="18288"/>
-                </a:cubicBezTo>
-                <a:cubicBezTo>
-                  <a:pt x="694913" y="-622"/>
-                  <a:pt x="233232" y="44909"/>
-                  <a:pt x="0" y="18288"/>
-                </a:cubicBezTo>
-                <a:cubicBezTo>
-                  <a:pt x="60" y="11696"/>
-                  <a:pt x="66" y="3758"/>
-                  <a:pt x="0" y="0"/>
-                </a:cubicBezTo>
-                <a:close/>
-              </a:path>
-              <a:path w="3474720" h="18288" stroke="0" extrusionOk="0">
-                <a:moveTo>
-                  <a:pt x="0" y="0"/>
-                </a:moveTo>
-                <a:cubicBezTo>
-                  <a:pt x="202328" y="-14716"/>
-                  <a:pt x="332722" y="-11499"/>
-                  <a:pt x="625450" y="0"/>
-                </a:cubicBezTo>
-                <a:cubicBezTo>
-                  <a:pt x="918178" y="11499"/>
-                  <a:pt x="1096688" y="5123"/>
-                  <a:pt x="1389888" y="0"/>
-                </a:cubicBezTo>
-                <a:cubicBezTo>
-                  <a:pt x="1683088" y="-5123"/>
-                  <a:pt x="1835981" y="-14038"/>
-                  <a:pt x="1980590" y="0"/>
-                </a:cubicBezTo>
-                <a:cubicBezTo>
-                  <a:pt x="2125199" y="14038"/>
-                  <a:pt x="2396099" y="-7203"/>
-                  <a:pt x="2571293" y="0"/>
-                </a:cubicBezTo>
-                <a:cubicBezTo>
-                  <a:pt x="2746487" y="7203"/>
-                  <a:pt x="3041609" y="-12036"/>
-                  <a:pt x="3474720" y="0"/>
-                </a:cubicBezTo>
-                <a:cubicBezTo>
-                  <a:pt x="3474638" y="4406"/>
-                  <a:pt x="3474631" y="9982"/>
-                  <a:pt x="3474720" y="18288"/>
-                </a:cubicBezTo>
-                <a:cubicBezTo>
-                  <a:pt x="3324873" y="21876"/>
-                  <a:pt x="3136771" y="12587"/>
-                  <a:pt x="2814523" y="18288"/>
-                </a:cubicBezTo>
-                <a:cubicBezTo>
-                  <a:pt x="2492275" y="23989"/>
-                  <a:pt x="2294402" y="47111"/>
-                  <a:pt x="2154326" y="18288"/>
-                </a:cubicBezTo>
-                <a:cubicBezTo>
-                  <a:pt x="2014250" y="-10535"/>
-                  <a:pt x="1820317" y="33903"/>
-                  <a:pt x="1494130" y="18288"/>
-                </a:cubicBezTo>
-                <a:cubicBezTo>
-                  <a:pt x="1167943" y="2673"/>
-                  <a:pt x="948432" y="14868"/>
-                  <a:pt x="729691" y="18288"/>
-                </a:cubicBezTo>
-                <a:cubicBezTo>
-                  <a:pt x="510950" y="21708"/>
-                  <a:pt x="264032" y="24354"/>
-                  <a:pt x="0" y="18288"/>
-                </a:cubicBezTo>
-                <a:cubicBezTo>
-                  <a:pt x="189" y="14288"/>
-                  <a:pt x="-703" y="3747"/>
-                  <a:pt x="0" y="0"/>
-                </a:cubicBezTo>
+                <a:lnTo>
+                  <a:pt x="6832674" y="6858000"/>
+                </a:lnTo>
+                <a:lnTo>
+                  <a:pt x="0" y="6858000"/>
+                </a:lnTo>
                 <a:close/>
               </a:path>
             </a:pathLst>
           </a:custGeom>
-          <a:solidFill>
-            <a:schemeClr val="accent2"/>
-          </a:solidFill>
-          <a:ln w="44450" cap="rnd">
-            <a:solidFill>
-              <a:schemeClr val="accent2"/>
-            </a:solidFill>
-            <a:round/>
-            <a:extLst>
-              <a:ext uri="{C807C97D-BFC1-408E-A445-0C87EB9F89A2}">
-                <ask:lineSketchStyleProps xmlns:ask="http://schemas.microsoft.com/office/drawing/2018/sketchyshapes" sd="2863741219">
-                  <a:prstGeom prst="rect">
-                    <a:avLst/>
-                  </a:prstGeom>
-                  <ask:type>
-                    <ask:lineSketchFreehand/>
-                  </ask:type>
-                </ask:lineSketchStyleProps>
-              </a:ext>
-            </a:extLst>
-          </a:ln>
         </p:spPr>
-        <p:style>
-          <a:lnRef idx="2">
-            <a:schemeClr val="accent1">
-              <a:shade val="50000"/>
-            </a:schemeClr>
-          </a:lnRef>
-          <a:fillRef idx="1">
-            <a:schemeClr val="accent1"/>
-          </a:fillRef>
-          <a:effectRef idx="0">
-            <a:schemeClr val="accent1"/>
-          </a:effectRef>
-          <a:fontRef idx="minor">
-            <a:schemeClr val="lt1"/>
-          </a:fontRef>
-        </p:style>
-        <p:txBody>
-          <a:bodyPr rtlCol="0" anchor="ctr"/>
-          <a:lstStyle/>
-          <a:p>
-            <a:pPr algn="ctr"/>
-            <a:endParaRPr lang="en-US"/>
-          </a:p>
-        </p:txBody>
-      </p:sp>
+      </p:pic>
       <p:sp>
         <p:nvSpPr>
           <p:cNvPr id="3" name="Tijdelijke aanduiding voor inhoud 2">
@@ -13728,8 +15023,8 @@
         </p:nvSpPr>
         <p:spPr>
           <a:xfrm>
-            <a:off x="640080" y="2872899"/>
-            <a:ext cx="4243589" cy="3320668"/>
+            <a:off x="6892119" y="2630161"/>
+            <a:ext cx="4589491" cy="3332489"/>
           </a:xfrm>
         </p:spPr>
         <p:txBody>
@@ -13738,181 +15033,25 @@
           </a:bodyPr>
           <a:lstStyle/>
           <a:p>
-            <a:pPr>
-              <a:lnSpc>
-                <a:spcPct val="200000"/>
-              </a:lnSpc>
-            </a:pPr>
             <a:r>
-              <a:rPr lang="en-GB" sz="2200" dirty="0"/>
+              <a:rPr lang="en-GB" sz="2000" dirty="0"/>
               <a:t>Impact of noise on fit</a:t>
             </a:r>
           </a:p>
           <a:p>
-            <a:pPr>
-              <a:lnSpc>
-                <a:spcPct val="200000"/>
-              </a:lnSpc>
-            </a:pPr>
             <a:r>
-              <a:rPr lang="en-GB" sz="2200" dirty="0"/>
+              <a:rPr lang="en-GB" sz="2000" dirty="0"/>
               <a:t>Impact of phase differences on fit</a:t>
             </a:r>
           </a:p>
           <a:p>
-            <a:pPr>
-              <a:lnSpc>
-                <a:spcPct val="200000"/>
-              </a:lnSpc>
-            </a:pPr>
             <a:r>
-              <a:rPr lang="en-GB" sz="2200" dirty="0"/>
+              <a:rPr lang="en-GB" sz="2000" dirty="0"/>
               <a:t>Continuous Quinn’s and Jains</a:t>
             </a:r>
           </a:p>
         </p:txBody>
       </p:sp>
-      <p:pic>
-        <p:nvPicPr>
-          <p:cNvPr id="6" name="Afbeelding 5">
-            <a:extLst>
-              <a:ext uri="{FF2B5EF4-FFF2-40B4-BE49-F238E27FC236}">
-                <a16:creationId xmlns:a16="http://schemas.microsoft.com/office/drawing/2014/main" id="{292D261F-10C6-DFF8-6159-16415BBA7C21}"/>
-              </a:ext>
-            </a:extLst>
-          </p:cNvPr>
-          <p:cNvPicPr>
-            <a:picLocks noChangeAspect="1"/>
-          </p:cNvPicPr>
-          <p:nvPr/>
-        </p:nvPicPr>
-        <p:blipFill rotWithShape="1">
-          <a:blip r:embed="rId2"/>
-          <a:srcRect t="2795" r="1" b="1"/>
-          <a:stretch/>
-        </p:blipFill>
-        <p:spPr>
-          <a:xfrm>
-            <a:off x="5311702" y="10"/>
-            <a:ext cx="6878775" cy="6857990"/>
-          </a:xfrm>
-          <a:custGeom>
-            <a:avLst/>
-            <a:gdLst/>
-            <a:ahLst/>
-            <a:cxnLst/>
-            <a:rect l="l" t="t" r="r" b="b"/>
-            <a:pathLst>
-              <a:path w="6878775" h="6858000">
-                <a:moveTo>
-                  <a:pt x="1102973" y="0"/>
-                </a:moveTo>
-                <a:lnTo>
-                  <a:pt x="1160688" y="0"/>
-                </a:lnTo>
-                <a:lnTo>
-                  <a:pt x="983189" y="331786"/>
-                </a:lnTo>
-                <a:cubicBezTo>
-                  <a:pt x="914866" y="469145"/>
-                  <a:pt x="850355" y="608712"/>
-                  <a:pt x="789261" y="750263"/>
-                </a:cubicBezTo>
-                <a:cubicBezTo>
-                  <a:pt x="774307" y="784928"/>
-                  <a:pt x="759992" y="819849"/>
-                  <a:pt x="745295" y="854514"/>
-                </a:cubicBezTo>
-                <a:cubicBezTo>
-                  <a:pt x="756682" y="845393"/>
-                  <a:pt x="765489" y="833492"/>
-                  <a:pt x="770857" y="819975"/>
-                </a:cubicBezTo>
-                <a:cubicBezTo>
-                  <a:pt x="879943" y="589569"/>
-                  <a:pt x="999605" y="365513"/>
-                  <a:pt x="1131329" y="148742"/>
-                </a:cubicBezTo>
-                <a:lnTo>
-                  <a:pt x="1227589" y="0"/>
-                </a:lnTo>
-                <a:lnTo>
-                  <a:pt x="6878775" y="0"/>
-                </a:lnTo>
-                <a:lnTo>
-                  <a:pt x="6878775" y="6858000"/>
-                </a:lnTo>
-                <a:lnTo>
-                  <a:pt x="713521" y="6858000"/>
-                </a:lnTo>
-                <a:lnTo>
-                  <a:pt x="625642" y="6670527"/>
-                </a:lnTo>
-                <a:cubicBezTo>
-                  <a:pt x="507232" y="6398531"/>
-                  <a:pt x="403083" y="6118381"/>
-                  <a:pt x="312785" y="5830359"/>
-                </a:cubicBezTo>
-                <a:cubicBezTo>
-                  <a:pt x="278149" y="5719759"/>
-                  <a:pt x="248879" y="5607635"/>
-                  <a:pt x="212198" y="5480401"/>
-                </a:cubicBezTo>
-                <a:cubicBezTo>
-                  <a:pt x="212208" y="5491601"/>
-                  <a:pt x="212803" y="5502788"/>
-                  <a:pt x="213988" y="5513923"/>
-                </a:cubicBezTo>
-                <a:cubicBezTo>
-                  <a:pt x="264089" y="5723695"/>
-                  <a:pt x="307290" y="5935370"/>
-                  <a:pt x="365826" y="6142729"/>
-                </a:cubicBezTo>
-                <a:cubicBezTo>
-                  <a:pt x="433152" y="6380817"/>
-                  <a:pt x="510068" y="6614016"/>
-                  <a:pt x="597975" y="6841549"/>
-                </a:cubicBezTo>
-                <a:lnTo>
-                  <a:pt x="604824" y="6858000"/>
-                </a:lnTo>
-                <a:lnTo>
-                  <a:pt x="552056" y="6858000"/>
-                </a:lnTo>
-                <a:lnTo>
-                  <a:pt x="539576" y="6828295"/>
-                </a:lnTo>
-                <a:cubicBezTo>
-                  <a:pt x="380597" y="6414594"/>
-                  <a:pt x="260223" y="5988893"/>
-                  <a:pt x="171555" y="5552906"/>
-                </a:cubicBezTo>
-                <a:cubicBezTo>
-                  <a:pt x="91163" y="5157998"/>
-                  <a:pt x="43746" y="4758899"/>
-                  <a:pt x="12305" y="4357388"/>
-                </a:cubicBezTo>
-                <a:cubicBezTo>
-                  <a:pt x="-14281" y="4013908"/>
-                  <a:pt x="4507" y="3672965"/>
-                  <a:pt x="46684" y="3331516"/>
-                </a:cubicBezTo>
-                <a:cubicBezTo>
-                  <a:pt x="127203" y="2664286"/>
-                  <a:pt x="277819" y="2007265"/>
-                  <a:pt x="496065" y="1371196"/>
-                </a:cubicBezTo>
-                <a:cubicBezTo>
-                  <a:pt x="636273" y="966066"/>
-                  <a:pt x="800445" y="573253"/>
-                  <a:pt x="995723" y="196614"/>
-                </a:cubicBezTo>
-                <a:close/>
-              </a:path>
-            </a:pathLst>
-          </a:custGeom>
-        </p:spPr>
-      </p:pic>
     </p:spTree>
     <p:extLst>
       <p:ext uri="{BB962C8B-B14F-4D97-AF65-F5344CB8AC3E}">
